--- a/Lecture Slides/05 Generics.pptx
+++ b/Lecture Slides/05 Generics.pptx
@@ -5,10 +5,10 @@
     <p:sldMasterId id="2147483648" r:id="rId4"/>
   </p:sldMasterIdLst>
   <p:notesMasterIdLst>
-    <p:notesMasterId r:id="rId24"/>
+    <p:notesMasterId r:id="rId26"/>
   </p:notesMasterIdLst>
   <p:handoutMasterIdLst>
-    <p:handoutMasterId r:id="rId25"/>
+    <p:handoutMasterId r:id="rId27"/>
   </p:handoutMasterIdLst>
   <p:sldIdLst>
     <p:sldId id="256" r:id="rId5"/>
@@ -23,13 +23,15 @@
     <p:sldId id="265" r:id="rId14"/>
     <p:sldId id="266" r:id="rId15"/>
     <p:sldId id="269" r:id="rId16"/>
-    <p:sldId id="270" r:id="rId17"/>
-    <p:sldId id="271" r:id="rId18"/>
-    <p:sldId id="267" r:id="rId19"/>
-    <p:sldId id="272" r:id="rId20"/>
-    <p:sldId id="268" r:id="rId21"/>
-    <p:sldId id="274" r:id="rId22"/>
-    <p:sldId id="273" r:id="rId23"/>
+    <p:sldId id="276" r:id="rId17"/>
+    <p:sldId id="270" r:id="rId18"/>
+    <p:sldId id="271" r:id="rId19"/>
+    <p:sldId id="267" r:id="rId20"/>
+    <p:sldId id="272" r:id="rId21"/>
+    <p:sldId id="275" r:id="rId22"/>
+    <p:sldId id="268" r:id="rId23"/>
+    <p:sldId id="274" r:id="rId24"/>
+    <p:sldId id="273" r:id="rId25"/>
   </p:sldIdLst>
   <p:sldSz cx="9144000" cy="6858000" type="screen4x3"/>
   <p:notesSz cx="6858000" cy="9144000"/>
@@ -183,7 +185,8 @@
 <file path=ppt/revisionInfo.xml><?xml version="1.0" encoding="utf-8"?>
 <p1510:revInfo xmlns:a="http://schemas.openxmlformats.org/drawingml/2006/main" xmlns:r="http://schemas.openxmlformats.org/officeDocument/2006/relationships" xmlns:p1510="http://schemas.microsoft.com/office/powerpoint/2015/10/main">
   <p1510:revLst>
-    <p1510:client id="{CA166244-EFE8-4835-B558-0557A4CB563E}" v="1" dt="2024-05-21T18:35:21.186"/>
+    <p1510:client id="{6C49AF94-D978-4976-AE7A-BD79EAFFEBBD}" v="2" dt="2024-10-18T16:00:46.652"/>
+    <p1510:client id="{A38A17AB-50E9-4C4B-ADB3-4959E9095AE9}" v="1" dt="2024-10-18T14:24:12.133"/>
   </p1510:revLst>
 </p1510:revInfo>
 </file>
@@ -3267,6 +3270,53 @@
             <ac:spMk id="3" creationId="{1362A65C-38E7-7F4A-04CF-888B92511C9A}"/>
           </ac:spMkLst>
         </pc:spChg>
+      </pc:sldChg>
+    </pc:docChg>
+  </pc:docChgLst>
+  <pc:docChgLst>
+    <pc:chgData name="Raymer, Michael L." userId="96c2fb1d-e79c-4ca3-9876-783e98fdd04a" providerId="ADAL" clId="{6C49AF94-D978-4976-AE7A-BD79EAFFEBBD}"/>
+    <pc:docChg chg="undo custSel addSld modSld">
+      <pc:chgData name="Raymer, Michael L." userId="96c2fb1d-e79c-4ca3-9876-783e98fdd04a" providerId="ADAL" clId="{6C49AF94-D978-4976-AE7A-BD79EAFFEBBD}" dt="2024-10-18T16:00:46.650" v="11"/>
+      <pc:docMkLst>
+        <pc:docMk/>
+      </pc:docMkLst>
+      <pc:sldChg chg="addSp modSp mod">
+        <pc:chgData name="Raymer, Michael L." userId="96c2fb1d-e79c-4ca3-9876-783e98fdd04a" providerId="ADAL" clId="{6C49AF94-D978-4976-AE7A-BD79EAFFEBBD}" dt="2024-10-18T16:00:46.650" v="11"/>
+        <pc:sldMkLst>
+          <pc:docMk/>
+          <pc:sldMk cId="1890740296" sldId="275"/>
+        </pc:sldMkLst>
+        <pc:spChg chg="mod">
+          <ac:chgData name="Raymer, Michael L." userId="96c2fb1d-e79c-4ca3-9876-783e98fdd04a" providerId="ADAL" clId="{6C49AF94-D978-4976-AE7A-BD79EAFFEBBD}" dt="2024-10-18T15:56:35.559" v="10" actId="20577"/>
+          <ac:spMkLst>
+            <pc:docMk/>
+            <pc:sldMk cId="1890740296" sldId="275"/>
+            <ac:spMk id="8" creationId="{2CF8472D-D275-AEE2-28FC-FD19F7F0463C}"/>
+          </ac:spMkLst>
+        </pc:spChg>
+        <pc:inkChg chg="add">
+          <ac:chgData name="Raymer, Michael L." userId="96c2fb1d-e79c-4ca3-9876-783e98fdd04a" providerId="ADAL" clId="{6C49AF94-D978-4976-AE7A-BD79EAFFEBBD}" dt="2024-10-18T16:00:46.650" v="11"/>
+          <ac:inkMkLst>
+            <pc:docMk/>
+            <pc:sldMk cId="1890740296" sldId="275"/>
+            <ac:inkMk id="3" creationId="{EC72454D-471D-A274-F7FC-93383817FCBC}"/>
+          </ac:inkMkLst>
+        </pc:inkChg>
+      </pc:sldChg>
+      <pc:sldChg chg="addSp new">
+        <pc:chgData name="Raymer, Michael L." userId="96c2fb1d-e79c-4ca3-9876-783e98fdd04a" providerId="ADAL" clId="{6C49AF94-D978-4976-AE7A-BD79EAFFEBBD}" dt="2024-10-18T15:43:19.621" v="1"/>
+        <pc:sldMkLst>
+          <pc:docMk/>
+          <pc:sldMk cId="2675263640" sldId="276"/>
+        </pc:sldMkLst>
+        <pc:inkChg chg="add">
+          <ac:chgData name="Raymer, Michael L." userId="96c2fb1d-e79c-4ca3-9876-783e98fdd04a" providerId="ADAL" clId="{6C49AF94-D978-4976-AE7A-BD79EAFFEBBD}" dt="2024-10-18T15:43:19.621" v="1"/>
+          <ac:inkMkLst>
+            <pc:docMk/>
+            <pc:sldMk cId="2675263640" sldId="276"/>
+            <ac:inkMk id="6" creationId="{C9F40621-C77B-EBB5-9936-A28A6C187F7D}"/>
+          </ac:inkMkLst>
+        </pc:inkChg>
       </pc:sldChg>
     </pc:docChg>
   </pc:docChgLst>
@@ -7248,6 +7298,22 @@
       </pc:sldChg>
     </pc:docChg>
   </pc:docChgLst>
+  <pc:docChgLst>
+    <pc:chgData name="Raymer, Michael L." userId="96c2fb1d-e79c-4ca3-9876-783e98fdd04a" providerId="ADAL" clId="{A38A17AB-50E9-4C4B-ADB3-4959E9095AE9}"/>
+    <pc:docChg chg="addSld modSld">
+      <pc:chgData name="Raymer, Michael L." userId="96c2fb1d-e79c-4ca3-9876-783e98fdd04a" providerId="ADAL" clId="{A38A17AB-50E9-4C4B-ADB3-4959E9095AE9}" dt="2024-10-18T14:24:12.132" v="0"/>
+      <pc:docMkLst>
+        <pc:docMk/>
+      </pc:docMkLst>
+      <pc:sldChg chg="add">
+        <pc:chgData name="Raymer, Michael L." userId="96c2fb1d-e79c-4ca3-9876-783e98fdd04a" providerId="ADAL" clId="{A38A17AB-50E9-4C4B-ADB3-4959E9095AE9}" dt="2024-10-18T14:24:12.132" v="0"/>
+        <pc:sldMkLst>
+          <pc:docMk/>
+          <pc:sldMk cId="1890740296" sldId="275"/>
+        </pc:sldMkLst>
+      </pc:sldChg>
+    </pc:docChg>
+  </pc:docChgLst>
 </pc:chgInfo>
 </file>
 
@@ -7595,6 +7661,162 @@
   </p:cSld>
   <p:clrMap bg1="lt1" tx1="dk1" bg2="lt2" tx2="dk2" accent1="accent1" accent2="accent2" accent3="accent3" accent4="accent4" accent5="accent5" accent6="accent6" hlink="hlink" folHlink="folHlink"/>
 </p:handoutMaster>
+</file>
+
+<file path=ppt/ink/ink1.xml><?xml version="1.0" encoding="utf-8"?>
+<inkml:ink xmlns:inkml="http://www.w3.org/2003/InkML">
+  <inkml:definitions>
+    <inkml:context xml:id="ctx0">
+      <inkml:inkSource xml:id="inkSrc0">
+        <inkml:traceFormat>
+          <inkml:channel name="X" type="integer" max="25920" units="cm"/>
+          <inkml:channel name="Y" type="integer" max="17280" units="cm"/>
+          <inkml:channel name="F" type="integer" max="4095" units="dev"/>
+          <inkml:channel name="T" type="integer" max="2.14748E9" units="dev"/>
+        </inkml:traceFormat>
+        <inkml:channelProperties>
+          <inkml:channelProperty channel="X" name="resolution" value="1000" units="1/cm"/>
+          <inkml:channelProperty channel="Y" name="resolution" value="1000" units="1/cm"/>
+          <inkml:channelProperty channel="F" name="resolution" value="0" units="1/dev"/>
+          <inkml:channelProperty channel="T" name="resolution" value="1" units="1/dev"/>
+        </inkml:channelProperties>
+      </inkml:inkSource>
+      <inkml:timestamp xml:id="ts0" timeString="2024-10-18T15:41:38.278"/>
+    </inkml:context>
+    <inkml:brush xml:id="br0">
+      <inkml:brushProperty name="width" value="0.05292" units="cm"/>
+      <inkml:brushProperty name="height" value="0.05292" units="cm"/>
+      <inkml:brushProperty name="color" value="#FF0000"/>
+    </inkml:brush>
+  </inkml:definitions>
+  <inkml:trace contextRef="#ctx0" brushRef="#br0">3549 4973 547 0,'-6'10'346'0,"5"3"-125"16,0-7-97-16,-3 4 66 0,3-5-43 0,2 2 2 16,-1-2-7-16,0-1-11 0,2 1-10 0,-2 0-11 15,2-2-23-15,-2 0-8 0,0-2-7 0,0 3-8 16,4-1-20-16,-4-3-7 0,2 0 0 16,-2-1-6-16,0-1-10 0,-1-2-5 0,1 0 1 0,-1-4-3 15,1-3-3-15,0 1-1 0,-1-3-6 0,1-1 1 16,1-2-2-16,-1-3-1 0,0 0-1 0,2-2 0 15,-2 1 0-15,2-2-1 0,1 0 0 0,-1 1 0 16,-1 0 0-16,3-2 1 0,0 1-1 0,-3-4-1 16,3 2 0-16,-1-6-1 0,1 2 1 0,1-7-1 15,0-1-1-15,1-5-1 0,0 4 1 0,3-1 1 16,-2 0-1-16,2 2 2 0,0 1-1 0,-1 6 2 16,-1 7-2-16,4-1 2 0,-4 0-1 0,0 5 1 15,-2 4 2-15,0 1-2 0,0 0 1 0,-5 4-1 16,2-2 1-16,-2 8-1 0,0 1 0 0,0 0-2 15,-1 2 1-15,0 1 1 0,-1 4 0 0,2 0 0 16,-2 2 1-16,-1 1-1 0,1-1 1 0,0 3 2 16,2 1-2-16,0-1 0 0,-1 3 1 0,0 1 0 15,1 2-2-15,0-2 2 0,1 6-1 0,0 1-1 16,0 2 1-16,1 1 0 0,1-2-1 0,-2 3-1 0,0 5 0 16,1 1 1-16,0-5 0 0,-1 4 1 0,-1 1-1 15,1 3 0-15,-1-2-1 0,3 2 2 0,-2-5 1 16,1 4 0-16,0-2-2 0,0-3 0 0,3-1 0 15,0-3 0-15,2 4 0 0,-1-7 1 0,2-4-1 16,-1-5-1-16,1 2 0 0,-2-6 1 0,1 0 1 16,-1-7 1-16,1 0 1 0,1-3-2 15,-2-1 1-15,2-4 1 0,-1 1 2 0,3-8-4 0,-4 2 1 16,2-1 2-16,-3-5-1 0,2-2-1 0,0 1 1 16,-2 0-2-16,5-3 0 0,-3-7 1 15,2-1 1-15,-3 2-3 0,3-4 0 0,-1-2 0 0,5-9 0 16,-3-10 0-16,0 4 1 0,3 6 0 0,-1-3-1 15,1-2 3-15,2 5-1 0,1 7 2 0,-4 5-1 16,3 1 1-16,-3 8-2 0,-2 3-1 0,-1 3 2 16,-1 3-2-16,-2 1 0 0,-1 4-1 0,-1 4 1 15,0-1 0-15,-3 4-2 0,1 2-5 0,-2 4-31 16,0-3-21-16,-2 4-27 0,-1-1-33 0,0-1 79 16,-2 4-67-16,4 1-23 0</inkml:trace>
+  <inkml:trace contextRef="#ctx0" brushRef="#br0" timeOffset="633.38">4310 4525 452 0,'2'-6'314'16,"2"3"-97"-16,-1-1-103 0,-3 2 74 0,1-1-37 15,-1 3-6-15,1 0-9 0,-3-2-17 0,1 0-32 0,-3 4-9 16,-2 3 3-16,3-3-7 0,-1 2-21 0,-3 3-5 16,2 3-5-16,-3 1 1 0,3 4-4 0,-1-1-3 15,3-1-13-15,-4 7 0 0,2 1-5 0,-2 0 0 16,2 1-6-16,2 4-6 0,-1 2-1 16,2 2-2-16,1-4-1 0,4 2-3 0,-2 0 2 15,11-8-4-15,-1 1 2 0,5-8-1 0,-2 3 0 16,10-16-2-16,-4 1 2 0,3-7 1 0,1-5 0 15,-2-6 1-15,3-1 2 0,-5-1 1 0,-4-2 1 0,3-6 3 16,2 1-2-16,-4 1 3 0,-3 0-3 0,0-1 3 0,-2-2 1 16,-2-2-2-16,4-1 1 0,-9 7-2 0,-1-6-1 15,2 4-2-15,-4-1-2 0,-2 4-9 0,0 3-33 16,-1 1-18-16,-2 5 12 0,-1 4-54 16,-1 6-81-16,-1 0-59 0,0 7 157 0,0 6-119 0,3 10-66 15</inkml:trace>
+  <inkml:trace contextRef="#ctx0" brushRef="#br0" timeOffset="1190.55">4813 4498 1007 0,'7'-2'409'0,"3"0"-245"0,-10 2-83 16,3 5 8-16,-2 6-4 0,-5-1 3 0,4 4-4 16,-4 5-17-16,-5 5-14 0,3-3-14 0,1 0-18 0,0 6-6 15,-5-1-2-15,6 1-3 0,-7-2-5 0,7-3 1 16,3-3-1-16,-4 4 0 0,5-9 0 0,-1 3-2 16,1-11 0-16,3 0 0 0,0-2 3 0,0-4-1 15,0-5-2-15,5-8 2 0,-1-1-2 0,3-3 1 16,1-2 3-16,-1-6 1 0,0 0 0 0,2-2-1 15,1-3 3-15,-4-2 0 0,3 1-1 16,0-5 1-16,-1 2-3 0,2 1-2 0,-1-2 0 16,1 6-1-16,-2 0-1 0,-2 7 0 0,-1 13 3 0,0 1 9 15,-1-2 6-15,-3 8 6 0,-2 7 5 0,-1 3 4 0,1 10 11 16,-2 7-1-16,-1-4-2 0,-2 9-9 0,2 5-5 16,0 2-5-16,-1 6-4 0,2-2-5 0,-1-8-10 15,1 3-2-15,2-7-1 0,1-8-3 0,1-4 2 16,1-2-1-16,1-10 1 0,0-5 0 0,1-2 2 15,-1 0 3-15,0-10-2 0,-1-1 1 0,1-5 0 16,-1 1 2-16,1-4-3 0,0 0 1 0,-1-1-1 16,1-2-2-16,-2 2 0 0,1-2 2 15,-1 5-4-15,2-1-1 0,3-1 0 0,-2 1-1 16,0 4-1-16,4 0 1 0,-2 6-1 0,3 5 2 16,0 9 4-16,-1-4 2 0,-2 10 2 0,2 6 6 15,0 2 5-15,0 6 2 0,1 3 1 0,-3 3-1 16,0 1 1-16,-1 4-3 0,-6-2-1 0,7 1-7 15,-3 0-5-15,-1-10-7 0,-1 2-14 0,2-6-41 16,0 1-24-16,0-13-37 0,3 3-55 0,-7-9 116 16,2-2-91-16,-4-9-29 0</inkml:trace>
+  <inkml:trace contextRef="#ctx0" brushRef="#br0" timeOffset="1932.3">5625 3898 913 0,'9'-13'419'16,"-2"3"-265"-16,0-1-87 0,-3 3-2 0,-2 3 9 15,4 1 2-15,-2 3 17 0,-3 1-15 0,1 5-28 16,-2-1-5-16,1 5-4 0,0 4-2 0,-5 6-4 16,-2-1 2-16,-1 6-15 0,0 8 15 0,-4 5-4 15,0-1-5-15,1 18-4 0,-2-6-5 0,1 9-5 16,-1 0-3-16,2 6-2 0,1 0-1 0,0-1-5 16,2 1 3-16,-1-9-1 0,0-1 2 0,5-8-4 0,-2-18 0 15,0 2 5-15,-2-1-1 0,4-9 3 0,0-9-1 16,-3-5 1-16,4 1 1 0,0-10 0 0,-2 4 1 15,3-7-5-15,1-10 2 0,-1 2-2 0,1-7-1 16,-1 1-1-16,4-7-1 0,1-1 0 0,-1-3-2 16,4-2 0-16,-1 0-1 0,0 0-1 15,6-4-2-15,0 2 2 0,2 3-3 0,0-3 0 0,5 8 0 16,-2-1 2-16,6 8-3 0,-1 5 1 0,-2 15-2 16,3-5 2-16,-2 11 3 0,0 10 0 0,2 8 0 15,-2 3 0-15,-3 0 3 0,-5 13 0 0,2 7 2 16,-1 0 0-16,-1 0-3 0,-8 2 2 0,1-3 0 0,-3 6 1 15,-2-8-1-15,3 3 0 0,-8-15 0 0,-1-1 5 16,-2 0 4-16,-2-8 0 0,-1-8 2 0,-1-4 9 16,-3-2 8-16,2-8 5 0,-7-3 4 0,-5-6 1 15,4 1-1-15,-6-8-2 0,1 5-1 0,-4-5-10 16,-2-1-7-16,12 0-6 0,-6 0-7 0,4-1-8 16,2 1-6-16,1 0-2 0,2 0-6 0,5 3-4 15,-2 1-2-15,0 4-5 0,5 1-3 16,2 1 1-16,4 6-18 0,2-1-37 0,1 1-21 0,0-1-28 15,6 2-44-15,2 3-58 0,2-2 149 16,2 0-118-16,0 0-14 0</inkml:trace>
+  <inkml:trace contextRef="#ctx0" brushRef="#br0" timeOffset="2336.46">5933 4661 1055 0,'-19'8'434'0,"5"-2"-228"16,2 3-109-16,2-1 77 0,4-3-75 0,-3 1-2 0,8-4-6 16,1-1-6-16,4 0-19 0,3-2-12 15,3-4-7-15,4-2-5 0,1-1 4 0,5-3-2 16,-3-2-1-16,6-1-8 0,-1 1-2 0,6-3-6 16,1 1 0-16,-1-1-10 0,0 1-2 0,3 2-3 15,-3-1-4-15,1 2-2 0,-5 0 0 0,4 0 0 16,-4 0-2-16,-6 1 4 0,-1 0-2 0,-2 1 1 15,-1-1 4-15,-2 2-3 0,-10-1-1 0,3-1 5 16,-2 1 2-16,-1 1-3 0,-1-1 3 0,-1 1-1 0,-5-1 0 16,-4 2 1-16,4-1 0 0,-5 4-3 0,-4 2-1 15,-2 1-1-15,-2 3 1 0,-5 5-3 0,-1 4 0 16,-1 2-2-16,-6 5 0 0,2 0-1 0,0 8 0 16,-2-1 0-16,9 10-4 0,0-2 2 0,3 3-2 15,1-1 1-15,8 1-1 0,0 4 0 0,6-3-2 16,0-3-1-16,5-5 1 0,1 1-3 0,4-9-13 15,5-2-10-15,9-9-14 0,2-2-15 0,-2-4-17 16,17-13-23-16,6-5-60 0,-1 1-24 0,1-3-24 16,4-5-45-16,-4 0 153 0,5-5-140 15,-6-1-40-15</inkml:trace>
+  <inkml:trace contextRef="#ctx0" brushRef="#br0" timeOffset="2678.46">6746 4327 1148 0,'-20'1'506'0,"0"1"-283"16,6 1-118-16,1 2 60 0,1 1-75 0,3-2-7 0,5 6 3 0,-2 4-8 16,2-1-15-16,-2 1-39 0,4 3-8 0,1 5-4 15,0 4-1-15,1 8-4 0,-2-2-2 16,2 2-1-16,-1 4-2 0,1 1-1 0,2 1 3 16,1-4-2-16,-1 1 1 0,2-2 1 0,0-2 1 15,-3-9-2-15,7-2 3 0,-3 0 1 0,-5-11-2 16,3 2 1-16,1-8 8 0,-4-2 4 0,3-4 5 15,-1-2 5-15,-5-7 12 0,4-3 5 0,7-6 5 16,-8 1 4-16,0-3 0 0,1-3-5 0,-1 0-6 16,0-5-5-16,0 5-11 0,0-6-8 0,0-7-4 15,2 0-6-15,0 3-8 0,4-5 0 0,1-2 1 0,8-1 2 16,4 0 1-16,-2-3 6 0,4 17 3 0,7-4 10 16,-4-1 4-16,5 10-2 0,7 4 6 0,3 8 3 15,-1 2-3-15,6 4-3 0,-4 4-3 0,0 7-9 16,7 1-3-16,-13 6 1 0,2 2-8 0,-10 1-5 15,3 1-9-15,-9-1-14 0,1-1-24 0,-5-2-97 16,-2-1 41-16,0-5 170 0,-1 0-99 0,-3-2-15 16,-7-13 28-16</inkml:trace>
+  <inkml:trace contextRef="#ctx0" brushRef="#br0" timeOffset="3462.29">1813 8213 874 0,'-8'2'456'0,"-1"-2"-181"15,-2 1-142-15,3-1 120 0,0 0-109 0,1-2-9 16,2-2-4-16,1-2-11 0,0 0-14 0,2 2-28 16,0 0-7-16,2 2-7 0,-1 1-7 0,1 2-23 15,1 1-7-15,1 11-6 0,0 3-4 0,-1 10-7 16,3-4-3-16,-1 27-3 0,-2-6-1 0,-1 12-2 15,0 8-1-15,-1 3-5 0,0-2-7 0,0-6-8 16,-1-6-13-16,-1 0-31 0,2 1-13 0,-1-13-15 16,0-10-4-16,1-9-13 0,-1 1-25 0,0-18-12 15,1 5-3-15,0-12 13 0,-1-10-91 0,0-1 155 16,0-10-95-16,2 1-28 0</inkml:trace>
+  <inkml:trace contextRef="#ctx0" brushRef="#br0" timeOffset="3710.3">1598 8165 1104 0,'-12'10'545'0,"-2"-6"-321"0,-3 0-128 0,7-3 11 16,0 2 12-16,0-1-5 0,3-2 14 0,2-2-30 16,0-1-36-16,5 2-7 0,0-1-6 0,5-1-8 15,7 0-15-15,1-2-3 0,5 2-21 0,1-6 16 16,9 0-8-16,-4 0-1 0,12-2-4 15,-2 0-1-15,2-1-1 0,0 0 0 0,9 3-2 16,-2-2-6-16,1 3-37 0,0 1-17 0,-3 1-22 16,2 2-24-16,-6-1-28 0,-11 4-35 0,-1 6 94 15,3-1-75-15,-7 3 10 0</inkml:trace>
+  <inkml:trace contextRef="#ctx0" brushRef="#br0" timeOffset="3885.26">1459 8873 1287 0,'-26'31'531'0,"12"-12"-344"0,-4 2-115 0,7-9 20 16,4-1-2-16,5-6 8 0,1 1 5 0,1-2-17 15,7-8-4-15,2-1 6 0,4-1-2 0,0 0-15 16,3-4-5-16,4-1-10 0,4-4-6 0,5 1-8 16,-1 0-7-16,-5 1-20 0,8 0-5 0,-3 0-3 15,1 2-23-15,2 5-29 0,0-2-113 0,-3-2-100 16,5 3 197-16,1 3-146 0,-5-6-128 0</inkml:trace>
+  <inkml:trace contextRef="#ctx0" brushRef="#br0" timeOffset="4276.72">2403 8464 944 0,'-18'10'393'0,"-3"-1"-256"0,4 1-92 0,-1-1 31 16,2 0-44-16,1 1 2 0,3 0 2 0,-1 0-2 16,1-1 3-16,0 2 7 0,3 2 8 0,0 0 9 15,1 2 18-15,2 2 7 0,0 3 1 16,1-2 3-16,0-1-10 0,3 2-7 0,0-1 0 16,0 2-7-16,2-3-18 0,0-3-7 0,-2-3-2 0,2-1-3 15,0-4-6-15,2 0 0 0,-1-4-10 0,1-2-4 16,0-3-3-16,1-4-1 0,3-2-4 0,1-9-4 15,0 1 2-15,3-7-5 0,2-3 0 0,4-8 0 16,0 0-1-16,4-3-1 0,5-4 0 0,7 0 2 16,-2-2-2-16,4 5-1 0,-3 0 1 0,-2 10 1 15,5-7 4-15,-14 27-2 0,5-6 1 0,-8 15 0 16,7 32 8-16,-16-5-4 0,1-2 0 16,-8 17-2-16,3 11 2 0,-4 0 0 0,-2-2 0 15,0 4-1-15,2-8-2 0,0 7-15 0,0-11-19 16,0 8-24-16,0-28-34 0,4-3-125 0,-2-4-122 15,1-10 242-15,6-9-183 0,1-16-128 0</inkml:trace>
+  <inkml:trace contextRef="#ctx0" brushRef="#br0" timeOffset="4918.62">2903 7961 1584 0,'10'-14'626'0,"-3"0"-417"0,2 2-132 0,-4 0 8 16,0 3 3-16,0-1-6 0,-5 6-24 0,5-2-17 15,-4 6-17-15,0 0-5 0,-4 9-10 0,5 2-4 16,-2 10-5-16,0 4-1 0,1 12 1 0,-1 2 0 16,0 8-1-16,3 9 1 0,3 1-1 0,-4-2 1 15,3-3 0-15,-5-4-4 0,4 3-15 0,-1 0-3 16,0-9-4-16,-1-6-4 0,0-5-5 0,-2 3-10 15,0-10 1-15,1 2 4 0,-5-11 15 0,3-4 1 16,-4 1 8-16,0-7 2 0,0-1 6 0,-3-8 10 16,2 0 0-16,-3-7 0 0,0-2 1 0,-4-5 3 15,1 1-2-15,-1-7 3 0,0 0-3 0,-1-3-1 16,0 0 1-16,-2-4 0 0,1-1-1 0,3 2-1 16,-4-2-2-16,5 8 1 0,-1-3 1 0,1 5 4 15,4 6 3-15,2 6 2 0,-1 1 1 0,1 4 5 16,1 7 1-16,1 2 7 0,0 3 3 0,1 2-2 15,1 3 2-15,1 3-3 0,1 6 3 0,3 6-4 16,-1-2 1-16,5-1-8 0,5 3-3 0,-1 0 0 16,6 0-7-16,-1-5-1 0,10-4-5 0,2-1 1 15,3-6-2-15,1-4 0 0,3-7 3 0,2 1-3 16,0-13 2-16,3 1 3 0,-6-8 2 0,2 2-1 16,-5-10 0-16,3-1 2 0,-3-1-2 0,-2-2 1 15,-2 3-1-15,-2-1 3 0,-2 4-2 0,-7 6-1 0,5-3 4 16,-5 3 0-16,-4 3 2 0,-2 2 1 0,-3 1 2 15,-5 0 2-15,-10 3 4 0,5-1 0 0,-6 2-2 16,-8 1 0-16,-1 2-2 0,-5-1-2 0,-3 4-1 16,3 3-4-16,1-1-3 0,-5 4-3 0,2 3 0 15,2 8-3-15,-1-1 1 0,3 5-2 0,3 4-1 16,5 3-1-16,-2 3-4 0,10 7 2 16,1 1 0-16,5 2-1 0,1 1-2 0,9 6 0 0,0-4 0 15,3-2-33-15,6 1-19 0,5-11-22 0,1-3-34 16,-3-3-48-16,13-19-53 0,6-8 135 0,0 2-110 15,0-9-6-15</inkml:trace>
+  <inkml:trace contextRef="#ctx0" brushRef="#br0" timeOffset="6041.46">3974 8071 871 0,'-5'-1'436'16,"3"1"-219"-16,2 4-114 0,-2-2 62 0,0 2-7 15,2-1-8-15,1-1-4 0,-3-2-17 0,2 1-9 16,-4-1-11-16,-3-1-9 0,6 0-27 0,-5-2-5 0,2 0 2 16,-5-1-6-16,0-1-19 0,2 1-1 0,-4-2-3 0,0-2 0 15,-8-3-6-15,1 2-7 0,-1-2-12 16,-2 1-4-16,-1 0-4 0,0 2-2 0,2 1-5 16,6 6-8-16,-2 0-8 0,5 4-1 0,3 5-4 15,2 6-3-15,2-1-3 0,4 15-9 0,1-2-8 16,7 4-37-16,-3-1-14 0,13 4-21 0,-3-1-13 15,9-5-29-15,7-1-4 0,-2-9 10 16,4-1 8-16,-4-2 45 0,-3-12 20 0,5-2 36 0,0 1 28 16,-10-3 52-16,1-3 21 0,-5 0 16 0,0-2 29 15,-6-1 9-15,3 0 13 0,-7 4-5 0,-4-3 6 16,2 0-12-16,-4 2-12 0,-1 3-14 0,-2 2-25 16,-3 0-11-16,-1 1-14 0,-1 9-9 0,-1 5-16 15,1 2-6-15,-2 5-5 0,-2 4 0 0,3 11-2 16,0-2-1-16,1 9 0 0,-1-2-1 0,-1 8 0 15,1-3 1-15,2 6 0 0,0-4-1 0,-2 1-2 16,2 0-2-16,1-6-1 0,-6-1 1 0,6-8 0 0,-8-8-2 16,1-2 1-16,2 0 2 0,-3-7 2 0,-1-6 3 15,-2-3 2-15,3-5-1 0,1-8 1 0,0 2 2 16,1-8-1-16,0-9 0 0,1-1 1 0,1-5-2 16,2-6 2-16,3-8-2 0,3 0 0 15,1-9-3-15,7 2-1 0,8 1-2 0,1-3-2 0,8 3 2 16,0 6-2-16,7 9 0 0,1-2 1 15,3 16 1-15,2-1 1 0,-1 8 0 0,-1-1 2 16,7 7-1-16,0 0 1 0,5 3-1 0,0 0 1 16,3-1 0-16,-4 0 0 0,-2 0 1 0,-3-4-1 0,4-1-1 15,0-1 0-15,-13-1 1 0,-2-2-2 0,-4 1 1 0,3-4 1 16,-10-3 3-16,4 1 2 0,-14 3 4 0,-1-2 4 16,-3-1 6-16,-6 1 3 0,-6-1 4 0,-8 3 11 15,-1 0 4-15,-6-1 1 0,-2 1 0 16,-6 6-2-16,2 1-7 0,-4 2-2 0,-1 3-4 15,-1 6-16-15,0-1-5 0,1 11-6 0,3-1-2 16,4 5-6-16,-3 0-1 0,14 8-2 0,-2-1-2 16,7 5-1-16,7 2 2 0,9 3-1 0,0-1 0 15,1-4-2-15,12-4-8 0,5 1-15 0,1 1-2 16,1-9-3-16,3-7-1 0,4-5-2 0,3-7-2 16,6-9 4-16,-1 3 11 0,0-12 16 0,7-10 3 15,-2 1 5-15,5-9 3 0,-1-1 2 0,2-4 4 16,-1-1 0-16,0 0 2 0,-8 2-1 0,-4 3 1 15,4-3 3-15,-15 8-1 0,1-2 0 0,-3 5 4 16,-2-2 0-16,-5 8-2 0,1 1 2 0,-6 3 2 16,-2 6-1-16,-3 9 1 0,-1-2-1 0,-4 9-1 15,-3 6-1-15,-2 9 0 0,-1 0-1 0,0-1-3 0,-3 11-2 16,-1 7 2-16,1 1-1 0,-2-3-2 0,1 5 1 16,2-1-1-16,0 6 0 0,2 0 0 0,-1 1 0 15,1-10 0-15,-1 3 0 0,1 1 2 0,0-5-1 16,-1-5 3-16,-3-8 1 0,1 1 2 15,-1-7 2-15,-1-5 0 0,-1-10 5 0,1 2 1 0,-3-15 2 16,0-1 1-16,-1-6 4 0,1 1 3 16,0-12 0-16,1 0 6 0,0-4 2 0,0-5-4 15,3-4 0-15,1 2-2 0,4-4-8 0,0-3-1 16,1 1-4-16,4 0-6 0,-1 4-4 0,13 8 1 0,6-5-1 16,1 1 8-16,-1 8 2 0,13 6-2 0,0 4 6 0,4 0 6 15,4 12-2-15,-1-5 2 0,-4 12-1 0,2 3-8 16,1 1-2-16,0 8 1 0,-1-1-7 0,0 2-45 15,0 0-33-15,0 0-47 0,-4-1-73 0,-1-4 138 16,2 2-102-16,-9-11-48 0</inkml:trace>
+  <inkml:trace contextRef="#ctx0" brushRef="#br0" timeOffset="6786.38">2950 7724 904 0,'0'7'388'0,"-2"0"-221"0,-2 0-84 16,0-3 7-16,3-1 1 0,2 3 2 0,-3-4-17 15,0 0-14-15,1 0-9 0,2-2-4 0,-1-1-17 16,0 1-2-16,0-4-2 0,0 1 1 0,6-1 0 16,-3 0 2-16,4-2-12 0,-4 1-4 0,4-3 0 15,-2-1-3-15,4-5-1 0,3 1-2 16,-6 0-1-16,5-7-8 0,3-5 7 0,1-2-3 0,1 2-3 15,1-5-1-15,1-4 0 0,3-15 1 16,7-15 0-16,-3 9 4 0,3-9-1 0,9-19 1 16,3 1-1-16,5-13 2 0,5-5 1 0,3-10-2 15,2 5 0-15,5-11-4 0,1 0-2 0,8-2 2 16,-5 0 0-16,15-4-1 0,-4-1 1 0,1 8-1 16,4-5 3-16,4 14 2 0,-1-2 1 0,-10 8 0 15,-2 11 0-15,-11 13 1 0,-4 0 2 0,-8 15 5 16,-16 11 6-16,-9 10 9 0,-1 0 10 0,-6 13 4 0,-11 18 1 15,-4-2 11-15,-1 5-2 0,-2 4-3 0,-3 8-5 16,-5 2-11-16,-2 9-9 0,-9 3-6 0,3-3-3 16,4 3-10-16,-4 3-3 0,-1 5-2 0,4-1-1 15,4-4-1-15,1-3-5 0,5 3-3 0,-1-5 0 16,4-5-2-16,2-4-2 0,1 2-2 0,7-9-2 16,-5 2-3-16,5-4-20 0,-2-1-8 0,1-4-15 15,-4 2-6-15,3 0-61 0,-5-3-34 0,-1 1-44 16,0 0-90-16,0 3 203 0,-1 1-131 0,1-1-41 15</inkml:trace>
+  <inkml:trace contextRef="#ctx0" brushRef="#br0" timeOffset="7133.66">4151 5208 1140 0,'-3'0'457'0,"3"-1"-291"16,0 0-86-16,-1 1 10 0,1-5 18 15,0 1 6-15,0 2 6 0,0-4-32 0,0-2-2 16,2 0-11-16,1-3-11 0,3 0-7 0,2-3-19 16,-1 3-6-16,4-1-3 0,3 1-3 0,2-2-12 15,-3 1-3-15,7 2-5 0,0-2-2 0,2 3-4 16,0-2 1-16,4 3-1 0,-7-3-3 0,7 6 2 15,-3-2-2-15,6 0 3 0,-4 2-2 0,-4 0 2 0,4 3-2 16,2 0 1-16,2 0 1 0,-2 0 1 0,-4 1-1 16,0-1 2-16,6 2-1 0,-2 0 0 0,1 0 3 15,-10 2 1-15,0 2 19 0,3 0 9 0,-5 3 11 16,-5 3 5-16,-11 6 15 0,-1 1 0 0,-6 6 3 16,-4 7-3-16,-7 6-17 0,-3 0-11 0,-5 8-18 15,2-5-18-15,5-1-96 0,-5 3-62 0,14-17-109 16,-3 6 197-16,7-17-187 0,-1 3-104 0</inkml:trace>
+  <inkml:trace contextRef="#ctx0" brushRef="#br0" timeOffset="10456.65">7440 7892 1457 0,'0'-4'554'0,"0"-1"-376"0,-4 3-107 0,3 0 15 15,-3-2-3-15,4 3-19 0,0 1-4 0,0 0-4 16,1 0-4-16,1 3-24 0,0-2-10 16,6 8-7-16,-2 1-7 0,0 6-1 0,2 4 0 15,1 12-2-15,-2 0 3 0,1-1-2 0,0 19-1 0,-3 8-4 16,3 0-11-16,0-3-10 0,-3 6-8 0,3-1-8 0,1 7-21 15,1-5-9-15,-1 3-4 0,2-20 5 0,-4-2 11 16,1 0 8-16,-2-11 11 0,-2-8 11 0,-2-14 33 16,-2-1 13-16,-5-10 8 0,-1-5 6 0,-5-14 14 15,1 2 5-15,-4-11 2 0,-5-3 1 16,-3-4-1-16,6-2-4 0,-8-7-3 0,4 1-3 16,-3 0-16-16,4 0-4 0,3-5-4 0,1 3-3 15,2-4-13-15,0 1-2 0,5-1-1 0,-2 3-1 16,3 4-2-16,7 6 0 0,2 1-5 0,0-4-2 15,4 10 4-15,5 8 0 0,1 3 1 0,6-2 0 16,8 6 1-16,-4-1 1 0,7 9 3 0,10 3 0 16,-5-1-2-16,11 6 1 0,-1 8 0 0,-1 8 1 15,-1 4 3-15,-4 6 1 0,1 7-1 0,-5 14 5 16,-1-4 2-16,-8 15 0 0,-5-3 2 0,-7 4 2 16,6 3-1-16,-22-2 2 0,0 1 2 0,-12-2 3 15,-7-2 5-15,-5-2 3 0,-2-4 6 0,-3-2 8 16,-4-5 1-16,-6-8 1 0,0 1-4 0,5-9-3 0,-9-9-7 15,2-1-14-15,1-2-15 0,1-4-16 0,6-5-14 16,4-7-19-16,-1-1-46 0,12-9-28 0,-3 3-37 16,12-9-40-16,6-7 128 0,0 0-99 0,8-5-24 15</inkml:trace>
+  <inkml:trace contextRef="#ctx0" brushRef="#br0" timeOffset="10859.08">8626 8506 923 0,'-16'-4'386'0,"2"-11"-254"0,1-6-87 0,2 0 17 16,-2 0-9-16,-2-4 0 0,2-1 2 0,1-2 5 15,1 1 3-15,-5-1 5 0,1 1 8 0,-3-2 16 16,2-1 7-16,2 7 5 0,-2 1 2 15,-2 3-12-15,3 6-9 0,-2 4-10 0,2 6-12 0,3 3-14 16,-3 10-22-16,-3 9-12 0,0-3-7 16,3 6-8-16,-1 6-2 0,3 7-1 0,-2 6 0 15,4 12-11-15,-1-6 11 0,8 1-1 0,4 6-2 16,0 0-1-16,7-1 0 0,4-10-1 0,9-9-16 16,1 1-7-16,6-13-9 0,9-8-4 0,3-14-2 15,1 4 3-15,8-23-1 0,-4 2 2 0,-1-8 18 16,5 0 2-16,-16-11 16 0,0 3 6 0,-8-2 12 15,-9 1 6-15,-7 3 11 0,-1 1 5 0,-9 4 6 16,-7 4 7-16,-9 4-6 0,-1-2 0 0,1 5-9 0,-8 4-9 16,-6-5-25-16,3 3-15 0,0 2-17 0,1 0-13 15,3 4-18-15,1 0-60 0,4 2-40 0,-3 0-70 16,14 4 164-16,5 1-136 0,-1 0-61 0</inkml:trace>
+  <inkml:trace contextRef="#ctx0" brushRef="#br0" timeOffset="11133.68">8867 8145 1275 0,'-4'13'571'16,"-9"-4"-396"-16,1 0-109 0,-2 1-1 0,2 2 12 16,1 2-1-16,1 3 12 0,0 0-11 0,6 3-22 15,-2 2-13-15,5 0-11 0,2 2-11 0,4 4-16 16,-1-2-1-16,7 9-13 0,1-5 11 0,5 2 0 15,-3 1-1-15,9-5-2 0,-1 0 0 0,2-7 0 16,3-5-1-16,-3-8 1 0,4-2 2 0,-6-1 8 16,-2-8 8-16,3-10 12 0,-2 3 5 15,-3-3 3-15,-2-3 3 0,1-2 2 0,-3-4 2 16,0-7-7-16,1 2-5 0,-4 4-11 0,-3-5-2 16,2-1-3-16,-2 2-3 0,-1 2-1 0,-3-4-22 15,1 2-30-15,-3 2-31 0,-1 1-38 0,-2 3-163 16,1 1 208-16,-1 1-137 0,1-4-87 0</inkml:trace>
+  <inkml:trace contextRef="#ctx0" brushRef="#br0" timeOffset="11653.23">9538 7807 616 0,'-17'-1'295'15,"5"1"-150"-15,0-2-72 0,4 2 36 0,4 2-23 0,-4-4 18 16,2 2 5-16,5-2-8 0,-1-1 0 0,0-1-4 0,-3 2 17 16,1-3 0-16,1-1 1 0,1 2-16 0,-2-1 0 15,-1 1-5-15,1-2-13 0,1 2-9 0,-1 3-28 16,1 0-11-16,0 1-6 0,-3 5-10 0,3 10-11 15,-2-2-5-15,0 8-2 0,1 4-2 0,3 16-2 16,-2-6 2-16,6 24-3 0,-1-7 2 0,3 5 1 16,0 3 0-16,4-2-10 0,0 0-3 0,0-6-6 15,-2-6 1-15,1-8 0 0,3-1 0 16,-4-8 0-16,-2-14 1 0,3 1 7 0,-3-2 5 0,3-8 4 16,-2-6 0-16,0-6 0 0,2-5-1 15,4-10-3-15,-1 3 2 0,-1-5-2 0,9-6 1 16,-5-1 0-16,5-4 1 0,1 2 0 0,1 0 0 15,1 1 1-15,2 3 0 0,-1 7 3 0,-1 10-1 16,1-5 1-16,-4 22-1 0,0-3 0 0,-6 12 3 16,1-2 4-16,-6 17 3 0,-3-4 8 0,-5 5 14 15,-2 2 4-15,-3 2 8 0,-4 1 6 0,-3 2 16 16,-7 0 1-16,-3-5 0 0,3 1-4 0,2-1-7 0,0-6-5 0,-6 3-3 16,1-1-6-16,2-9-16 0,2 0-5 15,2-2-3-15,-4-6-19 0,-2-7-17 0,-1 5-14 16,5-12-22-16,3-9-60 0,-1 1-35 0,4-11-40 15,10-4-60-15,3-14 160 0,5 2-115 0,9-11-28 16</inkml:trace>
+  <inkml:trace contextRef="#ctx0" brushRef="#br0" timeOffset="12131.61">9740 7863 1060 0,'4'-7'576'0,"3"-3"-302"16,0 0-166-16,4-2 132 0,-2-1-155 0,2 3-18 16,2-3 3-16,-3 5-4 0,0-1-7 0,0 4-24 15,-5-1-3-15,2 9-7 0,0-2-2 0,-1 5-11 16,2 2-5-16,0 8-1 0,3 2-2 0,-4 8-3 16,3 6 0-16,-2 6 0 0,3 4-1 0,-2-3 0 15,3 13 0-15,6 10 1 0,-6 0-1 0,0-6 2 16,3 7-1-16,1-4 1 0,0 8-2 15,0-7 1-15,0 3 0 0,-1-21-5 0,0 0 0 16,3-3-3-16,-1-10 0 0,3-7 1 0,-1-12-2 16,1-2-1-16,0-8 1 0,-1-6 4 0,3-13 0 15,-3 6 4-15,1-21-1 0,3 4 1 0,0-7 10 16,-2-1 2-16,1-3 1 0,-2 1 3 0,-1-2 0 16,0 1 2-16,-4 0-3 0,-2-2 3 0,-4 4-7 15,-2-3 2-15,-1 4-1 0,1 2-1 0,-3 2 3 0,-5 8-2 0,-4 1 14 16,-1 0 0-16,1 8-1 0,-7 5 0 15,-3 4-5-15,-5 5 5 0,-3 12-1 0,0-5 3 0,-2 13-9 16,-5 9 8-16,4 2-2 0,-6 9-2 16,8 3 4-16,4 8-6 0,0 2-3 0,8 5-5 15,7 0-4-15,13 4-11 0,-4-1-1 0,27-6-3 16,-2-5-3-16,13-13-22 0,-3 8 9 0,22-36-59 16,0 5-41-16,15-20 92 0,6-15-61 0,7-17-27 15</inkml:trace>
+  <inkml:trace contextRef="#ctx0" brushRef="#br0" timeOffset="13674.25">8693 7907 525 0,'-4'2'322'0,"3"1"-121"0,-2 0-89 16,1 1 50-16,1-1-28 0,-2-2-3 0,2 1-9 15,0 2-7-15,-1 0-28 0,0-4 4 0,1 2-21 16,0-2-8-16,-1-1-4 0,1 1-6 0,-1-1-9 16,-2-2-1-16,1-3-3 0,1 3-1 0,-2 0-9 0,1-3-3 0,-2-4 5 15,-1 0-4-15,1 1-7 0,-2-3-2 16,3 0-3-16,-5-4 0 0,-2-3-3 0,1 0 4 16,1 4-7-16,-2-5 0 0,1 2 1 0,-2-2-2 15,-5 3 2-15,2 0-1 0,3 0-1 0,-5 2-2 16,-1-1 0-16,-2 0 1 0,1 1-2 0,-3-4-1 15,2 2 1-15,0-3-3 0,-4 0 2 0,2-1-2 16,1-1 0-16,-2-2-1 0,1-2 3 0,1 2-2 16,-1-2 0-16,-2-2 0 0,-1-2-1 0,0 4 3 15,-4-1-1-15,6 5 0 0,-4 0-2 0,-7-3 3 16,0-1-2-16,7 9 0 0,-4-2 0 0,1-2-1 0,-1-4 2 16,0-4-2-16,-1 3 2 0,8-1-2 0,-2-7-1 15,-1-1 0-15,1-4 2 0,0 1-2 0,-1 1 0 16,0 1 1-16,0-1-1 0,-5 1 0 0,1 1 1 15,0 2 0-15,0-4-1 0,-1 3 2 0,1-3-2 16,-1-1 1-16,4-4-1 0,-1 4 0 0,-1-1 1 16,1-2-1-16,0 5 1 0,-3 0-1 0,7 5 0 15,-10 2 0-15,-1-4 0 0,0-1 0 0,6 7 0 16,-5-1 0-16,1-1 0 0,-3-7 2 16,5 1-3-16,-1 0 1 0,8 1 0 0,-6 0 0 15,0-1-1-15,1 0 1 0,6 2 0 0,-7-1 0 16,2 1 0-16,0 2 1 0,-3-2-1 0,4-2 2 15,-1 0-2-15,-2-3 0 0,0-1 0 0,6 4 0 16,-1-4 1-16,3 4-2 0,0 0 1 0,2 1 0 16,0 0 0-16,3 4 0 0,-3 0 0 0,2 2 0 15,2 0 2-15,-1 5-1 0,1-1 0 0,0 4 2 0,-2 5-1 16,-3-1 0-16,3 0-1 0,2 5 1 0,-2 3-2 16,4 0 2-16,-3 2 0 0,6 4-1 0,-2-2 1 0,6 4-1 15,1 0-1-15,0 1 0 0,2 0-1 16,2 1-2-16,3 1 0 0,-1 0-2 0,1 0 0 15,3 1 0-15,1 1 1 0,1-2 0 0,3 0-1 16,-3 0 4-16,3-2-1 0,-1 1 2 0,2-2 0 16,-1-3 0-16,-1 0 1 0,-1 2 1 0,4 1 0 15,-2-3 0-15,-4 2 1 0,1 0 1 0,-3-3-2 16,2 4 2-16,-1-1-2 0,-3 1 2 0,-2-4 0 16,4 3-3-16,-1-1 0 0,1 1-1 0,1 1 0 0,0 0 0 15,2 1-1-15,-1-1-1 0,4 5-2 0,1 1 1 16,2 1-2-16,2 2 0 0,-1 1 2 0,5 6-2 15,4-2 1-15,-3 1 0 0,4 1 2 0,0-3-1 16,-1 4 3-16,4-10 0 0,-2 5-2 0,1-2 2 16,-1-3 1-16,-4-4 1 0,0 1 0 0,-3-1 1 15,0-1 0-15,-6-1-1 0,1 1 3 0,-4-2 3 16,-2 0-4-16,-4 0 6 0,1 0 1 0,-2-1 1 16,-3 1 0-16,-1 1 2 0,0-1-3 0,-1-1-3 15,-1 1 2-15,-1 0-6 0,0 0 0 16,1 0-2-16,0 0-1 0,1-3 0 0,0 2-1 0,-1-1 0 15,3 1 0-15,-2 1-1 0,1-4-2 16,0 0-1-16,-1 0 2 0,0 0 1 0,-1-5-1 16,0 2 2-16,-2-4-2 0,-1-3 2 0,0-2 0 15,0 1 1-15,-5-1-1 0,0-3-1 0,-1 3 1 16,-1-1 1-16,-1 4 1 0,1-1 0 0,-3 4 1 16,1 1-2-16,0 4 2 0,-1 1 1 0,2 3-2 0,-4 1-2 0,3 0 0 15,-3 3-1-15,4 0 0 0,1 2 0 0,-1-3-1 16,2 1-2-16,5 2 1 0,0 0 1 0,2-2 0 15,4-1-1-15,-3-1 0 0,6 1 0 0,1 0 0 16,0-2 1-16,-1 0-1 0,1 0 1 16,-1-3-1-16,1-3 2 0,0 3 3 0,0-6 0 15,0 5 4-15,0-1 8 0,0-3 1 0,0 7 0 16,1-1 5-16,0 2 3 0,-1 6 0 0,2 4 0 16,-2-2-1-16,2 3-6 0,0 8 1 0,-1 2 0 15,-1 1-2-15,0-1-5 0,0 4 0 0,0-2-3 0,0 3 1 16,-1-4-3-16,-1 0 0 0,1-10-5 0,1 2-74 15,-1-1-38-15,1-8-62 0,0 0-191 0</inkml:trace>
+  <inkml:trace contextRef="#ctx0" brushRef="#br0" timeOffset="18037.39">14633 5018 777 0,'-10'18'416'0,"1"0"-238"0,3 0-67 16,4-2-43-16,-4 2 28 0,5 2 4 0,-4-2-8 15,2 0-13-15,-2-6-33 0,1 1-9 16,-2 0-8-16,3-5-6 0,2 0-4 0,-2-5-9 0,1 1 1 16,2 0-2-16,0-4 0 0,2-1 7 15,0-3 1-15,1-6 0 0,-1-1 1 0,2-6 2 16,-1 0 1-16,0-13-1 0,1 4 0 0,-1-12-6 16,3-5 1-16,2-7-3 0,-1 1-2 0,4-3-3 15,1-4 1-15,1-1-1 0,2-2 0 0,-3 10 0 0,3-5-3 0,6-5 4 16,0 3 4-16,-2 4 2 0,4 3-3 0,-1 5 1 15,7-5 0-15,3 16-1 0,-1-6 0 16,-8 20-4-16,0 3-1 0,1 2-4 0,-5 12 2 16,2 5 0-16,-6 12 2 0,-4 4 2 0,-1 10 0 15,-2 8 1-15,-1 17 1 0,0-4 3 0,-6 22-3 16,2-6 0-16,-1 8-3 0,-1 2 2 0,0-1-2 16,1 1 1-16,-2-9-1 0,1-1 0 0,0-12-1 15,-1-2 0-15,1-9 2 0,-1-11-3 0,4-9 0 16,-2-2-4-16,0-8-3 0,3-11-15 0,-3-8-57 15,1 0-31-15,2-5-42 0,-4-9-51 0,-1-2-101 0,2-10 195 16,-2-14-150-16,1 3-29 0</inkml:trace>
+  <inkml:trace contextRef="#ctx0" brushRef="#br0" timeOffset="18203.99">14596 4780 1022 0,'-14'24'585'0,"6"-4"-329"0,5 2 76 0,1-2-198 15,13-6-73-15,5 1 40 0,2-1-8 0,1-6-27 16,7-4-12-16,7-4-8 0,9-5-7 0,10-13-9 16,-2 6-7-16,-2-7-16 0,9-4 1 0,0-2-147 15,-2-1-102-15,-3 2 194 0,-9 2-156 16,3 1-102-16</inkml:trace>
+  <inkml:trace contextRef="#ctx0" brushRef="#br0" timeOffset="18688.23">15597 4879 1200 0,'-7'14'424'0,"-2"3"-264"16,1-2-90-16,5 1 19 0,-2 3-12 0,2 3 4 16,3 0 0-16,-2 3-7 0,2 3-9 0,-1-4-25 15,0 1-3-15,1-2-6 0,0-4-7 0,0-2-9 16,0 3 1-16,-4-13-3 0,2 4 0 0,-1-3 3 15,-2-2 3-15,3-7 1 0,1 2 0 0,-1-4 3 16,1-2 0-16,0-5-1 0,1-4 1 0,0 1-6 16,0-12-1-16,0-6 1 0,1 2 0 0,3-3-5 15,1-7-3-15,0-2 0 0,4-4-2 0,3-2-1 16,0-2-1-16,1 8-3 0,4-8-1 0,-2 2-2 16,5 0 1-16,2 11-1 0,-2 3-1 0,1 0 1 15,2 9 0-15,-1 7-1 0,-2 15 0 0,0-4 1 16,-4 20-2-16,-2-3 0 0,-1 14-10 0,0-2-7 15,-6 13-17-15,-2 1-19 0,1-1-75 0,-4 3-41 16,4-8-70-16,0 3 160 0,-1-7-124 0,2-14-54 0</inkml:trace>
+  <inkml:trace contextRef="#ctx0" brushRef="#br0" timeOffset="19012.56">15995 4926 1091 0,'-9'21'465'0,"8"-3"-278"0,-3 4-109 15,1 0 38-15,3-1-43 0,1 1-3 0,1-1 1 0,-1-2-14 16,1-3-14-16,-1 2-7 0,5-4-13 0,-4-8 1 16,1 2 1-16,1-6-3 0,0-2-1 0,-2-7 5 15,2 1-1-15,-3-7 3 0,-2-5 0 0,1-3-2 16,-2-1-4-16,-1-6-3 0,1-2-2 0,-2-1-5 15,-1-1-1-15,1-2-5 0,-1-1 0 0,2 1-3 16,0 1-2-16,3 2-2 0,0-1-2 0,3 0-2 16,4 0 1-16,0-2-2 0,4 3-1 0,-1 4 2 15,7 6-3-15,0-1 0 0,3 0-2 0,-3 6 4 16,3 10 0-16,-2 1 0 0,4 7 2 0,-1 12-3 16,1-6-3-16,-1 9-19 0,1 7-84 0,2-2-58 15,1 7-143-15,5 0 235 0,0-8-210 0,-2 3-115 16</inkml:trace>
+  <inkml:trace contextRef="#ctx0" brushRef="#br0" timeOffset="19303.53">16602 4694 1509 0,'-17'-1'747'16,"-1"-1"-519"-16,-5 1-156 0,7-1 10 0,-2 0-18 16,-3-1 11-16,2 2 0 0,-2-1 4 0,7 2-21 15,-6 0-11-15,2 0-10 0,1 2-9 0,-6 4-8 16,6 5-18-16,-3-2-2 0,-2 6-3 0,4-1-2 15,6 5-4-15,-6 0 0 0,18-1-5 0,2 1 0 16,7-2-4-16,-1 0-4 0,24-7-2 0,-11-1-9 16,8-7-13-16,7-2-4 0,0-9-3 15,0 2-3-15,2-9 0 0,-2-4 5 0,-1-2 2 16,3 1 10-16,-7 3 18 0,-7 1 6 0,1-2 10 16,2 0 5-16,-11 5 9 0,-5 3 3 0,-6 5 6 0,-1 2 6 15,-9 8 6-15,1-4 6 0,-8 13-3 0,-5 9 6 16,2-1-2-16,-3 10 2 0,0 1-9 0,1 5-9 15,0 2-7-15,2 1-6 0,9-5-4 0,5-7-50 16,-3 4-33-16,20-15-45 0,-3 2-45 0,14-12 116 16,-4 3-95-16,22-16-38 0</inkml:trace>
+  <inkml:trace contextRef="#ctx0" brushRef="#br0" timeOffset="19774.02">17038 4680 1267 0,'-13'13'587'0,"-1"0"-335"16,1 7-148-16,0 4 74 0,2 2-67 0,0-1-3 16,3 5-5-16,1-1-18 0,5-2-34 15,-4 2-8-15,9-7-11 0,1-1-11 0,6-6-17 0,4-4-4 16,6-9-3-16,0 1 1 0,7-10-1 0,6-8-2 16,10-10 0-16,-2 0-1 0,-4-2 2 0,9-13 1 0,-1-4 3 15,2-3 0-15,-6 4 1 0,-8-2 3 0,-4 5 5 16,3-7 6-16,-12 8 2 0,4-4 3 0,-13 13 0 15,-1 1 4-15,0 1 1 0,-7 5 0 0,-3 4-1 16,-4 13-3-16,-3-2-3 0,-4 9-3 0,-2 10 0 16,-4 13-4-16,-2-5-1 0,0 24-4 0,1-4 0 15,1 12-1-15,1-2-2 0,4 11 0 0,-4 0 1 16,6 4-3-16,3 3 0 0,0 2 0 0,-1-2 0 16,2-7-1-16,5-4-2 0,-2 3-8 15,3 2-8-15,0-14-2 0,3-4-2 0,-3-4-1 0,1 1 3 16,-5-9-1-16,2 3 4 0,-4-12 10 0,-11-6 8 15,3 1 6-15,-7-8 5 0,-6-2 4 0,-1-9 8 16,-1-1 5-16,-4-7 4 0,1 3 4 0,1-6 7 16,-5-1-2-16,6-4-2 0,2-3-2 0,2-3-9 15,-3 2-4-15,13-11-8 0,-3 0-4 0,8-3-9 16,-1 2 1-16,15 0-2 0,0 0-1 0,9 2 0 16,3 2 1-16,8 7-1 0,-1-3 0 0,1 7 1 15,9 10-2-15,8-3 0 0,0 2 0 0,-2 6-5 16,5 4-22-16,-3-4-30 0,5 4-138 0,-1 1-116 15,1-1 236-15,-4 0-175 0,-2-11-151 0</inkml:trace>
+  <inkml:trace contextRef="#ctx0" brushRef="#br0" timeOffset="20286.64">18126 4098 1083 0,'12'-7'529'16,"-11"8"-319"-16,6-1-118 0,-14 7 19 0,-4 5-5 16,3-1 5-16,-10 4 2 0,0 3-3 0,0 9-36 15,-2-3-14-15,-1 3-10 0,4 3-10 0,-2 6-20 16,2 3-6-16,1 3-4 0,1 3-5 0,2 1-2 16,-2 3-2-16,3-1 0 0,0 0 0 0,3-2 0 15,-2 0-1-15,7-6 0 0,-3 1 0 0,4-7 1 16,2-2 1-16,1-7-1 0,0 1 1 0,1-7 2 0,2-8 2 15,2-3 5-15,0 0 0 0,1-5 2 0,0-3 1 16,3-2 4-16,4-2 2 0,6-9-1 16,-3 3 0-16,3-4-6 0,11-1 6 0,-1-2-2 15,6-1-1-15,1 2-1 0,3 3-2 0,-1 2 0 16,2 3-1-16,-3 5-2 0,-8 5-5 0,2 0 1 16,-6 7-2-16,-3 3-4 0,-6 4 0 0,3-2-4 15,-9 4-14-15,0-1-12 0,-4-2-56 0,2 3-34 16,-8-9-40-16,0 2-50 0,-1-4 132 0,-3-3-113 15,2-5-26-15</inkml:trace>
+  <inkml:trace contextRef="#ctx0" brushRef="#br0" timeOffset="20490.02">18570 4530 1554 0,'2'7'764'0,"-2"4"-440"0,-2 0-191 16,0 5-13-16,-1 2-78 0,0 8 25 0,-1-2-14 16,0 1-29-16,-2 7-10 0,1 4-6 0,-3 2-6 15,4-4-14-15,-3 1-23 0,3-2-30 0,-1 6-123 16,4-8-123-16,-1 4 234 0,4-8-173 0,3-2-138 16</inkml:trace>
+  <inkml:trace contextRef="#ctx0" brushRef="#br0" timeOffset="20838.29">19124 4447 1747 0,'-11'4'736'16,"0"-1"-470"-16,2-1-150 0,-2 5-9 0,1-1-3 15,-3 1-65-15,0-3 30 0,-2 3-34 0,2 1-7 0,-2-2-7 16,0 1-8-16,1-1-9 0,0 0 0 0,-1 3-3 15,3 0 1-15,-1-4-1 0,0 3-1 16,4 1-1-16,-1-2-1 0,2 0-1 0,2-2-2 16,3 2-2-16,-2-4-1 0,4 3 1 0,2-3-1 0,2-1-2 15,0 1 0-15,3 0 0 0,1-2 2 0,0 1 1 0,7 3 1 16,4 0 0-16,-1-2 1 0,2 6 3 0,5 5 1 16,-2-3 1-16,3 5-1 0,-4 2 1 0,-3 5 1 15,1 1 2-15,-7 3 0 0,-2 2 0 16,-10 2 3-16,0 1-1 0,-6 3 3 0,-3-4 0 15,-8-1 4-15,0 1-1 0,-15-11 0 0,5 1-1 16,-2-7 0-16,-3 2 0 0,3-12-3 0,-1 3-3 16,7-10-22-16,3-3-13 0,6-7-16 0,1-2-15 15,3 2-22-15,9-8-30 0,3-5-101 0,1-2-72 16,2 4 199-16,6-3-133 0,3 1-57 0</inkml:trace>
+  <inkml:trace contextRef="#ctx0" brushRef="#br0" timeOffset="21132.49">19450 4164 966 0,'13'-27'562'15,"-2"8"-267"-15,-1 0-142 0,1 5 136 0,-1 0-129 16,-2 4-17-16,0 8-14 0,-3 1-14 0,0 5-20 15,-4 10-13-15,-1 8-28 0,0-4-10 0,-3 20-6 16,0-2-9-16,0 12-11 0,0-3 0 0,-5 17-5 16,2-5-3-16,2 6-4 0,-3 4-2 15,-2-5-2-15,6 3 1 0,-5-6-11 0,4-2 3 16,3-7-17-16,-1 1-5 0,0-11-11 0,3-7-11 0,1 0-27 16,-2-1-12-16,2-8-6 0,0-6-19 0,-2-2 0 0,1-1-44 15,-2-10-17-15,1 4-21 0,-2-6-29 0,-1-3 140 16,-3 0-95-16,1-4-20 0</inkml:trace>
+  <inkml:trace contextRef="#ctx0" brushRef="#br0" timeOffset="21306.76">19182 4700 1243 0,'-14'-14'509'0,"6"2"-328"0,4 3-103 16,0 3 6-16,12 3 7 0,5-3 10 0,0 2 0 15,0 1-24-15,5 2-13 0,3 0-6 0,7-1 1 16,4-2-5-16,0-1-1 0,0 3-9 0,6-2 1 15,2-1-1-15,2 0-3 0,-4-2-7 0,-2 0-20 16,3 1-25-16,-5-4-30 0,-1 3-44 0,-5-2-259 16,0 1 280-16,-6 0-161 0,1-5-129 0</inkml:trace>
+  <inkml:trace contextRef="#ctx0" brushRef="#br0" timeOffset="21537.74">18832 4108 1487 0,'-16'-12'726'0,"5"6"-445"0,5 2-96 15,-1 0-104-15,3 2 27 0,0-1-8 0,3-1-15 16,0 1-19-16,3 3-32 0,0-1-10 0,3 1-10 0,1 2-40 15,7 5-43-15,-2-2-58 0,3 5-90 0,4 6 161 16,-1-3-115-16,3 5-55 0</inkml:trace>
+  <inkml:trace contextRef="#ctx0" brushRef="#br0" timeOffset="31843.46">20665 4118 957 0,'0'-4'441'0,"-2"2"-255"0,1 6-109 0,0 1 67 16,-2 0-47-16,1 2-11 0,1-1-3 0,-2 0-13 0,-2 3-7 16,-2-1-15-16,0-1-3 0,0 2-23 0,-3 0-5 15,0 1-3-15,-2-1-4 0,-1 2-4 16,-3 0-2-16,1 2-1 0,-3 0 0 0,-8-1 1 0,2 4-3 16,1 0 1-16,-5 0 0 0,2-2 1 15,-3 5-1-15,0-3 1 0,3 5-1 0,0 0-2 16,-1 0 2-16,-2-2 0 0,4 4-2 0,0-2 0 15,0 0 0-15,2-1 0 0,3 1 0 0,2-2 1 16,2-3 0-16,3-3-1 0,1 1 3 0,-2 1 2 16,6-4 0-16,0-2-1 0,3-1-1 0,-1 0 4 15,7-2 0-15,-1 1 3 0,6-2-3 0,1-1 3 16,4 2 2-16,5-2 3 0,2 4 4 0,0-2 2 16,3 2-1-16,1 1 3 0,1 1 0 0,4 3 5 15,-4 2 1-15,4 0-3 0,-2 1 3 0,2 5-3 16,0-4 4-16,-1 7-7 0,0 0 0 0,-1-2-5 15,-1 2-2-15,-6-1 0 0,1-1 0 0,-4-2 2 16,-3-2-3-16,-2-4 3 0,-1-1 0 0,-5-3-2 0,0-2-1 16,-3-3-1-16,0 0-13 0,-1-3-22 0,-1-2-32 15,-1 1-46-15,-2-2 77 0,-7-7-53 16,4 2-34-16</inkml:trace>
+  <inkml:trace contextRef="#ctx0" brushRef="#br0" timeOffset="32287.28">20759 4586 1007 0,'4'-11'446'0,"-3"2"-262"0,2 3-101 0,2-4 58 16,-1 4-22-16,2 2-10 0,-2-4-1 0,1 3-7 0,-1-2 0 15,-2 5-12-15,3-2-9 0,-4 7-26 0,-1 0-7 16,0 1-7-16,0 3-9 0,-4 3-5 0,-1 9-15 16,-1-2-4-16,-1 6 0 0,-2 6-3 0,-3 4-1 15,1 0-1-15,-1 5-1 0,-1-3 1 0,1 0-13 16,0 3-10-16,3-11-15 0,-1 3-15 0,5-9-56 15,2-1-36-15,3-10-44 0,0-1-92 0,6-12 187 16,4-5-126-16,5-13-38 0</inkml:trace>
+  <inkml:trace contextRef="#ctx0" brushRef="#br0" timeOffset="32508.09">21128 4408 1368 0,'-4'6'649'0,"-3"7"-412"0,4-1-98 16,0 4-65-16,0 8 28 0,1-3 4 0,-1 6-26 16,-1 5-15-16,3 5-11 0,-1-2-9 0,0-3-21 0,1 2-8 0,1 8-4 15,-3 0-5-15,2-4-5 0,-1-1-5 16,-2-8-7-16,2 4-27 0,-1-11-18 0,0 7-19 16,-1-21-25-16,2 0-64 0,1-3-29 0,1-5-22 15,0-7-26-15,0-10 143 0,-2-1-102 0,2-8-7 16</inkml:trace>
+  <inkml:trace contextRef="#ctx0" brushRef="#br0" timeOffset="32678.54">20901 4486 648 0,'-15'3'426'0,"0"6"-147"16,-1-2-136-16,2 0 101 0,3 4-96 0,-1 4-15 0,1 0 8 16,1 4-4-16,0-2-7 0,5-1-48 0,4 1-5 15,-2 1-5-15,7 0-9 0,5-1-9 0,6-1-15 16,-1-2-7-16,7 1-5 0,2-7-5 0,3 2-11 15,-1 0-9-15,5-8-16 0,0 4-24 0,-2-4-103 16,2 0-70-16,1-1 159 0,-1 2-124 0,-2-2-104 16</inkml:trace>
+  <inkml:trace contextRef="#ctx0" brushRef="#br0" timeOffset="32956.29">21216 4739 1294 0,'-3'3'594'0,"-2"1"-366"0,5 0-92 0,0 0-6 16,4 1-62-16,0 3 53 0,2 0-36 15,2 2-13-15,5-1-8 0,-4 0-11 0,7-2-17 16,2 3-7-16,5-2-1 0,-3-3-4 0,-2-1-3 0,4-6-2 0,1 0-2 16,4 0-1-16,-6-1-6 0,-2-5 0 0,-3-1 0 15,3-2 0-15,-5 0-1 0,2 0 1 0,-6 1 0 16,-5-1-1-16,2-1-3 0,-5 3-4 15,-2 0-4-15,-4 2-23 0,0-2-10 0,-4 0-13 0,2 3-18 16,-3 1-65-16,0-2-31 0,3 6-39 0,-3-3-63 16,5 4 174-16,-2 0-125 0,8 3-31 15</inkml:trace>
+  <inkml:trace contextRef="#ctx0" brushRef="#br0" timeOffset="33484.22">21702 4667 1263 0,'5'-5'547'15,"0"3"-320"-15,1 2-129 0,-2 0 31 0,1 3-4 16,0 2-8-16,-2 1-18 0,2 3-17 0,-3 0-30 0,-1 2-8 16,0 3-8-16,0 1-6 0,-1-1-16 15,0 2-4-15,-2-2-2 0,0 0 1 0,1-2-2 16,0 3 0-16,0-10-3 0,-1 1 1 0,1-2 2 15,1-4 0-15,1-1-1 0,2-6-1 0,-1 1 1 16,0-5 0-16,0-3 0 0,4-2-1 0,-1 0-2 16,2-1-2-16,2-1-1 0,0 0 1 0,-1-1-1 15,3 4-1-15,1-1-1 0,1 3 1 16,-2-3 1-16,-1 7 0 0,-1-1 3 0,1 4 3 0,-2 1 4 16,0 5 1-16,-3 0 2 0,0 3 1 0,-3 5-1 0,1 3 5 15,-3-1-1-15,1 4-3 0,-1 0 0 0,-4 1-2 16,4 6 0-16,-2 2-1 0,-2-2 0 0,4-5-5 15,0 3-1-15,0-1 1 0,3-3-1 0,3-3 0 16,-2-9 1-16,0 1 0 0,3-4 0 0,1 0 1 16,2-8 0-16,0 0 0 0,0-6-1 0,-1 0 1 15,3-1-2-15,-1-2 0 0,-3 0-1 0,1 0 0 16,-3-2-1-16,2 2-2 0,0-1 1 0,-1 3-1 16,1 2-1-16,-1 0 0 0,-1 6-1 15,1-2-1-15,-1 3 2 0,-2 4-1 0,-1 2-1 16,2 0-1-16,-3 2 0 0,-1 2 2 0,-1 4-1 0,1 5 2 15,-1 6-2-15,-1-1 0 0,1 2-1 0,-1 4 3 16,1 2 1-16,-2-1-1 0,2-2 0 0,1 0-13 16,0-2-14-16,0-2-20 0,1-5-25 0,4-6-94 15,-1 2-57-15,5-16-119 0,-1 2 231 0,3-13-214 16,0 5-93-16</inkml:trace>
+  <inkml:trace contextRef="#ctx0" brushRef="#br0" timeOffset="34446.51">22390 4283 1108 0,'-10'0'583'0,"-1"2"-292"16,8-2-165-16,-3 5 105 0,3 0-105 0,3 1-7 15,-3 4-9-15,-1-1-20 0,1 5-38 0,0 3-10 16,-4 5-12-16,-2-1-8 0,2-3-14 0,-3 8-3 0,-2 6-3 15,1-1 1-15,-5-2-3 0,3 2 0 0,1-3 1 16,0 7 0-16,1-6-1 0,-1 3 1 0,4-9 1 16,1-3-1-16,2 3 0 0,0-6 0 0,3-5-1 15,3-7-3-15,1-2 0 0,3-4 1 0,1-5-1 16,8-7-1-16,-4 0 0 0,7-7-1 0,1 0 0 16,1-1 0-16,0-2-1 0,0 1-4 0,3 1 1 15,0 1-1-15,0 3 1 0,0 1-2 0,-1 3 1 16,-3 4 1-16,3 4 1 0,-3 8 0 0,-4-1 1 15,-3 2 2-15,-6 13 1 0,-1 4 1 0,-1-1 1 16,-2 2 1-16,-3 2 3 0,-5-2-1 0,-2 8 4 16,-6-1 0-16,2 1-1 0,0-8 0 0,-5 4 5 15,3-3-2-15,-2-1 2 0,2-7 4 0,1-4 2 16,3-1 2-16,1-4 1 0,-3-3 1 0,4-6 0 16,-3-1 1-16,6-9-4 0,0 5-4 0,1-7-5 15,-5 1-2-15,10-4-2 0,-3 0-2 0,3-2-3 16,2 0-1-16,4 2 0 0,-1-1-2 0,3 1-1 15,2 0 1-15,2 7-2 0,-2-2 1 0,1 4 2 0,0 7 0 16,-2-2-1-16,3 1 1 0,-3 5 4 16,-1 1 0-16,2 4 2 0,4 4 3 0,0 3-1 15,-1-2 0-15,2 0 2 0,3 4-1 0,2 1-1 16,-1-3 0-16,4-4 1 0,2-2-5 0,0 0 1 16,4-4 1-16,4-3-1 0,-1-4 1 0,0-1 0 15,-2-8 0-15,2 0 2 0,-6-4 1 0,3 1 1 16,-10-8 1-16,0 4 2 0,-6-3 3 15,-2-1 1-15,-7-1-1 0,-2 3 2 0,-2 0-1 0,-7 0-1 16,-3 4-3-16,1 1-1 0,-4 0-4 0,0 9-3 0,-4 3 0 16,-1-3-2-16,2 6-3 0,0 4 0 0,-3 5 2 0,0 2-1 15,1 7-1-15,-3-1 3 0,10 3-2 16,-1 4 1-16,-3 0 2 0,9 3 0 0,2-3-1 16,7 3 0-16,2-3-1 0,6-2-1 0,6-1 0 15,5-7-4-15,-1 2-5 0,9-12-2 0,-2 3-5 16,3-7-10-16,-1 1-1 0,-2-11-1 0,1-2 1 15,-3-3 5-15,-1-1 3 0,-1-3 5 0,0-1 5 16,-4 2 12-16,-3-3 1 0,0-1 2 0,1 0 2 16,-3 3-1-16,-4 0-1 0,0 0 1 0,0 2-3 15,-3 1-1-15,1 1 2 0,-5 6-2 0,-1 4-3 16,0-2 0-16,-2 8-1 0,-1 5 0 0,-4 5 0 16,-1 2 1-16,0 4 1 0,-3 5 1 0,0 5 3 15,-1-1 3-15,-1 5 3 0,2 1-1 0,0 0 1 16,-1 1 1-16,1-5-2 0,2 2 1 0,0-4-2 15,0 3 1-15,0-8-2 0,3-2 3 0,-2-4 11 16,3-3 0-16,0-7 2 0,1 0 5 0,0-3 4 16,2-7 1-16,3-7 10 0,-2 1 3 0,2-2-8 0,1-4 1 15,2 0 0-15,0-7-3 0,2-2-7 16,0 1-2-16,0 2-10 0,4-3-7 0,1 0-4 16,1 0-2-16,4 2-1 0,2 2 0 0,0 1 2 15,3 3 1-15,-1 4-1 0,0 3 2 0,1-2 2 16,0 14-2-16,0-2 1 0,-3 4-3 0,1 0-3 15,-3 10-11-15,1-3-17 0,0 3-93 16,-2 0-71-16,0 4-124 0,-3 0 232 0,-2-4-217 0,-1 2-117 16</inkml:trace>
+  <inkml:trace contextRef="#ctx0" brushRef="#br0" timeOffset="35133.08">23555 4219 1056 0,'-11'0'502'15,"-1"1"-280"-15,3 0-130 0,-1 0 58 0,3 2-41 0,2-1-9 16,1-2 0-16,0 2-12 0,1 0-16 0,2-1-2 16,1 0-4-16,1 3-2 0,3 0-7 0,-1-2-3 15,-1 6-17-15,5-3-1 0,-1 2-5 0,1 1-5 16,2 3-4-16,2 1-5 0,1 0-1 15,2 1-4-15,3-3-2 0,3 2-4 0,-2 3 1 16,7-6-3-16,-1-1 2 0,0 0-3 0,2-2 0 16,0-3 0-16,0 2 1 0,1-5-1 15,-1 0 0-15,-1-1 1 0,-1-1 0 0,0-1 1 0,-2-2 0 16,-4 2-1-16,3-1 2 0,-7 1-2 0,-3 1 0 0,-1 1 0 16,1 1 2-16,-3 0-1 0,-4 2 0 0,-1 1 0 0,-3 1 0 15,-1 3 1-15,0-2 1 0,-2-1-2 16,-3 5 2-16,1 1-2 0,-3 0-1 0,4 0 2 15,-4-1-1-15,1 2-1 0,1 0-1 0,0 3 0 16,2-6-2-16,-2 2 0 0,4-6-1 0,-3 3 1 16,5-3-1-16,-1 2 2 0,1-4-2 0,0-2 1 15,1 0 0-15,2 0 2 0,0-4 1 0,2 4-3 16,-1-4 3-16,2-1-2 0,-2 0 0 0,0 3-1 16,2-2 1-16,-3 2-2 0,2 2 1 0,-2-1 0 15,-2-1 0-15,0 2 0 0,-1 0 1 0,-1 2 1 16,-6 4 2-16,3 0-1 0,-6 1 1 0,-5 5 0 15,0 5 1-15,-6 2 0 0,-6 5 2 0,-4 8 12 16,1-2 0-16,-6 8 2 0,1 2-2 0,-5 4 2 16,-1 0-1-16,4 1-2 0,1 1-2 0,4-6-10 15,-4 4-1-15,13-9-3 0,-4-2-1 0,11-8 0 16,4-4-1-16,5-6 0 0,1-1-1 0,2-5-3 0,8-9-7 16,1-4-28-16,1 2-18 0,0-3-21 0,2-5-24 15,-2 1-34-15,4-7-172 0,0-2 220 0,-1 0-145 16,-2-1-48-16</inkml:trace>
+  <inkml:trace contextRef="#ctx0" brushRef="#br0" timeOffset="36162.81">15838 9065 932 0,'-21'4'422'0,"4"0"-267"16,5-7-56-16,-5-3-9 0,12-4-42 0,-3 0 23 16,3-3 2-16,-1 3 0 0,3-5-5 0,1 2-3 15,0 0-10-15,2 1-4 0,0 6-2 0,1 0-1 16,0 3-14-16,1 9-5 0,0 9-2 0,1-1-4 15,0 5-9-15,0 8-1 0,-1 10-3 0,0 7-3 16,1 17 1-16,-2-6 0 0,1-1-2 0,-2 3 1 16,0 1 2-16,-2-2-1 0,-1-8-1 0,1-12 2 15,0 0-2-15,-1-12 1 0,-2-6-2 0,2-13-2 16,0 2-1-16,2-24-3 0,0 2-1 0,1-14-2 16,-3 3 1-16,3-24-3 0,3 3 2 0,-1-10-1 15,1-7 3-15,4 5-1 0,-2-5 2 0,4-3 0 16,1 1 0-16,4-2 2 0,1 1 0 0,-1 11 2 15,0 1-4-15,5-5 3 0,1 3-1 0,-6 12-1 0,2 7 2 16,-4 7-3-16,2 7 5 0,-2 22 1 0,2-11 5 16,-3 25-2-16,2 13 3 0,0 0-1 0,2 18 0 15,-3 9 3-15,2 10-6 0,-3 1 0 16,0 11-2-16,-1-4 0 0,-5 0-2 0,2 5 1 0,-3-20-6 16,2 2-7-16,-3-12-22 0,0 4-11 0,1-31-9 15,-1 6-14-15,0-15-55 0,0-8-28 16,-1-9-38-16,-1-1-73 0,-1-11 177 0,-4-5-114 15,-2-3-36-15</inkml:trace>
+  <inkml:trace contextRef="#ctx0" brushRef="#br0" timeOffset="36319.39">15667 9021 1203 0,'-12'30'497'0,"5"1"-324"0,0 2-108 15,4-3 28-15,0 1-15 0,10-6-12 0,2-1-2 0,7-2-5 16,4-4-10-16,6-10-12 0,4-1-7 15,4-7-14-15,6-6-3 0,2-9-3 0,-3 2-10 16,-1-5-22-16,-3-5-30 0,7-4-123 0,-2 0 143 16,-5 1-94-16,-2-1-56 0</inkml:trace>
+  <inkml:trace contextRef="#ctx0" brushRef="#br0" timeOffset="36600.9">16385 8941 1562 0,'-20'16'596'0,"6"-4"-444"0,-1 3-108 0,5-8 7 16,3 3-14-16,2 1 7 0,2 1-1 0,3 2 5 0,1 1-1 16,-1 3-8-16,4 6-7 0,6 7-9 0,0-4-3 15,-1 3-10-15,-3 4-3 0,3 2 0 16,1 0-1-16,-3-6 2 0,-2-3-4 0,0 0 1 0,-1-8 0 16,-1-4-1-16,1-6 10 0,-4-3-3 0,2-3 3 15,-1-4-1-15,-3-10 4 0,-2 2 2 0,-2-16-2 16,6 5 1-16,-6-8-4 0,3 0 1 15,1-2-3-15,-5-4 0 0,7-2-3 0,-1 2-3 0,7-1-1 16,-6 0 0-16,1 6-5 0,4-3 0 0,3-2 0 16,2 2-2-16,0 5-1 0,-1 2 3 0,-3 6-2 0,5-3-1 15,-1 11-3-15,2-4-11 0,-2 10-16 0,1 5-59 16,0 0-35-16,2 6-46 0,1 0-66 0,1 5 156 16,1 1-129-16,-1 2-33 0</inkml:trace>
+  <inkml:trace contextRef="#ctx0" brushRef="#br0" timeOffset="36923.42">16637 8942 1389 0,'-6'9'612'16,"-2"-4"-439"-16,-1 2-118 0,4 2-4 0,0 3 9 16,0-1 3-16,3 5 3 0,1 2 3 0,1 6-15 15,1 2-6-15,2 1-1 0,1 2-14 0,0-1-16 16,2 1-3-16,0-5-4 0,2 1-2 0,-1-7-4 15,-1 3-1-15,2-13-7 0,0-1 4 0,-2-7 4 16,3-6 0-16,-2-8 3 0,-2-2 0 0,0-7 13 16,-2-5 6-16,-2-3 3 0,3 1 6 0,-2 0 2 15,-1 1 0-15,0-7 1 0,1 1 1 0,0 5-13 0,1-2-6 16,2-1-4-16,2-3-6 0,4 0-4 0,-3-1-1 16,2 14-5-16,2-2 0 0,2 2-3 15,0 8-1-15,1 8-1 0,2 7-16 0,-3 0-16 16,5 7-14-16,0 3-17 0,1 5-54 0,-1 1-28 15,3 0-41-15,2 1-51 0,-2-2 152 0,2 3-107 16,1-9-22-16</inkml:trace>
+  <inkml:trace contextRef="#ctx0" brushRef="#br0" timeOffset="37212.26">17239 8835 1580 0,'-6'-10'659'0,"-4"-4"-420"0,-2 0-68 0,0-2-77 15,4-1-16-15,-2 0-39 0,3 1 20 0,-3 9-13 16,-1-4-4-16,3 5-6 0,0 5-6 15,-2 5-10-15,2 0-4 0,-2 13-6 0,0-2-2 0,1 6-5 16,1-1 1-16,2 8-4 0,-1-2 0 16,4 2 0-16,2 1-3 0,2-8 1 0,1 1-3 15,1-5 1-15,5-7-1 0,4-2 1 0,0 0 2 16,0-8 1-16,4-2-1 0,-2-4 2 0,4-5-2 16,4-8 2-16,-1 4 0 0,-7-5 0 0,4-3 0 15,-1 2 0-15,0-2 0 0,-3 2 0 0,-3 1 0 16,-2 2 1-16,0 3 0 0,-1 5 1 0,-5 6-1 15,0-2-1-15,-1 7 2 0,1 5-2 0,0 8 2 16,-1-2-2-16,0 9 0 0,2-1-1 0,-2 2-2 16,1 2 1-16,1-4-3 0,1 2-14 0,2-5-48 15,0-1-27-15,5-7-34 0,-1 1-42 0,0-4-54 0,4-10-121 16,2-4 217-16,1-3-149 0,-4-1-13 0</inkml:trace>
+  <inkml:trace contextRef="#ctx0" brushRef="#br0" timeOffset="37686.15">17739 8442 1413 0,'-12'6'725'0,"1"-1"-455"0,2 1-82 16,-2 3-122-16,2 2 7 0,-1-1-4 0,5 8-9 0,2 7-9 16,-3-1-8-16,2 1-21 0,4 6-2 0,0 2-9 0,2 9 0 15,2 6-4-15,0-2 0 0,-1-9-5 0,8 4-4 16,-1 1-12-16,4-6-16 0,-1-5-11 0,3-9-30 15,0-1-9-15,3-8-4 0,-2-4-2 16,-3-12 4-16,-1 0 10 0,3-9 14 0,-2-5 14 0,-3-7 32 16,-1 1 11-16,-2-7 8 0,-1 0 9 0,-4-2 17 15,1 0 6-15,-6 2 2 0,0 0 2 0,-2 1 3 16,-1 2-1-16,0 5-2 0,0 0-1 0,2 5-10 16,-1 7-6-16,0 5 3 0,1 4 1 15,-1 1-6-15,1 10-2 0,1 8-2 0,0 6-4 16,0 11-5-16,0-2 0 0,2 3-8 0,2 8 2 15,1 1-2-15,0 1 1 0,1 3-2 0,0-1-1 16,0 3 1-16,-1 1 0 0,0-4 2 0,-3-1-4 16,0-1 2-16,-4-3 2 0,1-4-1 0,-1-9 3 15,-2 5 0-15,-4-18 1 0,1 5-1 0,-2-10 4 16,2 2 1-16,-4-13 2 0,0 1 3 0,-4-8 2 16,2-4 1-16,0-5-4 0,-1-2 1 0,2 1-2 0,3-10-6 0,0-11-1 15,1 0-5-15,4 4-2 0,5-9-4 16,1 3 1-16,4-8 0 0,11 3-3 0,-4-3 3 15,4 13-2-15,5 1-35 0,-2-2-32 0,4 6-43 16,6 3-70-16,-1 4 133 0,-2 0-97 0,4 4-46 16</inkml:trace>
+  <inkml:trace contextRef="#ctx0" brushRef="#br0" timeOffset="38072.18">18489 8287 1571 0,'-11'2'623'15,"-4"4"-421"-15,-3 3-133 0,-1 4 29 0,-1 3-32 16,0 0-1-16,0 6 2 0,3-2-10 0,-2 8-23 16,-1 0-4-16,7 8-7 0,-2 1-7 0,2 2-11 15,1 0-3-15,9 7-2 0,-4-1 1 0,3 2-2 16,2-2 1-16,5-4-1 0,2-1 3 0,-1-5 0 0,4-14 3 16,-1 0 1-16,2 1 0 0,8-11 3 0,-6-7 0 15,3-2-1-15,4-3 0 0,6-10-1 0,-2 3 0 16,3-7-2-16,4-2 0 0,0 0-1 15,3-6-1-15,0 3 0 0,-2 0 0 0,-1 0 1 0,-1 2-12 16,0 4-19-16,-8 2-93 0,1 2-64 16,-7 1-129-16,3 6 232 0,-4-4-219 0,2 4-117 0</inkml:trace>
+  <inkml:trace contextRef="#ctx0" brushRef="#br0" timeOffset="38258.41">18759 8513 1721 0,'-12'9'708'16,"-4"2"-459"-16,12-6-160 0,-4 5 47 16,8 7-51-16,-1-4 10 0,1 16-16 0,-2-2-10 15,2 6-31-15,1 0-8 0,3 7-6 0,1-1-8 16,-4-3-33-16,2-1-37 0,3-5-17 0,1-1-39 16,3-9-219-16,1-7 256 0,6-12-158 0,-2 0-110 15</inkml:trace>
+  <inkml:trace contextRef="#ctx0" brushRef="#br0" timeOffset="38585.53">19238 8392 1816 0,'-14'3'729'0,"7"3"-499"0,-4-2-152 0,4 4 9 15,0-1-7-15,1 0 1 0,0 2-2 0,-1-1-26 0,1-2-14 16,-3 4-7-16,-1 1-9 0,5-4-15 0,-4 2-1 15,0-2-4-15,1 4 1 0,2 0-3 0,-3 0 0 16,-2-1-1-16,2-1 0 0,4 1-1 0,-2 1-2 16,1-1 1-16,4 0-1 0,-2 1-2 0,7-1 1 15,2-1 0-15,8-2-1 0,-6 1 1 16,9-1-2-16,-1-1 0 0,3 1 2 0,-3-5 0 0,3 7 2 16,-3-2-1-16,-5 2 3 0,5 2 1 0,-12 8 1 15,3-2 4-15,-4 5-1 0,-5 2 2 16,-4 2-3-16,-2 1 2 0,1-3 0 0,-6-3-2 0,-7 3 1 15,-1 1-3-15,-1-7 0 0,-4-2 0 0,0-6-1 0,-1 0-12 16,1-9-19-16,-5 3-21 0,13-12-31 0,3-6-122 16,3 0-102-16,7-9 220 0,6-2-169 0,2-3-121 15</inkml:trace>
+  <inkml:trace contextRef="#ctx0" brushRef="#br0" timeOffset="38952.69">19479 8129 1849 0,'0'-2'706'15,"-4"-1"-503"-15,0-3-143 0,2 3 17 0,2 1-30 16,0 1 0-16,1 3 0 0,1 3-6 0,3 8-17 16,-3-5-3-16,2 15-5 0,-2 1-3 0,1 9-8 15,0-4 0-15,0 21-4 0,-1-4 0 0,-2 5-10 16,0 6-11-16,-3 0-22 0,1 0-19 0,0 0-35 15,-3 0-19-15,2-5-14 0,0 0-17 0,0-7 2 0,-1-10 1 16,2 0 19-16,0-1 15 0,-1-12 35 0,1-8 16 16,-1-5 14-16,-1-5 21 0,-1-12 16 15,2 3 17-15,-3-8 16 0,-1-9 33 0,-2 1 15 0,0-6 16 16,-1-1 14-16,-4-6 14 0,-1 2 0 0,-2-3-6 16,1 1-8-16,2-3-28 0,-3 2-11 0,10-2-8 15,-3 1-8-15,5 6-8 0,0-4-2 0,6 12-1 16,1-2 1-16,4 6 2 0,0 6-2 15,5 4-6-15,1 1-4 0,-2 2-12 0,11 5-2 0,8-1-6 16,-1 1-3-16,-1 0-4 0,8 0-2 0,2-4-19 0,7-1-121 16,2-6-95-16,2 4 185 0,-9-2-130 0,3-3-123 15</inkml:trace>
+  <inkml:trace contextRef="#ctx0" brushRef="#br0" timeOffset="39526.51">20640 7824 1415 0,'4'-14'600'15,"6"1"-369"-15,-3 6-143 0,-1-1 36 0,1 0-35 0,-6 6-2 16,-1 2 1-16,1 0-13 0,-3 2-36 0,-5 3-5 16,1 2-2-16,-8 6-6 0,-4 11-5 0,1-5-7 15,-3 7-9-15,-4 10-2 0,-3 1-1 0,-1 7 0 16,-5 0-2-16,0 3 1 0,1 3 1 0,-2 1 0 16,-1-1 0-16,2 1-1 0,0-1 2 0,6-3-1 15,0 1-1-15,4-7 0 0,-3 5 0 0,8-17 1 16,1 6 1-16,1-10 6 0,4-5 0 0,5-6 0 15,1-1 4-15,2-3 3 0,4-4 0 0,7-3 1 16,-3 0 0-16,6-3-1 0,6 4 0 0,3-4 9 16,0 2 1-16,4-1 1 0,2 1 1 0,2 3 2 0,7-1 2 15,7 5 0-15,-2-1-1 0,-6 4-11 0,5 2-1 16,2 1-3-16,-4 4-3 0,-5-1-4 0,-3 5-3 16,-3-2-2-16,-3 0-1 0,-2 0 0 0,-9-2-24 15,3 2-21-15,-8-8-27 0,1 1-36 0,-4-6-165 16,-2 1 205-16,0-16-132 0,-2 3-82 0</inkml:trace>
+  <inkml:trace contextRef="#ctx0" brushRef="#br0" timeOffset="39785.66">20870 8143 1720 0,'16'-18'672'0,"-7"14"-480"0,5 0-135 0,-11 3 18 16,5 6-24-16,-3 8-3 0,2-1 0 0,-2 0 0 0,-8 12-11 0,3 9-9 15,1-1-5-15,-4 0-10 0,-2 7-6 0,0-1-3 16,-5 9-2-16,0-2-5 0,2 3-10 0,2-10-8 16,-8-3-36-16,7 3-13 0,-2-9-17 0,1-5-21 15,3-8-63-15,0-2-24 0,1-8-27 16,0-5-48-16,1-8 174 0,1-2-114 0,0-9-18 0</inkml:trace>
+  <inkml:trace contextRef="#ctx0" brushRef="#br0" timeOffset="39943.76">20717 8322 474 0,'-15'-25'419'0,"4"4"-137"0,3 8-145 0,-2-3 130 16,2 2-43-16,1 3-62 0,2 3-12 0,0 3-15 0,2 0-7 16,4 5-15-16,-1-1-9 0,3 1-35 0,6 3-3 15,0 1-11-15,5-1-9 0,5 2-5 0,8-3-9 16,0 1-4-16,7-1-4 0,5 0-5 0,1-4-7 15,3 2-5-15,-3-3-18 0,1 0-20 0,-4 3-96 16,-1-4-61-16,-12 4-120 0,3 1 225 0,-7 8-215 16,-6 0-110-16</inkml:trace>
+  <inkml:trace contextRef="#ctx0" brushRef="#br0" timeOffset="40097.51">20621 8735 1160 0,'-7'0'493'0,"8"-6"-291"0,2 3-110 16,13-7 42-16,-1 2-31 0,9-4-1 0,-3 2 0 16,12-4-14-16,-1 3-14 0,2-4-27 15,4-1-11-15,-2 1-29 0,-2-2-34 0,1 4-215 16,-4-3 204-16,5 0-111 0,-5-1-101 0</inkml:trace>
+  <inkml:trace contextRef="#ctx0" brushRef="#br0" timeOffset="40452.01">21155 8538 1574 0,'-5'7'654'0,"4"-2"-416"0,1 0-146 0,2 4 25 16,1-2-10-16,2 3-26 0,-1 2-19 0,2 7-13 15,0 0-9-15,0-3-19 0,-1 4-5 0,1-1-6 0,-2 2-3 16,1-1-3-16,0 3 1 0,-3-8-3 0,-1 0-5 15,3-3-8-15,-3-2-2 0,1-5-2 0,-1-5 1 16,0-2-1-16,2-8-1 0,-1-3 0 0,-1-8 8 16,0 2 5-16,0-8 0 0,0 1 3 0,0-2 4 15,0-1 1-15,2 1-2 0,-1-1 3 0,2 2-1 16,1 0 1-16,3-2 2 0,0 1 2 0,3 3 4 16,2 1 4-16,4 6 5 0,-4 1 2 0,1 1 2 15,1 14 0-15,0 3 5 0,2-1 1 0,-4 7-10 16,-1 5-2-16,-1 1-3 0,2 8-1 0,-2 3-3 15,0 0 0-15,-4 0-7 0,2 4-3 0,-1 0-1 16,-2 2 0-16,3-3-14 0,1-3-57 0,-3 1-35 16,2-5-39-16,0-5-49 0,3-4 127 0,-1 1-112 15,3-9-37-15</inkml:trace>
+  <inkml:trace contextRef="#ctx0" brushRef="#br0" timeOffset="40882.67">21663 8025 1249 0,'1'-5'565'0,"-1"3"-318"0,3 1-135 0,-1 0 55 15,1 6-30-15,2 2 1 0,2 7-7 16,0 3-10-16,2 5-34 0,-2-2-10 0,3 12-11 0,0-2-13 16,-1 6-24-16,1 3 0 0,4 6-12 15,-4-5-6-15,-2-1-8 0,3 1-1 0,-1 4-10 16,-1 0-4-16,0-7-13 0,-2-1-13 0,-1-3 0 0,2 3-11 15,-5-7-1-15,3 2-1 0,-7-13 8 0,-1-1 3 16,1 0 10-16,-4-9 8 0,-1-2 3 0,-4-7 15 16,0 0-1-16,2-7 3 0,-3 0 2 0,0-7 3 15,0-1 2-15,-3-3 0 0,2-3 3 0,0-1-3 16,-1 0 3-16,2-4-3 0,0-3-1 0,1-1-3 16,-1 3 1-16,4-5-2 0,-2 2-1 0,4 3 0 15,1-1-1-15,1 10 2 0,0-2 1 0,1 5 3 16,1 9 2-16,1 3 6 0,1-1-1 0,-1 5 5 15,2 3 2-15,-1 1-1 0,6 7 4 0,3 6-2 16,-3-3 0-16,4 1-1 0,7 4 0 0,1 1 0 16,4 1 1-16,8-2-2 0,-1-5-3 15,0-1 1-15,6-2-1 0,-1-5-4 0,6-5-1 0,-4 0-4 16,2-13-3-16,-2 3 2 0,3-4-8 0,1 0-7 16,-2-6-11-16,-2-1-8 0,-4-1-28 0,-2 1-15 15,-7 1-20-15,-5-2-27 0,-4 2-106 16,-9 0-95-16,-8 2 223 0,-2 2-157 0,-2 1-54 0</inkml:trace>
+  <inkml:trace contextRef="#ctx0" brushRef="#br0" timeOffset="41632.51">22163 8406 502 0,'19'10'281'16,"3"-5"-100"-16,1 2-67 0,9-4 57 0,-7 2-14 15,3-3 12-15,2 0 3 0,-1-1-4 0,1-1-3 16,-1-2-34-16,-2-1-16 0,-2-3-15 15,1 1-17-15,-3-1-29 0,-7 0-4 0,1-8 3 16,0 3-4-16,-6 0-7 0,-3-2-1 0,-4 1 0 0,-1-3 3 16,-5-1-1-16,1 0-4 0,-8 3-12 0,-3-1-1 15,-1 0-3-15,-6-1 1 0,1 2-4 0,-5 2-5 16,3 1-5-16,0 1-2 0,-1 3-2 0,2 4-6 16,-1-2 1-16,7 9-4 0,-2-1 1 0,7 8-2 15,-6-5-1-15,10 12-1 0,-2-3-3 0,4 5 2 16,2 2-2-16,5 4 2 0,-1-2 0 0,4-1-1 15,3 2 3-15,3-6 0 0,3 1 2 0,-3-4 0 16,7-9 0-16,1-3 0 0,2 2-1 0,-2-6 2 16,1-4 1-16,1-2-1 0,3-5 1 0,0-5 1 15,-2 1 3-15,-2-2-1 0,-1-2 2 0,0 0 3 16,-2 0-1-16,-5 2 3 0,-3 1-2 0,-1 2 4 16,-7 3 0-16,-2 3 2 0,-2 2-1 0,0 1-2 15,-8 6-1-15,2-1 0 0,-5 8-3 0,1-4-2 16,-7 16-2-16,3-2 1 0,-1 7-4 0,-3 6 0 15,1 4-1-15,2 1 0 0,0 0 2 0,5 3-1 0,-5 6 0 16,0 1 0-16,2-5-1 0,0 1 1 0,0 0 0 16,0 5-6-16,-1-1-2 0,-1 1 1 0,2-9-1 15,0-2 1-15,-4 0 1 0,2-5 1 0,2-4-1 16,-2-10 8-16,1 1 0 0,0-9 1 0,4-5 0 16,0-9-2-16,2-1 1 0,0-9-1 0,0-6-1 15,5-5-3-15,1-2 2 0,3-10-2 0,0 0 2 16,2-4 2-16,1-1-3 0,4-7-1 15,3 5 2-15,1-3-1 0,3-2 0 0,5 3 0 0,-1 1-1 16,0 6-1-16,5 9 0 0,6 2 3 0,-4-5-2 16,1 12 2-16,-1 6 1 0,1 2 1 0,8 3 0 15,1 8 4-15,1-4 0 0,-4 5 1 0,2 2 2 16,2 0 0-16,0 4 0 0,0-4 0 0,-1-1-1 16,0-1-3-16,0-4 2 0,0 0-3 0,2-5 2 15,-1 1-2-15,-2-4 2 0,-5 1-1 0,-7-1 4 16,3 1 2-16,-15-1-2 0,1-1 3 0,-12 0-1 15,3 2 3-15,-15-3-3 0,3 1 3 0,-10 1-2 16,-5-2-1-16,-7 5 0 0,4 3-2 0,1 0-1 0,-3 12-3 16,-2 1 1-16,0 2-4 0,6 3-1 15,3 5-1-15,5 3-2 0,-5 7-2 0,8 5-1 16,-1-2-1-16,11-2-11 0,4 5-47 0,0 0-28 16,9 0-36-16,2-9-35 0,15-6-169 0,-1 0 236 15,5-9-165-15,6-5-71 0</inkml:trace>
+  <inkml:trace contextRef="#ctx0" brushRef="#br0" timeOffset="41938.53">23633 8112 1237 0,'-16'0'505'0,"1"3"-295"0,-4 3-121 16,-1 7 56-16,0-4-37 0,6 10-24 16,-5 5 5-16,-1-1-12 0,3 8-8 0,1 2-7 15,1 6-13-15,-1 0-5 0,2 4-8 0,3 0-9 16,1-2-16-16,2 1-3 0,3-2-3 0,3-4-1 15,1-10-3-15,1 5-1 0,5-18 0 0,-2 2 0 16,4-10 2-16,1 3 3 0,-1-13 3 0,0-1 5 16,2-7 9-16,-3-5 5 0,2-3 6 0,0-2 4 15,-3 0 4-15,0-7 3 0,0-5 4 0,1 0-3 16,-1 3-10-16,0-1-2 0,1-1-5 0,4-7-6 16,6 1-7-16,-4-1-4 0,6 9-7 0,5-1-3 15,1-1 1-15,3 4-2 0,0 6 0 0,-2 10-2 16,1 1 2-16,-4 8-1 0,0 4-3 0,-6 5-21 15,2 5-16-15,-4 5-19 0,1 2-24 0,0 0-96 16,2 4-58-16,2-1-118 0,1 0 235 0,0-1-208 16,1 1-96-16</inkml:trace>
+  <inkml:trace contextRef="#ctx0" brushRef="#br0" timeOffset="42772.67">23996 7623 963 0,'-4'3'547'16,"-3"-2"-264"-16,2 0-172 0,-3 1 132 0,1 0-127 0,2 1-19 16,1 3 0-16,-1-2-7 0,2 4-4 0,1 2-6 15,2 1-5-15,3-1-10 0,0 0-6 16,7 1-10-16,-2 1-12 0,7 1-17 0,-1-2-6 16,11 1-5-16,-5-1-2 0,7 2 0 0,3-1-2 15,1-1-1-15,1 0 1 0,-3-1-2 0,-1 0-1 0,4 2 2 16,1-1 1-16,-5-1 0 0,-1 1-1 0,0 0 1 15,1 3 0-15,-3 1 0 0,1-1 2 0,-8-1-1 0,-1 2 2 16,-1 0 0-16,-3-1-1 0,-4 0 1 16,-5 1 2-16,1-2 0 0,-5 1-1 0,0-3 2 15,-4-2-2-15,-1 3 0 0,-3-5 0 0,0 1 1 0,1-6-2 16,-2 2 0-16,0-3-2 0,1 0-1 16,1 0-1-16,0-1 1 0,2-2 0 0,-1 1 0 15,2-1-2-15,0 0 1 0,1 1-2 0,0-3 1 16,-1 1-1-16,1 1-1 0,-3 1-1 0,0 0 3 15,-1 1 1-15,0 0 3 0,-2 3 3 0,-5 6 6 16,-6 7 0-16,2-1 3 0,-5 7-1 0,-2 9 0 16,-5 0 0-16,-4 11-2 0,-4 6 0 0,1 6-8 15,-2-2 1-15,-1 8-2 0,3 1 1 0,-2-3-2 16,4 3-2-16,10-11-3 0,-4 0 0 0,7-11-10 16,-2 5-14-16,14-21-20 0,-3 1-25 0,5-8-144 15,5-11 286-15,7-8-109 0,3-5-26 0,4-6 19 16</inkml:trace>
+  <inkml:trace contextRef="#ctx0" brushRef="#br0" timeOffset="43804.08">18523 8141 399 0,'-6'-4'322'16,"2"-4"-92"-16,-4 5-100 0,1-1 89 0,0 1-74 15,0 0-17-15,1-1-11 0,-1 0-9 0,4-2-12 16,-2 2-14-16,2-3-27 0,2-2-6 0,0-3-5 15,1-1-5-15,0 0-9 0,1-8-3 0,2-4 1 16,1 0 0-16,-1-2-8 0,1-5-3 0,1-3 2 0,1-5 0 16,2-3-1-16,-1 3 1 0,-1 0-2 0,1-9 1 15,0 1 1-15,0-2-1 0,0 3-2 0,-5-6-3 16,4 0 0-16,-4-1-3 0,-2-1-2 0,-1-2-3 16,0 0-1-16,-5-8 0 0,2 4-1 0,2 0 0 15,-4-3-1-15,3 0-1 0,-2 0 2 0,3 2-2 16,1 2 0-16,1 0 0 0,-1 3-1 0,0 0 1 15,1 4 0-15,-2-2-1 0,2-1 0 0,-3 13 1 16,1-1-1-16,0-5 0 0,0 0 0 0,-4 7 0 16,4 4 0-16,0 1-1 0,-1-6-4 0,-2 4-4 15,2-2 0-15,-2 4-3 0,3-2-4 16,-1-1-2-16,0-1 1 0,1 2 0 0,1-1 3 0,0 2 3 16,1 3 1-16,1 0 3 0,2 6 5 0,-1-2 1 15,1 9-2-15,0 0 2 0,0 6 1 16,-1-2 0-16,-1 9-1 0,1-2 1 0,-2 4 0 15,0 1 1-15,-1 2 0 0,-1-1 1 0,-2 3-1 16,2 0 2-16,-1 0-2 0,1 2 1 0,0 1-1 0,-1 2-1 0,1-3 0 16,0 4 1-16,0-1-1 0,2 0 0 0,-1 2 0 15,1-3-2-15,0 0 0 0,0-1 2 16,1 2 0-16,0-3-1 0,1 2 0 0,1-1 1 0,1-1-1 16,0 4 1-16,0-1 3 0,3 1 0 15,1 3-2-15,4 2 1 0,-2-1 3 0,10 6-2 16,-4-1 1-16,2 2 2 0,1 0-1 0,4 9 0 15,1-3 0-15,1 7 1 0,0 1-2 0,0 3 0 16,1 5-1-16,4 1-2 0,-1 2 2 0,-2-5-2 16,2 4 3-16,-5-7-1 0,-2-8 0 0,3 4 2 15,-2-5 2-15,-4-4-1 0,-4-5 1 0,-4 0-1 0,-1-4 3 16,-6-4 1-16,2 1 0 0,-7-4 0 0,-5-3 0 16,0-1-2-16,-4-5 0 0,-2 1-1 0,-5-5-10 15,-1 0-3-15,-1-2-4 0,-1-3-3 0,-2-2-14 16,0 1-9-16,0-6-12 0,0 1-12 0,1-2-38 15,0-1-16-15,3-5-14 0,-2 2-12 0,3-3-39 16,1 0-22-16,0 1-28 0,2 0 128 0,3 3-62 16,2 4-22-16</inkml:trace>
+  <inkml:trace contextRef="#ctx0" brushRef="#br0" timeOffset="43977.11">18597 5437 553 0,'-3'-15'375'0,"1"2"-136"16,0-1-119-16,1 7 94 0,-3-2-63 0,3 2-14 15,-4 5-9-15,1 1-7 0,-2 3-22 0,3 2-5 16,-5 3-6-16,-1 2-7 0,0 7-8 15,-1-2-3-15,-6 14-4 0,2-1-4 0,-2 9-5 16,-1-4-8-16,-3 14-7 0,1-1-1 0,-1 3-7 16,-1 4-4-16,2-7-3 0,0 1-2 0,2-6-9 0,6-15-1 0,-2 0-1 15,2 2-4-15,0-11-10 0,5-9-11 0,1-2-19 16,2-5-70-16,3-8-50 0,0 4-73 0,4-6 157 16,6-12-156-16,1 0-76 0</inkml:trace>
+  <inkml:trace contextRef="#ctx0" brushRef="#br0" timeOffset="44599.37">17799 6370 1160 0,'-21'15'487'16,"3"-1"-306"-16,6 0-110 0,2-2 6 0,9-3 3 0,2 1 17 15,-1 0 7-15,3-4-27 0,6 0-7 0,4 0-5 16,7 1 4-16,12 3-3 0,-5-1-3 0,9 4-15 15,17 9-4-15,-1 1-2 0,12 7-5 0,3 7-2 16,8 12-6-16,0-1-1 0,7 11-3 0,4 7-2 16,2 7-3-16,0-2-1 0,4 9 0 0,5-7-1 15,1-5-5-15,0 7-1 0,-8-21-1 16,0 0-1-16,-4-13 1 0,4 2-3 0,-22-21 1 0,1 1-1 16,-15-8 2-16,-4-7 0 0,-14-5 3 0,-1 1 1 15,-12-4 1-15,-20-5 1 0,-4-4 1 0,-2-3 1 16,-5 1-1-16,-9-4-3 0,0 2-2 0,-9-7-3 15,-4 0-1-15,1-1-1 0,2 4-3 0,-2 1-2 16,-1-2-2-16,-2 1 0 0,2 2-7 0,6 3-21 16,0-2-18-16,4 3-16 0,2 0-23 0,6 1-107 15,-2 1-73-15,9-4 180 0,0-5-137 0,6-1-88 16</inkml:trace>
+  <inkml:trace contextRef="#ctx0" brushRef="#br0" timeOffset="45072.86">19744 5998 727 0,'6'-3'404'0,"-1"0"-164"16,1 2-129-16,2 1 148 0,-3 4-161 15,-3 4-6-15,2 1 6 0,-4 3 5 0,-4 3-3 16,-6 6-13-16,1-1-11 0,-6 5-6 0,-4 3-8 0,-8 6-18 16,3-2-4-16,-17 8-7 0,-1 2-6 15,-11 5-12-15,5-2-1 0,-24 12-2 0,7-1-1 16,-14 4 4-16,-6 6 1 0,-16 5 2 0,5-2 7 15,10-7 3-15,-18 3 4 0,-10 11 5 0,-3 0 15 16,14-11-4-16,1 0-1 0,4-1 0 0,-14 10-4 16,16-4-4-16,-8 1-3 0,26-16-2 0,-5 2-10 15,4 2-2-15,12-9-2 0,13-5-2 0,14-11-4 16,-3-2-1-16,21-10-5 0,5-3-5 0,14-10-5 16,1-2-3-16,8-7 1 0,8-2-1 0,10-9 1 15,-3 2 1-15,15-9 1 0,-2 1 1 0,4-1-1 16,2-4 3-16,-3 5-2 0,1-3 1 0,-5 3 0 15,-3 3 2-15,-4 2-1 0,-3 0-8 0,-3 4-12 0,-9 5-21 16,-1-2-72-16,1 3-49 0,-6 2-57 0,-4 2-114 16,-1 3 221-16,0 0-212 0,-4 5-94 0</inkml:trace>
+  <inkml:trace contextRef="#ctx0" brushRef="#br0" timeOffset="76569.6">13250 12902 455 0,'-12'11'239'0,"3"1"-115"0,4 3-64 16,-1 1 51-16,1-1-25 0,2 4-9 0,-2-3-7 15,4 4 1-15,1 0-4 0,-2 0-5 0,0-5-4 16,-1 2-7-16,2 0-3 0,-2-2 0 0,5 1 2 16,-2-1 5-16,-1-1-2 0,2-1-2 0,0 2-1 15,-1-1-5-15,0-2 2 0,0 0-4 0,-1-2-3 16,-1-1-9-16,-2-5-2 0,0 0-1 0,0 0-2 16,4-2-5-16,-2-2-4 0,-2-1-3 0,-1-5-3 15,0-8-3-15,1 3-2 0,1-11-5 0,-3-7 2 16,3-2-4-16,0-11 1 0,-1-6 0 0,3-11 0 15,-1-1-1-15,2-7 1 0,0 0 0 0,4-5-2 16,-2-1 2-16,9 4-2 0,0 1 1 0,4 6-2 16,0 0 4-16,10 16-3 0,-4 2 0 0,3 12 1 15,1 5 1-15,-1 11 0 0,2 4 1 0,-1 15 6 16,-1 10-1-16,2 17 5 0,-2-1-2 0,-3-1 1 0,-2 25 0 16,-1 10 3-16,-1-2-2 0,-3-1-3 0,-4 4-1 15,-3-8-1-15,1 6 3 0,-6-14-1 0,1 7 1 16,-2-25-2-16,4-3-4 0,-8-4-4 0,3-11-5 15,-1-6-4-15,-9-9-26 0,4-3-11 16,-6-8-16-16,-4-2-26 0,-3-6-89 0,3 0 129 16,-5-3-83-16,1-3-43 0</inkml:trace>
+  <inkml:trace contextRef="#ctx0" brushRef="#br0" timeOffset="76731.63">13050 12751 1284 0,'-4'28'521'0,"-2"-10"-355"0,4-3-109 16,0-6 22-16,1-1-2 0,6-7-8 0,7-2-2 16,6-7 1-16,-4 4-8 0,13-14-9 0,1 3-7 15,2-4-11-15,2-1-10 0,2-3-7 0,1 2-5 16,4-1-12-16,-1 1-16 0,3-2-21 0,1 3-28 16,-1 1-125-16,3 2 149 0,-4 4-94 0,1-2-68 15</inkml:trace>
+  <inkml:trace contextRef="#ctx0" brushRef="#br0" timeOffset="77032.28">13654 12656 1118 0,'-8'11'469'0,"-3"5"-302"0,3-5-106 16,3-1 33-16,5 4-34 0,2 0-9 0,4 3 0 16,-1 0 1-16,4 5-4 0,0-1-5 0,4 6-14 15,0-1-4-15,0 3-6 0,0-3-5 0,-2 0-4 0,0-6-4 16,1-1 2-16,-2 1-1 0,-4-7 1 0,1-6 0 15,1-6 1-15,-4-2 2 0,-4-15-1 16,2 5 2-16,-3-8 0 0,-3-11 14 0,-1 0 6 0,-2-9 4 16,-3-2 3-16,0-1 2 0,0-1 2 0,-1-1-1 15,1 2-3-15,1 2-15 0,0-2-5 0,6 9-7 16,-2-2-4-16,3 5-6 0,1-1-2 16,2 14-3-16,1-4 2 0,4 7-2 0,-2 6-1 15,5 3 1-15,-1 2-1 0,4 5-19 0,1 4-21 16,3 3-27-16,-1-1-37 0,-1 2-45 0,4 1-81 0,1-6 156 15,0 0-122-15,-3 1-24 0</inkml:trace>
+  <inkml:trace contextRef="#ctx0" brushRef="#br0" timeOffset="77325.17">14080 12416 1422 0,'-18'26'566'0,"6"3"-377"0,2 4-120 0,-1-1 30 15,6-4-37-15,2 8 3 0,3 6 4 0,1-3-5 16,0-3-24-16,6 0-7 0,-1-4-7 0,2 0-6 16,1-11-6-16,1 6-5 0,-4-18-5 0,4-3 2 15,-2-4 2-15,-1-8 0 0,-1-7-2 0,1-10 3 16,-2 0 2-16,-1-11 2 0,-3 2 7 0,-1-1 3 16,2-4 1-16,-6 9 1 0,-1-4 1 0,1 5-3 15,-1 2-2-15,1 2-1 0,0-2-8 0,1 2-7 16,3 1-1-16,-1 5-4 0,1-1 1 0,2 2-3 15,3 7-2-15,1 4-6 0,1 1-6 0,-5 4-8 0,10 6-15 16,4 5-54-16,-3-2-32 0,3 2-38 0,1 4-44 16,2-7-85-16,5 5 186 0,3-8-138 0,-2 4-22 15</inkml:trace>
+  <inkml:trace contextRef="#ctx0" brushRef="#br0" timeOffset="77634.88">14602 12405 1625 0,'-20'-7'694'0,"1"1"-446"0,-4 1-165 15,3-1 61-15,3 1-73 0,-8 3-12 0,0-2 0 16,2 2-7-16,0 1-17 0,2 1-6 0,2 2-5 0,-3 5-5 16,7 3-6-16,-2-1-3 0,5 3-6 0,2 9-2 15,0-3-3-15,3 8-2 0,3-2 1 0,4 1-1 16,0 1 0-16,3-1 0 0,4-2 0 16,4-10-5-16,1 2 1 0,2-9-1 0,4-6-1 0,3-5 2 15,-2-2-1-15,7-13 1 0,-4 4 0 0,-1-7 4 16,2 1 3-16,-6-3 0 0,1 1 0 0,-3 2 2 15,-6-1-2-15,0 8 1 0,-2-3 0 16,-1 6 1-16,-5 6-1 0,4 5 0 0,1 1 0 16,-4 4 1-16,1 4 0 0,-1 3-1 0,0 8-1 15,0 8 0-15,2-3 0 0,-4 0 1 0,3 1-2 16,1 1-10-16,0-2-13 0,4-3-16 0,0-9-55 16,2 0-27-16,3-6-32 0,1-8-36 0,-2-7 112 15,2 0-97-15,0-10-16 0</inkml:trace>
+  <inkml:trace contextRef="#ctx0" brushRef="#br0" timeOffset="78025.82">14750 12233 636 0,'-5'1'433'0,"0"4"-150"16,-1 0-143-16,1 3 85 0,-1 8-66 15,2 0-25-15,-1 6-5 0,2 6-12 0,-1-2-11 16,2 1-36-16,0 8-4 0,1 0-7 0,1 4-6 16,0-6-7-16,5-2-16 0,0-1-6 0,3-6-7 15,2-7-5-15,4-13-11 0,1-1-1 0,4-9-2 16,2-10-1-16,5-11 0 0,-3 4 1 0,2-19-1 15,0 3-1-15,0-5 4 0,1-2 0 16,-7 3 1-16,3-1 3 0,-8 3 0 0,-1 4 1 0,-3 6 2 16,0 2 0-16,-4 6 1 0,-4 7-2 0,-1 5 3 15,0 0-1-15,0 7-1 0,-1 5 2 0,-1 5 0 0,-2 10 6 16,-2 13-1-16,3-5 1 0,2 8-2 0,-2 7 2 16,-1 4-1-16,3 6-2 0,-4-1-1 0,4 8-5 15,3 0-3-15,-2 3 3 0,-1 2-3 0,0-3-1 16,2 2 1-16,1 1 0 0,1-6-1 0,-2-7-1 15,-1 3 1-15,-2-18-2 0,1 2 1 0,-1-7 1 16,-3-2 1-16,-7-15-1 0,4 2 2 0,-9-8 12 16,1-5 2-16,-6-5 5 0,-1-2 3 0,1-3 0 15,-2-7 1-15,0-7 3 0,-2 0 0 0,3 0-12 16,7-8-5-16,0-3-2 0,4-8-5 16,8-6-4-16,-5 0 0 0,10 5-3 0,5-1-5 15,2-2-8-15,7 2-20 0,6 7-32 0,5 2-131 16,3 0-119-16,6 6 238 0,3 2-177 0,-1 5-143 15</inkml:trace>
+  <inkml:trace contextRef="#ctx0" brushRef="#br0" timeOffset="78337.39">15252 11862 1270 0,'2'-33'532'0,"3"4"-347"15,1 4-118-15,4 9 25 0,0-4-12 0,7 13-5 16,-1 3 0-16,2 5-13 0,0 0 0 0,3 12-14 16,-2 3-3-16,1 6-10 0,-2 5-2 0,-4 8-1 15,-1 0-1-15,0 6-7 0,-6 7-8 0,-1 4 6 16,-1 0-4-16,-1-6-4 0,0 7-4 0,-2 2-1 16,3 0-2-16,-5-8-2 0,0-3-1 0,2-6 1 0,-2 4 0 15,0-16 0-15,-1 6 1 0,2-16-2 0,-1-1 2 16,0-2 1-16,1-6 1 0,1-1 1 0,6-6 0 15,-5-2 1-15,5-2 1 0,0-3-2 0,3 1-1 16,1-2 1-16,3-2-2 0,0 0-2 0,-1-2 0 16,2 1-3-16,4-4 1 0,-1-1 1 0,3-4-5 15,0-2-15-15,5-2-24 0,-2-2-28 0,1-4-137 16,3-1 164-16,6-5-101 0,-6 0-75 0</inkml:trace>
+  <inkml:trace contextRef="#ctx0" brushRef="#br0" timeOffset="78516.78">15889 11985 1611 0,'-14'18'659'0,"2"4"-429"0,2-1-140 15,1 0 24-15,7 6-23 0,1-2-11 0,1 1-1 16,3 2-6-16,5 1-9 0,0-1-9 0,2 2-22 16,2-2-6-16,2-1-10 0,0-2-25 0,1-1-38 0,-2-8-51 0,5-1-217 15,-1 1 253-15,3-6-166 0,-1-7-95 0</inkml:trace>
+  <inkml:trace contextRef="#ctx0" brushRef="#br0" timeOffset="78838.53">16474 11665 1805 0,'-15'19'714'0,"5"-8"-467"0,1 6-147 16,-4-1 32-16,3-1-40 0,2 1-1 0,0-2-9 0,-4 0-13 15,-1 2-15-15,-1 0-13 0,-1-5-21 0,1 4-5 16,-3-2-7-16,-3 0-1 0,1 0-3 0,1 2-3 16,-1-3 1-16,1 3 0 0,3 1 0 0,1-4-4 15,-2 1 0-15,4-1-3 0,1 0 2 0,3 1-4 16,-1-2 0-16,9 4-1 0,-2-3-2 0,2-1-1 16,7 1 0-16,3-4 0 0,1 2 1 0,8-3 1 15,0-1 1-15,6-3-1 0,1 2 3 16,-2-3 5-16,2 1-1 0,-2 4 2 0,2-1 0 0,-7-1 0 15,-3 2 1-15,-1 4 2 0,-5 3 1 0,-5 3 2 16,3 0 1-16,-6 2-1 0,-6 3 1 0,3 1 1 16,-9 1-2-16,-2 1-2 0,-5-4-19 15,0-1-18-15,-5-1-29 0,-2-5-38 0,6-8-178 16,-9 2 216-16,11-14-134 0,-2 0-92 0</inkml:trace>
+  <inkml:trace contextRef="#ctx0" brushRef="#br0" timeOffset="79224.39">16619 11475 1699 0,'-3'-9'711'0,"0"9"-451"16,-1 1-63-16,4 5-107 0,-1-2-15 0,2 13-40 15,1-2 28-15,2 10-24 0,0 4-9 0,2 9-8 16,-2-2-7-16,2 0-8 0,-1 5-3 0,3 9-3 15,1 1 1-15,-3-7-2 0,3 2-4 0,1-4-10 0,0 7-47 16,0-5-19-16,1 2-8 0,-3-13-21 0,-2 2-25 16,2-2-1-16,-4-2 5 0,-3-7 6 0,-2-7 48 15,-1 1-5-15,-4-10 27 0,-3-3 20 0,-1-10 24 16,-3-1 2-16,-1-8 3 0,-1-4 4 0,-1-3 16 16,-1-1 30-16,-2-3-7 0,-1 0 9 0,2-1 30 15,-3-1 9-15,2 0 5 0,0 0 4 0,3 1-4 16,1-3 2-16,6 6-3 0,1 0-2 0,1 4-23 15,9 7-7-15,4 0 2 0,0-1-6 0,3 6-12 16,3 0-9-16,7 2-8 0,10-6-5 0,14-1-9 16,-8 2-1-16,13-8-10 0,10-4-60 15,-1-1-65-15,11-7-110 0,-1-2 183 0,15-2-159 0,-8-2-97 16</inkml:trace>
+  <inkml:trace contextRef="#ctx0" brushRef="#br0" timeOffset="79758.46">17845 11216 1655 0,'-11'6'675'0,"0"1"-433"15,5-7-152-15,3-1 22 0,0-1-12 0,0 0-35 16,3 1-7-16,-7 1-8 0,5 0-14 0,-4 0-23 0,0 1 0 16,-1 2-4-16,-4 4-1 0,-6 4-1 15,2-2-1-15,0 3-3 0,-9 8 0 0,1 1-1 16,-6 4-2-16,-1 4 1 0,-1 4 0 0,2 2-1 16,-4 3 1-16,2 0-1 0,6 2 0 0,-3 0 1 15,11 1-1-15,-2-2 0 0,6 1-2 0,-2-4 0 16,13 2 0-16,-2 0-2 0,5-2 3 0,4 1 1 15,4-8 1-15,3 3 2 0,-1-5 2 0,9-8 4 0,7-1 5 16,-1 0 2-16,0-7 3 0,4-5 2 0,5 0 3 0,5-4 3 16,3-2-1-16,0-1 0 0,-11-2-7 15,7 1 1-15,-1 1-3 0,-4 0-4 0,-3-1-3 0,-8 2-3 16,1 0-1-16,-4 0 1 0,-3 2-2 16,-5 0 1-16,-1-1 0 0,-3 1-2 0,-3 0-9 15,-4 0-56-15,2 2-35 0,-5-2-49 0,0 1-70 16,-1 0 149-16,0 0-124 0,1-3-44 0</inkml:trace>
+  <inkml:trace contextRef="#ctx0" brushRef="#br0" timeOffset="80283.63">18054 11379 864 0,'0'4'449'0,"0"-8"-223"16,0 2-121-16,0-1 92 0,2-4-65 16,3-2 2-16,1 3-7 0,1-3-4 0,2-1-10 15,3-1-11-15,3 1-10 0,-4 0-25 0,0 0-5 0,4-1-4 16,-1-2-5-16,2 3-19 0,-3-1-5 0,3 1-3 16,-4-1-2-16,5 3-5 0,0-2-3 0,-1 4-8 0,0 4-2 15,-1-2-1-15,0 4 0 0,0 2 0 0,-1 8 1 16,-3-3 1-16,-1 6-1 0,-2 4 1 15,-3 6 1-15,2-1 0 0,-9 12-1 0,0-3 2 16,-5 0-3-16,3 4 0 0,-8-2-1 0,-1 3 2 0,0-3-2 16,-2-4 0-16,-1-2-1 0,2 0 0 15,0-3 0-15,3-6-1 0,-3 3 0 0,2-2 1 16,2-5-2-16,4-2-1 0,-1-2 1 0,3 1-3 16,0-7 0-16,1 2 1 0,3-5 0 0,5-2-1 15,1 1-3-15,4-4-1 0,1-2-21 0,1-2-85 16,5 0-52-16,-1-1-75 0,2 2 169 0,4-5-174 15,-4-1-94-15</inkml:trace>
+  <inkml:trace contextRef="#ctx0" brushRef="#br0" timeOffset="80780.42">18457 12066 1104 0,'-6'3'486'0,"-1"-3"-296"0,-2 2-113 0,0-4 34 16,3 0-7-16,1-2-8 0,-2 0 3 0,4 0-20 16,0 0-6-16,3-3-3 0,-2 2-5 15,2-1-13-15,2-2-4 0,0-1 12 0,2 1-2 16,0-2-4-16,-1 0 2 0,1 3 0 0,2-5 5 15,-1 4-2-15,1-2-4 0,-2 7-14 0,2 0-6 16,-1 0-4-16,0 3-8 0,-1 1-4 0,1 6-7 16,-1 0-5-16,-1 3 1 0,-1 2-3 0,-2 5 2 15,2 0-1-15,-6 2 0 0,2 0 0 0,-3-3-2 16,0 3 1-16,-3-7-2 0,2 1 1 0,0-5 1 16,-1-2-2-16,2-6 0 0,-1 0-3 0,-1-3-12 0,4-8-23 15,0-3-97-15,1 2-76 0,1-5-198 0,1-1 306 16,3 0-210-16,3-4-176 0</inkml:trace>
+  <inkml:trace contextRef="#ctx0" brushRef="#br0" timeOffset="81461.77">19326 11439 1198 0,'-10'3'597'0,"0"4"-340"0,-1 3-167 0,1-3 38 15,2 6-16-15,-4 3 11 0,1 2-7 16,3-1-35-16,-2 3-73 0,4-2 55 0,-3 7-6 16,1 4-8-16,-1-1-7 0,5 0-18 0,2 7-7 15,-3-2-4-15,4 6-3 0,-1 1-3 0,3-3-5 16,-1 1 3-16,2-1-3 0,5-6-2 0,-4-3 2 16,3 0-1-16,1-13-1 0,-1 0 1 0,1-7 0 15,0 1 0-15,0-9-1 0,-2 0 2 0,2-10 1 16,0-3-1-16,-1-3 1 0,2-2 0 0,0 2 2 0,0-6-3 0,1-3 2 15,1-1 1-15,0 4 1 0,0 1 2 16,2 4 0-16,0 1 2 0,2 4-1 0,-2-4 3 0,0 9-3 16,0 3 2-16,1-1-2 0,-2 0 0 15,0 0-1-15,1 2-4 0,2 3 3 0,-1 0-2 16,-1 0-1-16,2-3 0 0,-1 2-2 0,2 0 0 16,-1-3 0-16,-2-4 1 0,0 0-1 0,0-10 0 15,-3 2 3-15,-1-5-1 0,2 1 2 0,-6-5-3 16,2 0 1-16,-5-4 0 0,-1 0 0 0,-1 5 1 15,0-2 0-15,-3 2-1 0,-2 6-1 0,-4-3 2 16,0 0-1-16,3 7-2 0,-5 0 0 0,-1 4-2 0,-6 4-4 16,-3 7 1-16,2-2 0 0,-1 5-1 0,-1 8 0 15,-2 0 0-15,-2 6-1 0,3 4 0 0,-1 3 3 16,2 1 0-16,0 2-1 0,1 2 1 0,0 8 0 16,3 0 1-16,-1 2 0 0,-1 0 1 0,10 5 1 15,-4 1-1-15,8 0 0 0,1 5 0 0,6-5 2 16,-1 1-1-16,15-6 1 0,1 0 2 0,1-7 0 15,10-6 2-15,6-7 0 0,1-7 0 16,-2-4-2-16,15-21-2 0,5-8-8 0,1 0-18 0,-4-5-25 16,5-14-36-16,-5 1-50 0,10-6 97 15,-6-10-71-15,0 3-34 0</inkml:trace>
+  <inkml:trace contextRef="#ctx0" brushRef="#br0" timeOffset="81742.61">19867 11732 1078 0,'-10'-10'508'0,"-4"-5"-277"15,-1-2-127-15,3 0 55 0,1-2-11 0,1 0-8 0,2 1-5 16,6 4-20-16,-3-1-7 0,8 7-10 15,3-2-11-15,3 4-21 0,0 0-10 0,10 8-7 16,0 0-6-16,6 9-16 0,2 4-6 0,5 6-5 16,-3 0-3-16,0 1-5 0,1 6-3 0,4 0 1 15,1 2-2-15,-6-7-4 0,-2-1-8 0,2-3-19 0,2 1-90 16,1-6-29-16,1 1-49 0,-7-6-69 0,-1-2 168 16,0-1-150-16,-5-4-39 0</inkml:trace>
+  <inkml:trace contextRef="#ctx0" brushRef="#br0" timeOffset="81884.92">20204 11513 1624 0,'-23'-8'666'16,"1"4"-439"-16,3 2-149 0,0 5 44 0,4 0-48 15,-2 12 1-15,2 7 6 0,-6-4-7 0,6 4-17 16,-3 7 3-16,0 1-13 0,-1 6-7 0,2 4-11 16,-2-2-4-16,5-5-17 0,7 5-15 0,-1-2-22 15,5-3-36-15,6-4-31 0,8-10-168 16,-3-1 207-16,10-8-129 0,11-6-90 0</inkml:trace>
+  <inkml:trace contextRef="#ctx0" brushRef="#br0" timeOffset="82736.96">20339 10969 1574 0,'-3'-10'646'0,"-1"3"-429"0,2-1-142 16,0 9 26-16,2-1-3 0,1 4-9 0,1 7 1 15,5 7-16-15,-2 0-9 0,3 9-11 16,2 8-7-16,1 13-18 0,1-6-8 0,0 20-6 16,1-4-4-16,0 8-5 0,2 2-7 0,-3 2-12 15,-1 0-22-15,1-3-46 0,1 1-21 0,3-11-13 16,-4 1-16-16,-1-11-9 0,-2-16 4 0,-1-2 11 16,5-1 24-16,-9-13 42 0,-2-10 22 0,4 1 14 0,-8-8 19 15,-4-11 11-15,3 3 11 0,-4-5 4 0,-5-6 14 16,4-2 9-16,-8-6 4 0,-4 0 4 0,2-1-3 15,-1-1-2-15,-4-2-7 0,2-3-5 0,3 1-18 16,-3 0-5-16,6 2-7 0,0 1-3 0,4 4-2 16,-2-3 6-16,7 17 5 0,0-4 3 0,0 8 10 15,3 6 2-15,2 6 2 0,0 2 2 0,1 4 8 16,2 6-3-16,1 2-5 0,3 3-2 0,-3 0-6 16,7 0-1-16,3 5 2 0,2-1-2 0,0-5-5 15,5 1-2-15,3-3 0 0,2-4 2 0,7-8 0 16,-2 5 0-16,2-12-5 0,2-7 1 0,0 0-1 15,3-9-1-15,-1-4 0 0,0-6-4 16,3 2 0-16,-3-5-1 0,-2 1 0 0,-5-2-1 0,4 0-1 16,-10 5-1-16,-1 0 0 0,-8 2-1 15,2 0 0-15,-21 6-1 0,5-1-1 0,-8 7 0 0,-9 1-1 16,-5 11 1-16,1 0-1 0,-6 5 0 16,0 10-1-16,3 4-1 0,-3 2 2 0,2 0-1 0,8 9 1 0,-3 5-2 15,1 0 1-15,5-1-2 0,3 4 2 0,2-1-2 16,2 7-1-16,7-1-1 0,-3-1 1 0,8-10-2 15,5-2-3-15,3-2 0 0,5-8-2 16,5-6 1-16,9-12 0 0,1-3 2 0,7-11-1 0,-1-5 4 16,2-14 2-16,2 5 2 0,-4-16 1 0,2 0 1 15,-5-4 0-15,0 0 2 0,-7-2 0 16,1 2-1-16,-3 3 4 0,-5 0 1 0,-8 6 0 16,1 1-1-16,-2 6 3 0,-11 11-2 0,0 0 2 15,0-1 3-15,-3 8-3 0,-2 7-1 0,-5 6 0 0,-1 5 1 16,-3 12-1-16,1-5 0 0,1 10-3 0,-1 8 0 15,-1 4 0-15,2 3-2 0,1 0 0 0,5 5-1 16,-3 1 0-16,4 2-1 0,2-5 0 0,1 1-3 16,0-4 0-16,3-1 0 0,5-8-1 0,1-11-1 15,-1 4 1-15,7-22 0 0,-3 3 3 0,4-12 0 16,0 1 2-16,-3-16 0 0,3 1 2 0,-1-5 1 16,-2-4 2-16,2-1 2 0,-3 0-2 0,-2 3 3 15,-3-1-1-15,4-5 5 0,-3 2 0 0,-1 4-1 16,-2 2-1-16,2 3 0 0,2-3-3 0,1 7-1 15,-2-4 1-15,-2 15-3 0,-3 5 4 0,4 1-1 16,-7 8 0-16,0 10 1 0,-1 13 0 0,0 0-2 16,-3 12 0-16,1 3-3 0,2 8-5 0,-1-2 2 15,4 3-2-15,1-1-15 0,3-4-78 16,-3 2-49-16,11-18-69 0,0 2-121 0,8-12 235 16,3-8-184-16,1-10-71 0</inkml:trace>
+  <inkml:trace contextRef="#ctx0" brushRef="#br0" timeOffset="83148.98">21829 10647 1089 0,'4'8'485'0,"-1"-1"-288"15,2 0-114-15,0 2 42 0,-1 0 5 0,1 0 3 16,0-2-7-16,-1 0-23 0,-4-1-4 0,7 5 5 15,-5-4-4-15,3 0-27 0,-2 1-6 0,-3-2-5 0,3 5 2 16,-1 4-8-16,3-2-7 0,-6 6-15 0,1 5-6 16,-1 1-7-16,-1 8-4 0,0 5-6 0,-4 6-7 15,0 2-2-15,1 5 1 0,1 2-3 0,0 3-14 16,-2 0-1-16,6-1-9 0,-4-2-8 0,3-6-13 16,0 2-6-16,3-21-6 0,0 4-5 0,-1-11 3 15,4-10-1-15,-1-8 5 0,3-3 10 0,-2-9 15 16,-1-7 6-16,1-4 6 0,-4-7 11 0,2 3 16 15,-6-9 6-15,1-6 15 0,-4 3 4 0,3 4 5 16,-7-3 1-16,-6-2 10 0,0-1 11 0,-5 1-4 16,3-1-1-16,-2 15-11 0,-5-1 0 0,2-1-6 15,1 12-2-15,1 9-9 0,0 8-11 0,0 4-2 16,0 9-2-16,3 7-1 0,1 9-5 0,1-1-1 16,6 12 0-16,-1-1-3 0,7 0-1 0,0 3-2 15,11-6-4-15,-2-2-11 0,7-5-41 0,5-6-25 16,4-10-30-16,2 0-34 0,-3-5-51 0,8-12-62 0,10-7 154 15,-1 3-115-15,-1-7-2 0</inkml:trace>
+  <inkml:trace contextRef="#ctx0" brushRef="#br0" timeOffset="83465.56">22165 11008 1662 0,'-10'-1'674'0,"0"1"-444"16,-2 5-149-16,-1 0 34 0,1 1-23 0,-1 2 0 0,-2 2-11 0,1 0-6 15,-2 1-18-15,-1 1-8 0,0 2-6 0,3 1-6 16,0-2-18-16,5-1-6 0,-3 2-4 0,0 2-4 16,6-2-5-16,2-2 0 0,2 4 0 0,2-2-2 15,6 0-1-15,-3 3-1 0,11-4 0 0,3 0-1 16,-1 2 1-16,7-4-1 0,2-3 1 0,4 0 0 16,1 4 2-16,2-5 1 0,0 2 1 0,-1 1 0 15,2-2 1-15,-9 6 1 0,-2-2-1 0,-7 3 5 16,4-3 2-16,-20 5 0 0,4-3 1 0,-12 1 4 15,-6 0-1-15,-10-3 1 0,4 2 0 0,-5-4-1 16,-6-1-1-16,-4-3 2 0,-5-1-2 0,9-3-5 0,-1-2-4 16,8-1-11-16,-5-3-38 0,10-7-22 15,-4 1-33-15,11-3-47 0,9 0 98 0,4-1-80 16,6-1-24-16</inkml:trace>
+  <inkml:trace contextRef="#ctx0" brushRef="#br0" timeOffset="84069.35">23287 10989 1054 0,'-13'-7'501'0,"-3"1"-262"0,6 0-141 16,3 1 31-16,3-2-3 0,0 1-6 0,2 0-26 16,2 2-13-16,2-2-13 0,1 1-10 0,-1-1-7 15,1-1-7-15,-1 6-15 0,-1 4-5 0,3 1-6 16,-3 6-4-16,-4 10-4 0,-8 16-5 0,3 1-3 15,-9 15-1-15,0 7-6 0,-5 9-39 16,-4 2 18-16,6 8-80 0,-1-4-50 0,7-6 114 0,-2 5-80 16,15-18-36-16</inkml:trace>
+  <inkml:trace contextRef="#ctx0" brushRef="#br0" timeOffset="84273.66">23498 10750 1381 0,'9'-16'641'0,"-1"3"-404"16,1 2-85-16,1 0-15 0,-2 9-63 0,0-1 41 15,-4 3-21-15,0 5-8 0,-4 6-10 16,0 3-6-16,-3 8-21 0,-1 5-12 0,-5 5-8 16,0 3-6-16,2-2-13 0,-3 11-4 0,-5 15-2 15,2-3-9-15,-1-5-19 0,-1 10-14 0,3 1-25 0,0 5-79 16,1-2-41-16,-1 5-44 0,8-25-80 0,4-2 192 15,-1 3-148-15,4-17-34 0</inkml:trace>
+  <inkml:trace contextRef="#ctx0" brushRef="#br0" timeOffset="84475.06">23142 11119 1112 0,'-14'-10'532'0,"6"4"-316"16,1 2-129-16,2 1 65 0,1 3-44 0,7 4-11 15,-1-1-7-15,3 6-20 0,6 4 1 0,0 0-5 16,4 4-6-16,1-1-6 0,5 2-19 0,0 1-6 16,5-1-5-16,-1 3-4 0,2 1-69 0,1-2-39 15,2 6-47-15,-4-1-57 0,0 2 132 0,1 1-113 16,-6-2-46-16</inkml:trace>
+  <inkml:trace contextRef="#ctx0" brushRef="#br0" timeOffset="84723.96">23528 11223 1148 0,'1'-2'520'0,"2"0"-297"0,1 2-124 16,-1 4 47-16,2-4-5 0,0 12-4 0,0 1 0 16,0 5-26-16,-1 4-10 0,2 1-12 0,-3 1-13 15,3 0-29-15,0 4-7 0,4-3-11 0,-2-1-5 16,-1-5-14-16,5-3-6 0,4-4-1 0,0 0 3 15,-2-3-4-15,2-7 0 0,-4-2 1 0,7-1-1 16,-2-11-2-16,-1 3 0 0,-5-3-2 0,-2-7-18 16,2 2-9-16,-2-7-13 0,1 5-17 0,-6-7-55 15,-1 4-30-15,0-2-39 0,-2 2 9 0,3 0 97 16,-3 0-89-16,6 2-11 0</inkml:trace>
+  <inkml:trace contextRef="#ctx0" brushRef="#br0" timeOffset="85252.23">23973 11164 1146 0,'-1'0'583'0,"-2"0"-315"16,4-5-165-16,0-1 102 0,1 3-124 0,0-4-1 16,-1 7-6-16,2 0-12 0,-3 4-31 0,0-1-5 15,-4 8-5-15,2 1-2 0,-1 6-11 0,0 3-3 16,-3 5 0-16,1 0 0 0,0-1-4 0,1 5 1 15,1-5-2-15,1-1 0 0,0-3 0 0,3-8-2 0,2-2 0 16,1 2 0-16,-2-7-1 0,4-2 1 0,-3-4 0 0,2-3 1 16,2-8-2-16,-2 2 2 0,1-5 1 15,-1-2 1-15,1-2 1 0,0-3 1 0,-1-1-1 16,1-1-1-16,-2 1 1 0,0-1-1 0,2 1 1 16,-2 2-2-16,1-3-1 0,0 4-2 0,1 0 0 15,-1 5-1-15,0-3 2 0,-2 13-1 0,1-2 0 16,-3 6 2-16,-1 6 1 0,0 7-1 0,-1 0 1 15,-1 8 2-15,-1 5-1 0,0 3 1 16,-2-1-1-16,3-2 2 0,-3 1-3 0,4-1 1 0,0 3 1 16,0-8 0-16,2-3 1 0,0-6 4 0,3 1 7 15,5-10-1-15,-3 4 4 0,3-6 2 0,0-7 1 16,0-1-3-16,2-5 2 0,-1-3-4 0,3-5-6 16,-2 1-1-16,2-7-2 0,-3 1-2 0,-1-2-3 15,2 1 3-15,-5-1-4 0,7 1 0 0,-9-2 0 16,4 3-1-16,-1 0-2 0,2-1 1 0,2 5-1 15,-2 0 0-15,-1 8 1 0,-3-1-3 0,2 4 3 16,-5 11-1-16,-2 5 2 0,0-1 1 0,-3 7 0 0,-3 6 0 16,0 3 0-16,0 9 0 0,0 6-1 15,-3-1 2-15,3 1 0 0,1 2-3 0,0 0 0 0,2 0-17 16,4-5-20-16,0-10-65 0,1 4-38 16,4-12-54-16,6-3-149 0,2-8 240 0,2-3-170 15,0-4-53-15</inkml:trace>
+  <inkml:trace contextRef="#ctx0" brushRef="#br0" timeOffset="86054.17">24457 10634 1213 0,'0'-8'560'0,"-2"9"-359"0,0-2-147 0,-3 6 31 16,3-2-1-16,-7 12 2 0,2 0 1 0,-3 10-26 16,-3 5-74-16,2 10 65 0,-1 0-7 0,0 7-19 15,1 6-7-15,0 2-8 0,2 0-3 0,-4 39-2 16,9-48-5-16,-1 1 3 0,3-8-3 0,2-8 0 16,3-6 1-16,3-1-1 0,3-14 0 0,-3 6 2 15,5-15 0-15,0-2 4 0,2-5-1 0,0-6 2 16,-1-3 0-16,2-6-1 0,1 2-2 0,-1-6 1 15,-1 1-2-15,4-1-3 0,-3 0 1 16,5 4-2-16,-4-2-1 0,2 4 0 0,-2-2 0 16,1 10-1-16,-1-1-2 0,-2 5 2 0,-2 5-2 15,-9 4 2-15,2 3-1 0,-2 0 0 0,-9 9 0 0,-3 5 2 16,-1 0 1-16,-3 0 0 0,-1 5 2 0,-2-1-1 16,-2 6 4-16,-1-1 1 0,0 2 1 0,5-3 3 0,-5-3 3 15,2 1 1-15,0-2 2 0,4-2 2 0,2-6 4 16,-2 0 1-16,4-8-1 0,3-1-2 15,1-3 4-15,2-2 0 0,0-2-2 0,3-3-3 16,1-4-4-16,0 3-1 0,4-7-1 0,-2 0-3 16,3-2-6-16,0 1 0 0,5-1-4 0,-3-2 1 0,3 3-1 15,2-1-1-15,3 2-1 0,-1-1 1 16,-1 3 1-16,3 0-2 0,6-3 0 0,-1 1 1 16,-1 3-1-16,3-2 1 0,2-3 0 0,0 0 1 15,3-3 0-15,1 1 1 0,-8-2 1 0,3-3 2 16,-1 0-1-16,-4-2 2 0,-4 0 0 0,-4 1 0 15,-1-2 1-15,-4 2 1 0,-7 0 1 0,-5 4-3 16,1-3 0-16,-15 9-4 0,4 3 0 0,-2 5-1 16,-2-3 0-16,-2 15-1 0,0 0-4 0,-2 6 0 15,2 6 2-15,6 4 1 0,-3-1-3 0,1 6 0 16,5 2 0-16,4 0-1 0,3-1 0 0,1-1 2 0,10-4-11 16,6 3-36-16,-1 0-10 0,3-8-11 0,8-1-9 15,3-6-4-15,4-3-9 0,4-7-4 0,1 2 1 16,-5-10 21-16,6-8-47 0,0 1-21 0,-2-4-41 15,-1-3-79-15,-1-4 180 0,1-1-132 0,-2-2-41 16</inkml:trace>
+  <inkml:trace contextRef="#ctx0" brushRef="#br0" timeOffset="86305.46">24879 11072 1023 0,'-4'22'461'0,"-5"6"-252"16,6 7-122-16,-2-2 63 0,3 0-67 0,0 3 17 15,-1 1-4-15,-1 0-8 0,4-4-10 0,0-6-11 16,1 2-1-16,3-8-4 0,-1-3-1 0,0-9-9 16,2 2 2-16,-1-11-1 0,-2 0-1 0,-1-5-7 15,2 0-3-15,-2-11-7 0,0 2-5 0,0-6-7 16,1-4-4-16,0-4-5 0,2 0 1 16,1-4-4-16,2-1-3 0,1-4 1 0,0 1-1 15,0 5-7-15,5 1-1 0,5-1-1 0,-2 2-2 16,1 3 1-16,4 8 0 0,-4 2-2 0,1 1 1 15,-2 9-2-15,1-4 1 0,-5 10-2 0,2 5-24 16,-8 0-18-16,4 6-22 0,-4-1-28 0,0 3-133 16,2 2 174-16,-2-2-113 0,10-3-65 0</inkml:trace>
+  <inkml:trace contextRef="#ctx0" brushRef="#br0" timeOffset="87035.56">24883 10385 1060 0,'-3'1'494'0,"0"1"-300"16,0 0-110-16,2 3 13 0,1 0 4 0,0 2 8 0,0 0 20 16,2 0-11-16,-1 1-11 0,1 2-18 0,4 3-1 15,-1-1-10-15,2 3-11 0,1-2-10 0,3 2-21 16,1 3-5-16,1-2-4 0,2 1-6 0,5-2-9 16,-2 1-2-16,5 1-4 0,-3 1-1 0,-1-2 0 15,2-1 0-15,-6 2-1 0,3-2 1 0,-4 1-1 16,-2-2 0-16,-1-3 4 0,-2 2-1 0,-1-2 0 15,-2-1 1-15,-4-2-1 0,4-2-1 0,-5 1 0 16,-2-4 0-16,-1 2-1 0,3-1 1 16,-1-2-3-16,0 2 0 0,1-4 1 0,-1 2 1 15,1-2-3-15,1 1 0 0,2-1 2 0,-3-2-1 16,1-1 1-16,0 2-1 0,-1-2 2 0,2-1-1 16,0 0 0-16,-2-1-1 0,-1 0 1 0,1 3-1 15,-1-3-1-15,1 4 1 0,-1-1-1 0,0 2 0 16,0 0-1-16,0 0 1 0,0 2-2 0,-1-1 0 15,-1 0 2-15,1 2-2 0,-1 0 0 0,-1 0 0 16,1 0 0-16,0 1 0 0,2 1 0 0,-2-1 1 0,2-2-2 0,0 3 1 16,-3-3 0-16,3 3 1 0,0-1-1 0,-2-4 2 15,1 2 0-15,1-1-2 0,-1 0 2 0,1 0-2 16,2-1 1-16,-2-1-1 0,7 1 0 16,-2-2 0-16,-3 1 0 0,1-2 0 0,-2 0 1 15,1 2 0-15,-2 1-1 0,0-1 0 0,4 3 0 16,-4 2 0-16,3-1 0 0,-2 1 0 0,2 4-1 15,-3 0 0-15,2 1 0 0,-3 1 1 16,1 2 0-16,0 1 0 0,0-1 0 0,-1 2 0 0,-3 4 2 16,1 0 0-16,2-3 3 0,-3 6 3 0,-6 4 4 15,0 0 4-15,-2-1 1 0,-1 3 5 0,-3 0 2 0,-5 8 5 16,-11 0-1-16,4 2-1 0,-5-3-4 0,-5 7-3 16,0 1-1-16,-8 2-5 0,0 0-1 0,0-1-13 15,-1 0-11-15,1 1-17 0,6-4-24 0,4-11-150 16,-4 4 278-16,17-18-104 0,-3 0-27 0,6-14 9 15</inkml:trace>
+</inkml:ink>
+</file>
+
+<file path=ppt/ink/ink2.xml><?xml version="1.0" encoding="utf-8"?>
+<inkml:ink xmlns:inkml="http://www.w3.org/2003/InkML">
+  <inkml:definitions>
+    <inkml:context xml:id="ctx0">
+      <inkml:inkSource xml:id="inkSrc0">
+        <inkml:traceFormat>
+          <inkml:channel name="X" type="integer" max="25920" units="cm"/>
+          <inkml:channel name="Y" type="integer" max="17280" units="cm"/>
+          <inkml:channel name="F" type="integer" max="4095" units="dev"/>
+          <inkml:channel name="T" type="integer" max="2.14748E9" units="dev"/>
+        </inkml:traceFormat>
+        <inkml:channelProperties>
+          <inkml:channelProperty channel="X" name="resolution" value="1000" units="1/cm"/>
+          <inkml:channelProperty channel="Y" name="resolution" value="1000" units="1/cm"/>
+          <inkml:channelProperty channel="F" name="resolution" value="0" units="1/dev"/>
+          <inkml:channelProperty channel="T" name="resolution" value="1" units="1/dev"/>
+        </inkml:channelProperties>
+      </inkml:inkSource>
+      <inkml:timestamp xml:id="ts0" timeString="2024-10-18T15:59:39.441"/>
+    </inkml:context>
+    <inkml:brush xml:id="br0">
+      <inkml:brushProperty name="width" value="0.05292" units="cm"/>
+      <inkml:brushProperty name="height" value="0.05292" units="cm"/>
+      <inkml:brushProperty name="color" value="#FF0000"/>
+    </inkml:brush>
+  </inkml:definitions>
+  <inkml:trace contextRef="#ctx0" brushRef="#br0">3185 16597 2538 0,'12'2'5'0,"-4"1"-4"15,12-1 2-15,2 1-1 16,2-3 7-16,2-3 3 15,9-1 10-15,1-2 11 16,7 1 12-16,-2 2 2 16,-3 3-17-16,2 2-6 15,-4 6-20-15,1 2-8 0,3 1 7 16,0 0-5-16,-3 0 6 16,1-3 6-16,-3-5 0 15,0-2 2-15,2-9 5 16,-1 0 11-16,-2-7 7 15,3 0 2-15,-5 0-4 16,-4 1-14-16,-2 3-9 16,-4 2-3-16,-4 4-6 15,1-2 1-15,0 3 2 16,-1-4-4-16,1-1 3 16,3-1 3-16,8-4 4 15,4 1 7-15,8-3-3 16,0 1-6-16,1 1-5 15,1 0-2-15,0 3-1 16,3 2 1-16,0 5-1 16,-3 2-5-16,1 3-1 0,-1 1 4 15,6 5-1-15,2-1 1 16,-1 0 6-16,-1-1-4 16,-2-5 3-16,-2 0 2 15,0-6-2-15,2 0 1 16,-2-4-1-16,4 2 2 15,1 0-5-15,1 0 3 0,-10-1 0 16,0-1-4 0,-6 0 6-16,-5 1-5 0,4-1 0 15,-5 3 4-15,-4-3-3 16,0 1 3-16,-1 3-4 16,2-3 0-16,3 4-1 15,0 0 1-15,4 0 1 16,0 4 1-16,0 1 6 15,2 5-1-15,6 1-2 16,4 2 0-16,6 0-1 16,3-3 0-16,3 1 9 15,1-3 6-15,4-2 11 16,-2-1 7-16,-5-4 9 16,-3-4-8-16,-8-2 0 15,-3 3-4-15,-13 0-12 0,-7 0-5 16,-16 4-48-1,-5 1-47-15,-22 7-334 0,-8 6 252 16</inkml:trace>
+  <inkml:trace contextRef="#ctx0" brushRef="#br0" timeOffset="656.03">3474 15563 710 0,'3'-11'336'0,"-3"0"-194"0,2 2-89 0,-1 1 31 0,-1 4-22 16,0-1-6-16,0-1-8 0,0 4-14 16,0 1-1-16,4-2-2 0,-6 2 1 0,-2 1 0 0,3 1-1 15,0 2-6-15,-3 4 2 0,1-1 0 0,-3 4 0 16,-3 3-1-16,3 3-3 0,4 1-1 0,-5 4-3 16,-1 3-1-16,2 3-5 0,-3-2-1 0,2 8-3 15,1-2 0-15,-1 2-5 0,-1-2 2 0,5-1-2 16,-1-3 1-16,2 1 2 0,0-7 1 15,1-6 0-15,1 1-1 0,0-5 4 0,0-7-3 0,4-4-1 16,-2 2-5-16,-1-3-7 0,4-4-11 0,3-2-15 16,1-4-49-16,1-7-35 0,1 3-47 0,-3-4-83 0,-1-7 166 15,8 0-120-15,-8-7-40 0</inkml:trace>
+  <inkml:trace contextRef="#ctx0" brushRef="#br0" timeOffset="919.26">3134 15588 1282 0,'-15'5'609'0,"2"-2"-423"15,6-3-110-15,2-2-66 0,5 2-3 0,7-1-7 16,13 1-9-16,-6 0 0 0,10-1-6 0,13-4-19 16,-2 3-8-16,11-5-4 0,5 3-4 0,3-4-8 15,-2 0 1-15,5 0 3 0,-5 1 6 0,-6 3 23 16,6-3 1-16,-19 2 16 0,3-2 8 0,-5 4 14 15,-1 1 4-15,-9 2-1 0,1-3 3 0,-2 3-2 16,-4 1 8-16,-1 4-13 0,0-3-2 0,-3 1-12 0,-1 3-23 16,-4-2-124-16,0 2 125 0,-1 0-73 0,-4 0-49 15</inkml:trace>
+  <inkml:trace contextRef="#ctx0" brushRef="#br0" timeOffset="1090.36">3008 15960 1842 0,'7'2'656'0,"-1"-6"-513"0,8-5-128 0,12-4 3 16,2 2-25-16,-1 0-17 0,16-2-17 0,5 4-18 0,11-4-88 16,14 2-49-16,-3-1-101 0,-10 3 208 0,3-4-205 15,0 2-92-15</inkml:trace>
+  <inkml:trace contextRef="#ctx0" brushRef="#br0" timeOffset="1524.51">3915 15907 518 0,'-10'-3'265'0,"-4"-6"-108"16,-1 3-81-16,0 0 67 0,2-1-41 0,1 3-19 15,-1-2-4-15,3 2-4 0,0-2-6 0,4 5-13 16,-1-1-4-16,6 1-22 0,0 1 9 0,-1 1-13 16,1 0-5-16,2 7-5 0,3-2-1 0,0 4-4 15,-1 2-1-15,3 4-1 0,-4-2 1 0,3 3-3 16,-2-2 2-16,0 1-4 0,1-1 0 0,-3-1-2 0,1-2 1 16,-1 1 2-16,1-1-1 0,0-2 0 0,-1-4 3 15,1 1 2-15,0 0 14 0,-1-6 4 0,0 1 2 16,-1-3-1-16,4-5 2 0,0 2-1 0,0-5-2 15,0-1-1-15,3-4-15 0,2-1-5 0,1 0-5 16,1-4-2-16,1-2-12 0,0 1-1 0,-2-4-4 16,5-1-2-16,5 1 1 0,-9-3 0 0,8 2 1 15,-2 3 2-15,-2 2 8 0,5 1 4 0,-2 4 2 16,-3 3 1-16,-3 4 3 0,-1 6 3 0,0 3 0 16,-1 2 3-16,-2 0 2 0,-4 11-2 0,2 5 2 15,-2 0 2-15,-1 1-5 0,-2 5 0 0,1 2 1 0,-2 4-2 16,-3 2-2-16,1 1 1 0,-2-6-2 0,0 3-3 15,-1 0-5-15,-1-2-9 0,1-6-11 0,-1-4-52 16,2 1-38-16,1-8-64 0,2-3 126 0,2-9-121 16,-1 0-58-16</inkml:trace>
+  <inkml:trace contextRef="#ctx0" brushRef="#br0" timeOffset="2173.21">4533 15491 982 0,'1'-3'551'0,"2"0"-326"15,0-2-172-15,4 4 142 0,-1-1-213 0,-1 2-38 0,3 6-22 0,0 1-54 16,-1 2-19-16,-1-1-4 0,-2 3 4 0,-4 2 9 15,0 5 39-15,-9 4 30 0,3-1 42 16,-6 1 73-16,-4 4 56 0,1 3 22 0,-4 2 9 16,0 3 4-16,2 1-18 0,-1-1-14 0,3 4-18 0,0-3-16 15,3-2-34-15,0 2-9 0,4-6-6 16,4-5-7-16,3-6-8 0,-4 3-3 0,6-10-2 16,-2 2-1-16,5-8-1 0,-1 0-1 0,1-8-4 15,1 0 1-15,-3-4 2 0,2-5 2 0,-1-1 0 16,1-3 2-16,-2 3-1 0,-2-4 0 0,0-4-5 15,1 0-3-15,-1 2-1 0,0-3-1 0,0-2-2 0,0-3-1 16,0-2 3-16,-1-2 2 0,1 10 6 0,-3-2 7 16,1 1 4-16,-2 6 6 0,0 1 4 0,1 10 5 15,-3-2-2-15,1 7 1 0,-1 0 0 0,1 7-3 16,-1-2-1-16,4 13-6 0,-4-4 0 0,2 5-4 16,0-1 3-16,6 8-3 0,-1-1 0 0,2-1 3 15,2 0 0-15,0-4 1 0,5 1 0 0,5-4 3 16,0-3-1-16,2-3-1 0,2-4 3 0,0 1-4 15,6-8 0-15,3-2-2 0,-1 0-1 0,0-5-7 16,1-3-1-16,0-1-3 0,6-2-12 0,-1-4-5 16,1 2-5-16,-7-3-3 0,2-2-9 0,-1 3 0 15,-1-5-3-15,-3 1 1 0,-6-2 4 0,-2 3 2 16,-2 0 4-16,-8 1 4 0,-6 3 14 16,1-2 5-16,-8 7 5 0,-5 0 6 0,-6 5 22 15,0-2 10-15,-8 8 6 0,2 2 5 0,0 5 5 16,-6 5 0-16,-1 4 1 0,5-1-4 0,1 10-9 15,0 2-4-15,8 4-5 0,-3 0-4 0,4-3-9 0,11 2-3 0,2 0-2 16,0 2-4-16,5-9-12 0,5-2-10 0,8-2-16 16,7-4-50-16,15-7-35 0,-6 2-48 0,10-9-95 15,13-2 177-15,-3-3-127 0,9-7-46 16</inkml:trace>
+  <inkml:trace contextRef="#ctx0" brushRef="#br0" timeOffset="3188.96">5197 15709 1524 0,'-18'5'716'0,"0"6"-463"0,6-1-194 0,-3-3 62 16,-3-2-90-16,7 8-37 0,3 1-26 0,8 3-41 16,1 4-12-16,5-2-12 0,1-3-12 0,6 0-17 15,1 2-1-15,6-9 9 0,-1 1 13 0,1-6 40 16,0 0 18-16,3-6 16 0,-2 2 18 0,1-5 29 15,-2-2 9-15,0-4 2 0,-1 1 3 0,-4-1 1 16,2-4-2-16,-4 0-2 0,3 0-1 0,-3 1-7 16,-6 0-5-16,1 0 1 0,0-3-3 0,-3 4-3 15,-1 1-2-15,-2 1-1 0,-2-2-3 0,0 0-1 16,0 1 1-16,-1 2-1 0,-2 4 10 0,-2-2 3 16,0 5 0-16,0 2 5 0,-3 3 9 15,-3 2 0-15,0 7 2 0,-2 4 1 0,2 4-9 0,-1-2-3 16,2 13-3-16,-3-5-3 0,1 5-8 15,4-1 0-15,-3 2-3 0,1 0-1 0,2-3-1 16,0-1-1-16,1-1 0 0,1-2-4 0,1 0 0 16,5-2-4-16,0-2 0 0,0 0 0 0,0-1 2 0,-1-8 0 0,1 2 2 15,0 4 3-15,0-10 1 0,0 0 4 0,-1 1 0 16,-3-4 4-16,0 0-2 0,0 1 2 0,-2-3-1 16,-5-2 1-16,2 1-1 0,-4-1-1 0,-1 0-1 15,0-2-3-15,-1-2 0 0,-2 0-2 0,3 1-1 16,-2-4-1-16,0 1 1 0,0-3-3 15,1-1 1-15,2-1 0 0,0 0-2 0,5 0 1 16,-2-3 0-16,6 3 1 0,2-2-1 0,3 1-3 16,0 1 2-16,2 5 0 0,5-1-1 0,2-1 0 15,1 3 0-15,0 0-1 0,4 3 0 0,0 2 3 0,8-1-1 16,8 1 1-16,-5 0 1 0,5 1 2 0,3-1 0 16,0-2 0-16,5-2 0 0,1-2 0 0,-4-2 4 15,1 2-2-15,-1-5 2 0,-1 1 2 0,2-5 0 16,0 4 3-16,-3-2 1 0,2 2-2 0,-5-4 1 15,2 0 1-15,-10-1-2 0,4-3 0 0,-5 5-3 16,0-4-1-16,-10-1-2 0,-1 1 0 0,-1 3-9 16,-3 0-2-16,-7 2-2 0,0 1-1 0,-4 2 3 15,-3 5-2-15,-7 3 5 0,2-1 5 0,-6 2 8 16,0 4 6-16,-2 4 3 0,-4 1 6 0,-6 10-2 16,1-5 5-16,4 4-4 0,-4 4 2 0,4 2-2 15,2 3-2-15,3 0-2 0,6-2-4 0,-2-1 3 16,7 0-3-16,6 0 1 0,3-5-3 0,2-3-1 15,6 0 2-15,5-3-1 0,6-4-3 0,-1 0-5 16,14-3-6-16,-1-3-5 0,4-2-12 0,1 0-4 16,6-7-6-16,1 1-2 0,0-1-6 0,0-5 2 15,-3 1 3-15,-2 0 2 0,-2 1 11 0,-8 0 2 0,5-2 3 16,0 2 3-16,-7 0 8 0,-3 1 2 0,-1 1 2 16,-3-6 1-16,-3 1-1 0,3 0 3 0,-10 4 0 15,1-1 3-15,2 0-3 0,-4 3-1 0,-5-1-1 16,-1 7-1-16,-2 1 1 0,-2 3-1 0,-7 3 0 15,-5 5-4-15,-1-2 4 0,-8 12 1 0,2-2 0 16,-3 5 0-16,-2-3 1 0,-1 9-1 0,2 1 1 16,-3 1 0-16,3 1 0 0,2-3 1 0,1 2 2 15,1-4 10-15,4-1 4 0,6-9 6 16,-1-1 5-16,3-5 5 0,7-8 1 0,1-3 5 16,-1-1 0-16,4-7-11 0,2-2-4 0,4-4-7 0,4-7-8 15,9-10-6-15,-4 4-2 0,4 1-6 0,5-10-8 16,0 0-3-16,3 0-5 0,3 1-7 0,-2-3-4 15,2 1 1-15,0-2-3 0,2 2 3 0,-1 5 7 16,1-2 5-16,-3 10 6 0,-2-1 9 0,-1 8 7 16,0 0 2-16,-10 15 1 0,1-3 0 0,-3 5-1 15,-3 6-3-15,-2 4-2 0,0 1-1 0,-4 4-33 16,-1 2-27-16,-5 3-32 0,3 1-46 0,-4-2-109 16,-4 6 177-16,-2-7-160 0,-1-1-111 0</inkml:trace>
+  <inkml:trace contextRef="#ctx0" brushRef="#br0" timeOffset="3626.87">5530 15677 1123 0,'1'-2'452'0,"2"1"-314"0,-2-2-109 15,0 0 19-15,-1 1-28 0,0-2-20 0,0 2-16 16,0 1-2-16,-3 0 0 0,-2 1 3 0,-1-1 9 16,0-1 8-16,-7-3 7 0,1 4 10 0,-3-2 33 15,-3-3 6-15,2 1 3 0,0-1 4 0,-3 0-6 16,2-1-7-16,4 4-7 0,-2-4-6 0,5 3-21 0,1-1-15 15,-3 0-51-15,1-1-45 0,4 3-79 0,1-2 129 16,-1 2-93-16,-4 1-81 0</inkml:trace>
+</inkml:ink>
 </file>
 
 <file path=ppt/notesMasters/notesMaster1.xml><?xml version="1.0" encoding="utf-8"?>
@@ -8424,7 +8646,7 @@
             <a:fld id="{842CDC8A-7565-474E-A73E-9E07F1581644}" type="slidenum">
               <a:rPr lang="en-US" altLang="en-US" smtClean="0"/>
               <a:pPr/>
-              <a:t>13</a:t>
+              <a:t>14</a:t>
             </a:fld>
             <a:endParaRPr lang="en-US" altLang="en-US"/>
           </a:p>
@@ -8512,7 +8734,7 @@
             <a:fld id="{842CDC8A-7565-474E-A73E-9E07F1581644}" type="slidenum">
               <a:rPr lang="en-US" altLang="en-US" smtClean="0"/>
               <a:pPr/>
-              <a:t>14</a:t>
+              <a:t>15</a:t>
             </a:fld>
             <a:endParaRPr lang="en-US" altLang="en-US"/>
           </a:p>
@@ -15578,6 +15800,199 @@
           <p:cNvPr id="2" name="Title 1">
             <a:extLst>
               <a:ext uri="{FF2B5EF4-FFF2-40B4-BE49-F238E27FC236}">
+                <a16:creationId xmlns:a16="http://schemas.microsoft.com/office/drawing/2014/main" id="{1F07302B-C379-7C15-6E69-EE7ADAA56DE4}"/>
+              </a:ext>
+            </a:extLst>
+          </p:cNvPr>
+          <p:cNvSpPr>
+            <a:spLocks noGrp="1"/>
+          </p:cNvSpPr>
+          <p:nvPr>
+            <p:ph type="title"/>
+          </p:nvPr>
+        </p:nvSpPr>
+        <p:spPr/>
+        <p:txBody>
+          <a:bodyPr/>
+          <a:lstStyle/>
+          <a:p>
+            <a:endParaRPr lang="en-US"/>
+          </a:p>
+        </p:txBody>
+      </p:sp>
+      <p:sp>
+        <p:nvSpPr>
+          <p:cNvPr id="3" name="Content Placeholder 2">
+            <a:extLst>
+              <a:ext uri="{FF2B5EF4-FFF2-40B4-BE49-F238E27FC236}">
+                <a16:creationId xmlns:a16="http://schemas.microsoft.com/office/drawing/2014/main" id="{110C64EE-66D7-E6AE-7202-77F0C6BEF577}"/>
+              </a:ext>
+            </a:extLst>
+          </p:cNvPr>
+          <p:cNvSpPr>
+            <a:spLocks noGrp="1"/>
+          </p:cNvSpPr>
+          <p:nvPr>
+            <p:ph idx="1"/>
+          </p:nvPr>
+        </p:nvSpPr>
+        <p:spPr/>
+        <p:txBody>
+          <a:bodyPr/>
+          <a:lstStyle/>
+          <a:p>
+            <a:endParaRPr lang="en-US"/>
+          </a:p>
+        </p:txBody>
+      </p:sp>
+      <p:sp>
+        <p:nvSpPr>
+          <p:cNvPr id="4" name="Footer Placeholder 3">
+            <a:extLst>
+              <a:ext uri="{FF2B5EF4-FFF2-40B4-BE49-F238E27FC236}">
+                <a16:creationId xmlns:a16="http://schemas.microsoft.com/office/drawing/2014/main" id="{C312CFA6-3CFE-1218-BC20-CF624987E2FA}"/>
+              </a:ext>
+            </a:extLst>
+          </p:cNvPr>
+          <p:cNvSpPr>
+            <a:spLocks noGrp="1"/>
+          </p:cNvSpPr>
+          <p:nvPr>
+            <p:ph type="ftr" sz="quarter" idx="10"/>
+          </p:nvPr>
+        </p:nvSpPr>
+        <p:spPr/>
+        <p:txBody>
+          <a:bodyPr/>
+          <a:lstStyle/>
+          <a:p>
+            <a:pPr>
+              <a:defRPr/>
+            </a:pPr>
+            <a:r>
+              <a:rPr lang="fr-FR" altLang="en-US"/>
+              <a:t>CS 1181 – Computer Science II    Dr. Michael Raymer</a:t>
+            </a:r>
+            <a:endParaRPr lang="en-US" altLang="en-US" dirty="0"/>
+          </a:p>
+        </p:txBody>
+      </p:sp>
+      <p:sp>
+        <p:nvSpPr>
+          <p:cNvPr id="5" name="Slide Number Placeholder 4">
+            <a:extLst>
+              <a:ext uri="{FF2B5EF4-FFF2-40B4-BE49-F238E27FC236}">
+                <a16:creationId xmlns:a16="http://schemas.microsoft.com/office/drawing/2014/main" id="{C9A249DE-F39F-2F8A-B0E2-0D0D28B6C6EF}"/>
+              </a:ext>
+            </a:extLst>
+          </p:cNvPr>
+          <p:cNvSpPr>
+            <a:spLocks noGrp="1"/>
+          </p:cNvSpPr>
+          <p:nvPr>
+            <p:ph type="sldNum" sz="quarter" idx="11"/>
+          </p:nvPr>
+        </p:nvSpPr>
+        <p:spPr/>
+        <p:txBody>
+          <a:bodyPr/>
+          <a:lstStyle/>
+          <a:p>
+            <a:fld id="{19B0E89C-C97D-402E-B9E0-A1BE29AA681C}" type="slidenum">
+              <a:rPr lang="en-US" altLang="en-US" smtClean="0"/>
+              <a:pPr/>
+              <a:t>13</a:t>
+            </a:fld>
+            <a:endParaRPr lang="en-US" altLang="en-US"/>
+          </a:p>
+        </p:txBody>
+      </p:sp>
+      <mc:AlternateContent xmlns:mc="http://schemas.openxmlformats.org/markup-compatibility/2006">
+        <mc:Choice xmlns:p14="http://schemas.microsoft.com/office/powerpoint/2010/main" Requires="p14">
+          <p:contentPart p14:bwMode="auto" r:id="rId2">
+            <p14:nvContentPartPr>
+              <p14:cNvPr id="6" name="Ink 5">
+                <a:extLst>
+                  <a:ext uri="{FF2B5EF4-FFF2-40B4-BE49-F238E27FC236}">
+                    <a16:creationId xmlns:a16="http://schemas.microsoft.com/office/drawing/2014/main" id="{C9F40621-C77B-EBB5-9936-A28A6C187F7D}"/>
+                  </a:ext>
+                </a:extLst>
+              </p14:cNvPr>
+              <p14:cNvContentPartPr/>
+              <p14:nvPr/>
+            </p14:nvContentPartPr>
+            <p14:xfrm>
+              <a:off x="496800" y="1384560"/>
+              <a:ext cx="8579880" cy="3394440"/>
+            </p14:xfrm>
+          </p:contentPart>
+        </mc:Choice>
+        <mc:Fallback>
+          <p:pic>
+            <p:nvPicPr>
+              <p:cNvPr id="6" name="Ink 5">
+                <a:extLst>
+                  <a:ext uri="{FF2B5EF4-FFF2-40B4-BE49-F238E27FC236}">
+                    <a16:creationId xmlns:a16="http://schemas.microsoft.com/office/drawing/2014/main" id="{C9F40621-C77B-EBB5-9936-A28A6C187F7D}"/>
+                  </a:ext>
+                </a:extLst>
+              </p:cNvPr>
+              <p:cNvPicPr/>
+              <p:nvPr/>
+            </p:nvPicPr>
+            <p:blipFill>
+              <a:blip r:embed="rId3"/>
+              <a:stretch>
+                <a:fillRect/>
+              </a:stretch>
+            </p:blipFill>
+            <p:spPr>
+              <a:xfrm>
+                <a:off x="487440" y="1375200"/>
+                <a:ext cx="8598600" cy="3413160"/>
+              </a:xfrm>
+              <a:prstGeom prst="rect">
+                <a:avLst/>
+              </a:prstGeom>
+            </p:spPr>
+          </p:pic>
+        </mc:Fallback>
+      </mc:AlternateContent>
+    </p:spTree>
+    <p:extLst>
+      <p:ext uri="{BB962C8B-B14F-4D97-AF65-F5344CB8AC3E}">
+        <p14:creationId xmlns:p14="http://schemas.microsoft.com/office/powerpoint/2010/main" val="2675263640"/>
+      </p:ext>
+    </p:extLst>
+  </p:cSld>
+  <p:clrMapOvr>
+    <a:masterClrMapping/>
+  </p:clrMapOvr>
+</p:sld>
+</file>
+
+<file path=ppt/slides/slide14.xml><?xml version="1.0" encoding="utf-8"?>
+<p:sld xmlns:a="http://schemas.openxmlformats.org/drawingml/2006/main" xmlns:r="http://schemas.openxmlformats.org/officeDocument/2006/relationships" xmlns:p="http://schemas.openxmlformats.org/presentationml/2006/main">
+  <p:cSld>
+    <p:spTree>
+      <p:nvGrpSpPr>
+        <p:cNvPr id="1" name=""/>
+        <p:cNvGrpSpPr/>
+        <p:nvPr/>
+      </p:nvGrpSpPr>
+      <p:grpSpPr>
+        <a:xfrm>
+          <a:off x="0" y="0"/>
+          <a:ext cx="0" cy="0"/>
+          <a:chOff x="0" y="0"/>
+          <a:chExt cx="0" cy="0"/>
+        </a:xfrm>
+      </p:grpSpPr>
+      <p:sp>
+        <p:nvSpPr>
+          <p:cNvPr id="2" name="Title 1">
+            <a:extLst>
+              <a:ext uri="{FF2B5EF4-FFF2-40B4-BE49-F238E27FC236}">
                 <a16:creationId xmlns:a16="http://schemas.microsoft.com/office/drawing/2014/main" id="{447C9CF8-9AF0-82B3-29C1-C5DF0D424A94}"/>
               </a:ext>
             </a:extLst>
@@ -15690,7 +16105,7 @@
             <a:fld id="{19B0E89C-C97D-402E-B9E0-A1BE29AA681C}" type="slidenum">
               <a:rPr lang="en-US" altLang="en-US" smtClean="0"/>
               <a:pPr/>
-              <a:t>13</a:t>
+              <a:t>14</a:t>
             </a:fld>
             <a:endParaRPr lang="en-US" altLang="en-US"/>
           </a:p>
@@ -16241,7 +16656,7 @@
 </p:sld>
 </file>
 
-<file path=ppt/slides/slide14.xml><?xml version="1.0" encoding="utf-8"?>
+<file path=ppt/slides/slide15.xml><?xml version="1.0" encoding="utf-8"?>
 <p:sld xmlns:a="http://schemas.openxmlformats.org/drawingml/2006/main" xmlns:r="http://schemas.openxmlformats.org/officeDocument/2006/relationships" xmlns:p="http://schemas.openxmlformats.org/presentationml/2006/main">
   <p:cSld>
     <p:spTree>
@@ -16375,7 +16790,7 @@
             <a:fld id="{19B0E89C-C97D-402E-B9E0-A1BE29AA681C}" type="slidenum">
               <a:rPr lang="en-US" altLang="en-US" smtClean="0"/>
               <a:pPr/>
-              <a:t>14</a:t>
+              <a:t>15</a:t>
             </a:fld>
             <a:endParaRPr lang="en-US" altLang="en-US"/>
           </a:p>
@@ -16928,7 +17343,7 @@
 </p:sld>
 </file>
 
-<file path=ppt/slides/slide15.xml><?xml version="1.0" encoding="utf-8"?>
+<file path=ppt/slides/slide16.xml><?xml version="1.0" encoding="utf-8"?>
 <p:sld xmlns:a="http://schemas.openxmlformats.org/drawingml/2006/main" xmlns:r="http://schemas.openxmlformats.org/officeDocument/2006/relationships" xmlns:p="http://schemas.openxmlformats.org/presentationml/2006/main">
   <p:cSld>
     <p:spTree>
@@ -17029,7 +17444,7 @@
             <a:fld id="{F2AD7893-EC1B-4A1B-9D9F-5EB845AA64D7}" type="slidenum">
               <a:rPr lang="en-US" altLang="en-US" smtClean="0"/>
               <a:pPr/>
-              <a:t>15</a:t>
+              <a:t>16</a:t>
             </a:fld>
             <a:endParaRPr lang="en-US" altLang="en-US"/>
           </a:p>
@@ -18559,7 +18974,7 @@
 </p:sld>
 </file>
 
-<file path=ppt/slides/slide16.xml><?xml version="1.0" encoding="utf-8"?>
+<file path=ppt/slides/slide17.xml><?xml version="1.0" encoding="utf-8"?>
 <p:sld xmlns:a="http://schemas.openxmlformats.org/drawingml/2006/main" xmlns:r="http://schemas.openxmlformats.org/officeDocument/2006/relationships" xmlns:p="http://schemas.openxmlformats.org/presentationml/2006/main">
   <p:cSld>
     <p:spTree>
@@ -18754,7 +19169,7 @@
             <a:fld id="{F2AD7893-EC1B-4A1B-9D9F-5EB845AA64D7}" type="slidenum">
               <a:rPr lang="en-US" altLang="en-US" smtClean="0"/>
               <a:pPr/>
-              <a:t>16</a:t>
+              <a:t>17</a:t>
             </a:fld>
             <a:endParaRPr lang="en-US" altLang="en-US"/>
           </a:p>
@@ -19677,7 +20092,342 @@
 </p:sld>
 </file>
 
-<file path=ppt/slides/slide17.xml><?xml version="1.0" encoding="utf-8"?>
+<file path=ppt/slides/slide18.xml><?xml version="1.0" encoding="utf-8"?>
+<p:sld xmlns:a="http://schemas.openxmlformats.org/drawingml/2006/main" xmlns:r="http://schemas.openxmlformats.org/officeDocument/2006/relationships" xmlns:p="http://schemas.openxmlformats.org/presentationml/2006/main">
+  <p:cSld>
+    <p:spTree>
+      <p:nvGrpSpPr>
+        <p:cNvPr id="1" name=""/>
+        <p:cNvGrpSpPr/>
+        <p:nvPr/>
+      </p:nvGrpSpPr>
+      <p:grpSpPr>
+        <a:xfrm>
+          <a:off x="0" y="0"/>
+          <a:ext cx="0" cy="0"/>
+          <a:chOff x="0" y="0"/>
+          <a:chExt cx="0" cy="0"/>
+        </a:xfrm>
+      </p:grpSpPr>
+      <p:sp>
+        <p:nvSpPr>
+          <p:cNvPr id="2" name="Title 1">
+            <a:extLst>
+              <a:ext uri="{FF2B5EF4-FFF2-40B4-BE49-F238E27FC236}">
+                <a16:creationId xmlns:a16="http://schemas.microsoft.com/office/drawing/2014/main" id="{26DD1AD3-5665-8D19-19B0-0ED467B63D5C}"/>
+              </a:ext>
+            </a:extLst>
+          </p:cNvPr>
+          <p:cNvSpPr>
+            <a:spLocks noGrp="1"/>
+          </p:cNvSpPr>
+          <p:nvPr>
+            <p:ph type="title"/>
+          </p:nvPr>
+        </p:nvSpPr>
+        <p:spPr/>
+        <p:txBody>
+          <a:bodyPr/>
+          <a:lstStyle/>
+          <a:p>
+            <a:r>
+              <a:rPr lang="en-US" dirty="0"/>
+              <a:t>Check your Understanding</a:t>
+            </a:r>
+          </a:p>
+        </p:txBody>
+      </p:sp>
+      <p:sp>
+        <p:nvSpPr>
+          <p:cNvPr id="4" name="Footer Placeholder 3">
+            <a:extLst>
+              <a:ext uri="{FF2B5EF4-FFF2-40B4-BE49-F238E27FC236}">
+                <a16:creationId xmlns:a16="http://schemas.microsoft.com/office/drawing/2014/main" id="{702580EC-3F0E-77D2-240F-4802710D8562}"/>
+              </a:ext>
+            </a:extLst>
+          </p:cNvPr>
+          <p:cNvSpPr>
+            <a:spLocks noGrp="1"/>
+          </p:cNvSpPr>
+          <p:nvPr>
+            <p:ph type="ftr" sz="quarter" idx="10"/>
+          </p:nvPr>
+        </p:nvSpPr>
+        <p:spPr/>
+        <p:txBody>
+          <a:bodyPr/>
+          <a:lstStyle/>
+          <a:p>
+            <a:pPr>
+              <a:defRPr/>
+            </a:pPr>
+            <a:r>
+              <a:rPr lang="fr-FR" altLang="en-US"/>
+              <a:t>CS 1181 – Computer Science II    Dr. Michael Raymer</a:t>
+            </a:r>
+            <a:endParaRPr lang="en-US" altLang="en-US" dirty="0"/>
+          </a:p>
+        </p:txBody>
+      </p:sp>
+      <p:sp>
+        <p:nvSpPr>
+          <p:cNvPr id="5" name="Slide Number Placeholder 4">
+            <a:extLst>
+              <a:ext uri="{FF2B5EF4-FFF2-40B4-BE49-F238E27FC236}">
+                <a16:creationId xmlns:a16="http://schemas.microsoft.com/office/drawing/2014/main" id="{FB14DA59-94D6-AF01-F703-ED54043933AD}"/>
+              </a:ext>
+            </a:extLst>
+          </p:cNvPr>
+          <p:cNvSpPr>
+            <a:spLocks noGrp="1"/>
+          </p:cNvSpPr>
+          <p:nvPr>
+            <p:ph type="sldNum" sz="quarter" idx="11"/>
+          </p:nvPr>
+        </p:nvSpPr>
+        <p:spPr/>
+        <p:txBody>
+          <a:bodyPr/>
+          <a:lstStyle/>
+          <a:p>
+            <a:fld id="{19B0E89C-C97D-402E-B9E0-A1BE29AA681C}" type="slidenum">
+              <a:rPr lang="en-US" altLang="en-US" smtClean="0"/>
+              <a:pPr/>
+              <a:t>18</a:t>
+            </a:fld>
+            <a:endParaRPr lang="en-US" altLang="en-US"/>
+          </a:p>
+        </p:txBody>
+      </p:sp>
+      <p:sp>
+        <p:nvSpPr>
+          <p:cNvPr id="8" name="Content Placeholder 7">
+            <a:extLst>
+              <a:ext uri="{FF2B5EF4-FFF2-40B4-BE49-F238E27FC236}">
+                <a16:creationId xmlns:a16="http://schemas.microsoft.com/office/drawing/2014/main" id="{2CF8472D-D275-AEE2-28FC-FD19F7F0463C}"/>
+              </a:ext>
+            </a:extLst>
+          </p:cNvPr>
+          <p:cNvSpPr>
+            <a:spLocks noGrp="1"/>
+          </p:cNvSpPr>
+          <p:nvPr>
+            <p:ph idx="1"/>
+          </p:nvPr>
+        </p:nvSpPr>
+        <p:spPr/>
+        <p:txBody>
+          <a:bodyPr/>
+          <a:lstStyle/>
+          <a:p>
+            <a:r>
+              <a:rPr lang="en-US" dirty="0"/>
+              <a:t>Is this a bounded or an unbounded type parameter?</a:t>
+            </a:r>
+            <a:br>
+              <a:rPr lang="en-US" dirty="0"/>
+            </a:br>
+            <a:r>
+              <a:rPr lang="en-US" dirty="0"/>
+              <a:t>	</a:t>
+            </a:r>
+            <a:r>
+              <a:rPr lang="en-US" sz="2400" b="0" i="0" dirty="0">
+                <a:solidFill>
+                  <a:srgbClr val="202122"/>
+                </a:solidFill>
+                <a:effectLst/>
+                <a:latin typeface="Courier New" panose="02070309020205020404" pitchFamily="49" charset="0"/>
+              </a:rPr>
+              <a:t>public class Box&lt;E extends Boxable&gt;</a:t>
+            </a:r>
+            <a:endParaRPr lang="en-US" sz="2400" dirty="0">
+              <a:solidFill>
+                <a:srgbClr val="202122"/>
+              </a:solidFill>
+              <a:latin typeface="Courier New" panose="02070309020205020404" pitchFamily="49" charset="0"/>
+            </a:endParaRPr>
+          </a:p>
+          <a:p>
+            <a:r>
+              <a:rPr lang="en-US" dirty="0"/>
+              <a:t>Can Boxable be an interface?  Can it be an abstract class?</a:t>
+            </a:r>
+          </a:p>
+          <a:p>
+            <a:endParaRPr lang="en-US" dirty="0"/>
+          </a:p>
+          <a:p>
+            <a:r>
+              <a:rPr lang="en-US" dirty="0"/>
+              <a:t>Can I call this method:</a:t>
+            </a:r>
+          </a:p>
+          <a:p>
+            <a:r>
+              <a:rPr lang="en-US" sz="2400" b="0" i="0" dirty="0">
+                <a:solidFill>
+                  <a:srgbClr val="202122"/>
+                </a:solidFill>
+                <a:effectLst/>
+                <a:latin typeface="Courier New" panose="02070309020205020404" pitchFamily="49" charset="0"/>
+              </a:rPr>
+              <a:t>  public static &lt;E&gt; E foo(E x, double y) </a:t>
+            </a:r>
+            <a:r>
+              <a:rPr lang="en-US" dirty="0"/>
+              <a:t>like this?</a:t>
+            </a:r>
+          </a:p>
+          <a:p>
+            <a:r>
+              <a:rPr lang="en-US" sz="2400" b="0" i="0" dirty="0">
+                <a:solidFill>
+                  <a:srgbClr val="202122"/>
+                </a:solidFill>
+                <a:effectLst/>
+                <a:latin typeface="Courier New" panose="02070309020205020404" pitchFamily="49" charset="0"/>
+              </a:rPr>
+              <a:t>  String x = foo("Hello", 3);</a:t>
+            </a:r>
+            <a:endParaRPr lang="en-US" sz="2400" dirty="0"/>
+          </a:p>
+        </p:txBody>
+      </p:sp>
+      <p:pic>
+        <p:nvPicPr>
+          <p:cNvPr id="9" name="Content Placeholder 6" descr="Head with gears outline">
+            <a:extLst>
+              <a:ext uri="{FF2B5EF4-FFF2-40B4-BE49-F238E27FC236}">
+                <a16:creationId xmlns:a16="http://schemas.microsoft.com/office/drawing/2014/main" id="{1258BECE-A628-1263-BD12-F66BC4AFD463}"/>
+              </a:ext>
+            </a:extLst>
+          </p:cNvPr>
+          <p:cNvPicPr>
+            <a:picLocks noChangeAspect="1"/>
+          </p:cNvPicPr>
+          <p:nvPr/>
+        </p:nvPicPr>
+        <p:blipFill>
+          <a:blip r:embed="rId2">
+            <a:extLst>
+              <a:ext uri="{96DAC541-7B7A-43D3-8B79-37D633B846F1}">
+                <asvg:svgBlip xmlns:asvg="http://schemas.microsoft.com/office/drawing/2016/SVG/main" r:embed="rId3"/>
+              </a:ext>
+            </a:extLst>
+          </a:blip>
+          <a:stretch>
+            <a:fillRect/>
+          </a:stretch>
+        </p:blipFill>
+        <p:spPr bwMode="auto">
+          <a:xfrm>
+            <a:off x="7924800" y="76200"/>
+            <a:ext cx="914400" cy="914400"/>
+          </a:xfrm>
+          <a:prstGeom prst="rect">
+            <a:avLst/>
+          </a:prstGeom>
+          <a:noFill/>
+          <a:ln>
+            <a:noFill/>
+          </a:ln>
+          <a:effectLst/>
+          <a:extLst>
+            <a:ext uri="{909E8E84-426E-40DD-AFC4-6F175D3DCCD1}">
+              <a14:hiddenFill xmlns:a14="http://schemas.microsoft.com/office/drawing/2010/main">
+                <a:solidFill>
+                  <a:schemeClr val="accent1"/>
+                </a:solidFill>
+              </a14:hiddenFill>
+            </a:ext>
+            <a:ext uri="{91240B29-F687-4F45-9708-019B960494DF}">
+              <a14:hiddenLine xmlns:a14="http://schemas.microsoft.com/office/drawing/2010/main" w="9525">
+                <a:solidFill>
+                  <a:schemeClr val="tx1"/>
+                </a:solidFill>
+                <a:miter lim="800000"/>
+                <a:headEnd/>
+                <a:tailEnd/>
+              </a14:hiddenLine>
+            </a:ext>
+            <a:ext uri="{AF507438-7753-43E0-B8FC-AC1667EBCBE1}">
+              <a14:hiddenEffects xmlns:a14="http://schemas.microsoft.com/office/drawing/2010/main">
+                <a:effectLst>
+                  <a:outerShdw dist="35921" dir="2700000" algn="ctr" rotWithShape="0">
+                    <a:schemeClr val="bg2"/>
+                  </a:outerShdw>
+                </a:effectLst>
+              </a14:hiddenEffects>
+            </a:ext>
+          </a:extLst>
+        </p:spPr>
+      </p:pic>
+      <mc:AlternateContent xmlns:mc="http://schemas.openxmlformats.org/markup-compatibility/2006">
+        <mc:Choice xmlns:p14="http://schemas.microsoft.com/office/powerpoint/2010/main" Requires="p14">
+          <p:contentPart p14:bwMode="auto" r:id="rId4">
+            <p14:nvContentPartPr>
+              <p14:cNvPr id="3" name="Ink 2">
+                <a:extLst>
+                  <a:ext uri="{FF2B5EF4-FFF2-40B4-BE49-F238E27FC236}">
+                    <a16:creationId xmlns:a16="http://schemas.microsoft.com/office/drawing/2014/main" id="{EC72454D-471D-A274-F7FC-93383817FCBC}"/>
+                  </a:ext>
+                </a:extLst>
+              </p14:cNvPr>
+              <p14:cNvContentPartPr/>
+              <p14:nvPr/>
+            </p14:nvContentPartPr>
+            <p14:xfrm>
+              <a:off x="1082880" y="5571720"/>
+              <a:ext cx="1258920" cy="423000"/>
+            </p14:xfrm>
+          </p:contentPart>
+        </mc:Choice>
+        <mc:Fallback>
+          <p:pic>
+            <p:nvPicPr>
+              <p:cNvPr id="3" name="Ink 2">
+                <a:extLst>
+                  <a:ext uri="{FF2B5EF4-FFF2-40B4-BE49-F238E27FC236}">
+                    <a16:creationId xmlns:a16="http://schemas.microsoft.com/office/drawing/2014/main" id="{EC72454D-471D-A274-F7FC-93383817FCBC}"/>
+                  </a:ext>
+                </a:extLst>
+              </p:cNvPr>
+              <p:cNvPicPr/>
+              <p:nvPr/>
+            </p:nvPicPr>
+            <p:blipFill>
+              <a:blip r:embed="rId5"/>
+              <a:stretch>
+                <a:fillRect/>
+              </a:stretch>
+            </p:blipFill>
+            <p:spPr>
+              <a:xfrm>
+                <a:off x="1073520" y="5562360"/>
+                <a:ext cx="1277640" cy="441720"/>
+              </a:xfrm>
+              <a:prstGeom prst="rect">
+                <a:avLst/>
+              </a:prstGeom>
+            </p:spPr>
+          </p:pic>
+        </mc:Fallback>
+      </mc:AlternateContent>
+    </p:spTree>
+    <p:extLst>
+      <p:ext uri="{BB962C8B-B14F-4D97-AF65-F5344CB8AC3E}">
+        <p14:creationId xmlns:p14="http://schemas.microsoft.com/office/powerpoint/2010/main" val="1890740296"/>
+      </p:ext>
+    </p:extLst>
+  </p:cSld>
+  <p:clrMapOvr>
+    <a:masterClrMapping/>
+  </p:clrMapOvr>
+</p:sld>
+</file>
+
+<file path=ppt/slides/slide19.xml><?xml version="1.0" encoding="utf-8"?>
 <p:sld xmlns:a="http://schemas.openxmlformats.org/drawingml/2006/main" xmlns:r="http://schemas.openxmlformats.org/officeDocument/2006/relationships" xmlns:p="http://schemas.openxmlformats.org/presentationml/2006/main">
   <p:cSld>
     <p:spTree>
@@ -19778,7 +20528,7 @@
             <a:fld id="{F2AD7893-EC1B-4A1B-9D9F-5EB845AA64D7}" type="slidenum">
               <a:rPr lang="en-US" altLang="en-US" smtClean="0"/>
               <a:pPr/>
-              <a:t>17</a:t>
+              <a:t>19</a:t>
             </a:fld>
             <a:endParaRPr lang="en-US" altLang="en-US"/>
           </a:p>
@@ -21539,529 +22289,6 @@
 </p:sld>
 </file>
 
-<file path=ppt/slides/slide18.xml><?xml version="1.0" encoding="utf-8"?>
-<p:sld xmlns:a="http://schemas.openxmlformats.org/drawingml/2006/main" xmlns:r="http://schemas.openxmlformats.org/officeDocument/2006/relationships" xmlns:p="http://schemas.openxmlformats.org/presentationml/2006/main">
-  <p:cSld>
-    <p:spTree>
-      <p:nvGrpSpPr>
-        <p:cNvPr id="1" name=""/>
-        <p:cNvGrpSpPr/>
-        <p:nvPr/>
-      </p:nvGrpSpPr>
-      <p:grpSpPr>
-        <a:xfrm>
-          <a:off x="0" y="0"/>
-          <a:ext cx="0" cy="0"/>
-          <a:chOff x="0" y="0"/>
-          <a:chExt cx="0" cy="0"/>
-        </a:xfrm>
-      </p:grpSpPr>
-      <p:sp>
-        <p:nvSpPr>
-          <p:cNvPr id="2" name="Title 1">
-            <a:extLst>
-              <a:ext uri="{FF2B5EF4-FFF2-40B4-BE49-F238E27FC236}">
-                <a16:creationId xmlns:a16="http://schemas.microsoft.com/office/drawing/2014/main" id="{E209F803-9CCB-D0BE-E502-34F43501F549}"/>
-              </a:ext>
-            </a:extLst>
-          </p:cNvPr>
-          <p:cNvSpPr>
-            <a:spLocks noGrp="1"/>
-          </p:cNvSpPr>
-          <p:nvPr>
-            <p:ph type="title"/>
-          </p:nvPr>
-        </p:nvSpPr>
-        <p:spPr/>
-        <p:txBody>
-          <a:bodyPr/>
-          <a:lstStyle/>
-          <a:p>
-            <a:r>
-              <a:rPr lang="en-US" dirty="0"/>
-              <a:t>Java collections</a:t>
-            </a:r>
-          </a:p>
-        </p:txBody>
-      </p:sp>
-      <p:sp>
-        <p:nvSpPr>
-          <p:cNvPr id="3" name="Footer Placeholder 2">
-            <a:extLst>
-              <a:ext uri="{FF2B5EF4-FFF2-40B4-BE49-F238E27FC236}">
-                <a16:creationId xmlns:a16="http://schemas.microsoft.com/office/drawing/2014/main" id="{9F355A57-A406-2ECA-4B0E-EECF9144747B}"/>
-              </a:ext>
-            </a:extLst>
-          </p:cNvPr>
-          <p:cNvSpPr>
-            <a:spLocks noGrp="1"/>
-          </p:cNvSpPr>
-          <p:nvPr>
-            <p:ph type="ftr" sz="quarter" idx="10"/>
-          </p:nvPr>
-        </p:nvSpPr>
-        <p:spPr/>
-        <p:txBody>
-          <a:bodyPr/>
-          <a:lstStyle/>
-          <a:p>
-            <a:pPr>
-              <a:defRPr/>
-            </a:pPr>
-            <a:r>
-              <a:rPr lang="fr-FR" altLang="en-US"/>
-              <a:t>CS 1181 – Computer Science II    Dr. Michael Raymer</a:t>
-            </a:r>
-            <a:endParaRPr lang="en-US" altLang="en-US"/>
-          </a:p>
-        </p:txBody>
-      </p:sp>
-      <p:sp>
-        <p:nvSpPr>
-          <p:cNvPr id="4" name="Slide Number Placeholder 3">
-            <a:extLst>
-              <a:ext uri="{FF2B5EF4-FFF2-40B4-BE49-F238E27FC236}">
-                <a16:creationId xmlns:a16="http://schemas.microsoft.com/office/drawing/2014/main" id="{5C27F047-3A8E-05DF-D124-185478BC408E}"/>
-              </a:ext>
-            </a:extLst>
-          </p:cNvPr>
-          <p:cNvSpPr>
-            <a:spLocks noGrp="1"/>
-          </p:cNvSpPr>
-          <p:nvPr>
-            <p:ph type="sldNum" sz="quarter" idx="11"/>
-          </p:nvPr>
-        </p:nvSpPr>
-        <p:spPr/>
-        <p:txBody>
-          <a:bodyPr/>
-          <a:lstStyle/>
-          <a:p>
-            <a:fld id="{F2AD7893-EC1B-4A1B-9D9F-5EB845AA64D7}" type="slidenum">
-              <a:rPr lang="en-US" altLang="en-US" smtClean="0"/>
-              <a:pPr/>
-              <a:t>18</a:t>
-            </a:fld>
-            <a:endParaRPr lang="en-US" altLang="en-US"/>
-          </a:p>
-        </p:txBody>
-      </p:sp>
-      <p:pic>
-        <p:nvPicPr>
-          <p:cNvPr id="6" name="Picture 2">
-            <a:extLst>
-              <a:ext uri="{FF2B5EF4-FFF2-40B4-BE49-F238E27FC236}">
-                <a16:creationId xmlns:a16="http://schemas.microsoft.com/office/drawing/2014/main" id="{35582F20-6929-E2D6-9CBB-6293B5F77CB7}"/>
-              </a:ext>
-            </a:extLst>
-          </p:cNvPr>
-          <p:cNvPicPr>
-            <a:picLocks noChangeAspect="1" noChangeArrowheads="1"/>
-          </p:cNvPicPr>
-          <p:nvPr/>
-        </p:nvPicPr>
-        <p:blipFill>
-          <a:blip r:embed="rId2">
-            <a:extLst>
-              <a:ext uri="{28A0092B-C50C-407E-A947-70E740481C1C}">
-                <a14:useLocalDpi xmlns:a14="http://schemas.microsoft.com/office/drawing/2010/main" val="0"/>
-              </a:ext>
-            </a:extLst>
-          </a:blip>
-          <a:srcRect/>
-          <a:stretch>
-            <a:fillRect/>
-          </a:stretch>
-        </p:blipFill>
-        <p:spPr bwMode="auto">
-          <a:xfrm>
-            <a:off x="7162800" y="262738"/>
-            <a:ext cx="1676400" cy="1032662"/>
-          </a:xfrm>
-          <a:prstGeom prst="rect">
-            <a:avLst/>
-          </a:prstGeom>
-          <a:noFill/>
-          <a:extLst>
-            <a:ext uri="{909E8E84-426E-40DD-AFC4-6F175D3DCCD1}">
-              <a14:hiddenFill xmlns:a14="http://schemas.microsoft.com/office/drawing/2010/main">
-                <a:solidFill>
-                  <a:srgbClr val="FFFFFF"/>
-                </a:solidFill>
-              </a14:hiddenFill>
-            </a:ext>
-          </a:extLst>
-        </p:spPr>
-      </p:pic>
-      <p:pic>
-        <p:nvPicPr>
-          <p:cNvPr id="1026" name="Picture 2">
-            <a:extLst>
-              <a:ext uri="{FF2B5EF4-FFF2-40B4-BE49-F238E27FC236}">
-                <a16:creationId xmlns:a16="http://schemas.microsoft.com/office/drawing/2014/main" id="{2DC4490E-293A-7AB2-7C3F-D876FD527CEC}"/>
-              </a:ext>
-            </a:extLst>
-          </p:cNvPr>
-          <p:cNvPicPr>
-            <a:picLocks noChangeAspect="1" noChangeArrowheads="1"/>
-          </p:cNvPicPr>
-          <p:nvPr/>
-        </p:nvPicPr>
-        <p:blipFill>
-          <a:blip r:embed="rId3">
-            <a:extLst>
-              <a:ext uri="{28A0092B-C50C-407E-A947-70E740481C1C}">
-                <a14:useLocalDpi xmlns:a14="http://schemas.microsoft.com/office/drawing/2010/main" val="0"/>
-              </a:ext>
-            </a:extLst>
-          </a:blip>
-          <a:srcRect/>
-          <a:stretch>
-            <a:fillRect/>
-          </a:stretch>
-        </p:blipFill>
-        <p:spPr bwMode="auto">
-          <a:xfrm>
-            <a:off x="381000" y="1487488"/>
-            <a:ext cx="8382000" cy="3881437"/>
-          </a:xfrm>
-          <a:prstGeom prst="rect">
-            <a:avLst/>
-          </a:prstGeom>
-          <a:noFill/>
-          <a:extLst>
-            <a:ext uri="{909E8E84-426E-40DD-AFC4-6F175D3DCCD1}">
-              <a14:hiddenFill xmlns:a14="http://schemas.microsoft.com/office/drawing/2010/main">
-                <a:solidFill>
-                  <a:srgbClr val="FFFFFF"/>
-                </a:solidFill>
-              </a14:hiddenFill>
-            </a:ext>
-          </a:extLst>
-        </p:spPr>
-      </p:pic>
-    </p:spTree>
-    <p:extLst>
-      <p:ext uri="{BB962C8B-B14F-4D97-AF65-F5344CB8AC3E}">
-        <p14:creationId xmlns:p14="http://schemas.microsoft.com/office/powerpoint/2010/main" val="3917438058"/>
-      </p:ext>
-    </p:extLst>
-  </p:cSld>
-  <p:clrMapOvr>
-    <a:masterClrMapping/>
-  </p:clrMapOvr>
-</p:sld>
-</file>
-
-<file path=ppt/slides/slide19.xml><?xml version="1.0" encoding="utf-8"?>
-<p:sld xmlns:a="http://schemas.openxmlformats.org/drawingml/2006/main" xmlns:r="http://schemas.openxmlformats.org/officeDocument/2006/relationships" xmlns:p="http://schemas.openxmlformats.org/presentationml/2006/main">
-  <p:cSld>
-    <p:spTree>
-      <p:nvGrpSpPr>
-        <p:cNvPr id="1" name=""/>
-        <p:cNvGrpSpPr/>
-        <p:nvPr/>
-      </p:nvGrpSpPr>
-      <p:grpSpPr>
-        <a:xfrm>
-          <a:off x="0" y="0"/>
-          <a:ext cx="0" cy="0"/>
-          <a:chOff x="0" y="0"/>
-          <a:chExt cx="0" cy="0"/>
-        </a:xfrm>
-      </p:grpSpPr>
-      <p:sp>
-        <p:nvSpPr>
-          <p:cNvPr id="2" name="Title 1">
-            <a:extLst>
-              <a:ext uri="{FF2B5EF4-FFF2-40B4-BE49-F238E27FC236}">
-                <a16:creationId xmlns:a16="http://schemas.microsoft.com/office/drawing/2014/main" id="{AB385A0F-714E-80F0-A2E0-4844541E2879}"/>
-              </a:ext>
-            </a:extLst>
-          </p:cNvPr>
-          <p:cNvSpPr>
-            <a:spLocks noGrp="1"/>
-          </p:cNvSpPr>
-          <p:nvPr>
-            <p:ph type="title"/>
-          </p:nvPr>
-        </p:nvSpPr>
-        <p:spPr/>
-        <p:txBody>
-          <a:bodyPr/>
-          <a:lstStyle/>
-          <a:p>
-            <a:r>
-              <a:rPr lang="en-US" dirty="0"/>
-              <a:t>Java Collections</a:t>
-            </a:r>
-          </a:p>
-        </p:txBody>
-      </p:sp>
-      <p:sp>
-        <p:nvSpPr>
-          <p:cNvPr id="5" name="Content Placeholder 4">
-            <a:extLst>
-              <a:ext uri="{FF2B5EF4-FFF2-40B4-BE49-F238E27FC236}">
-                <a16:creationId xmlns:a16="http://schemas.microsoft.com/office/drawing/2014/main" id="{7974D2B5-89F7-5F1E-6B59-56E5FAA5C3A2}"/>
-              </a:ext>
-            </a:extLst>
-          </p:cNvPr>
-          <p:cNvSpPr>
-            <a:spLocks noGrp="1"/>
-          </p:cNvSpPr>
-          <p:nvPr>
-            <p:ph idx="1"/>
-          </p:nvPr>
-        </p:nvSpPr>
-        <p:spPr>
-          <a:xfrm>
-            <a:off x="381000" y="1143000"/>
-            <a:ext cx="8382000" cy="3810000"/>
-          </a:xfrm>
-        </p:spPr>
-        <p:txBody>
-          <a:bodyPr/>
-          <a:lstStyle/>
-          <a:p>
-            <a:r>
-              <a:rPr lang="en-US" dirty="0"/>
-              <a:t>The Java Collections class has a bunch of static methods to do useful things with collections.  For example:</a:t>
-            </a:r>
-          </a:p>
-          <a:p>
-            <a:pPr lvl="1">
-              <a:buFont typeface="Courier New" panose="02070309020205020404" pitchFamily="49" charset="0"/>
-              <a:buChar char="o"/>
-            </a:pPr>
-            <a:r>
-              <a:rPr lang="en-US" sz="2400" dirty="0" err="1">
-                <a:latin typeface="Consolas" panose="020B0609020204030204" pitchFamily="49" charset="0"/>
-              </a:rPr>
-              <a:t>Collections.sort</a:t>
-            </a:r>
-            <a:r>
-              <a:rPr lang="en-US" sz="2400" dirty="0">
-                <a:latin typeface="Consolas" panose="020B0609020204030204" pitchFamily="49" charset="0"/>
-              </a:rPr>
-              <a:t>()</a:t>
-            </a:r>
-          </a:p>
-          <a:p>
-            <a:pPr lvl="1">
-              <a:buFont typeface="Courier New" panose="02070309020205020404" pitchFamily="49" charset="0"/>
-              <a:buChar char="o"/>
-            </a:pPr>
-            <a:r>
-              <a:rPr lang="en-US" sz="2400" dirty="0" err="1">
-                <a:latin typeface="Consolas" panose="020B0609020204030204" pitchFamily="49" charset="0"/>
-              </a:rPr>
-              <a:t>Collections.max</a:t>
-            </a:r>
-            <a:r>
-              <a:rPr lang="en-US" sz="2400" dirty="0">
-                <a:latin typeface="Consolas" panose="020B0609020204030204" pitchFamily="49" charset="0"/>
-              </a:rPr>
-              <a:t>() &amp; </a:t>
-            </a:r>
-            <a:r>
-              <a:rPr lang="en-US" sz="2400" dirty="0" err="1">
-                <a:latin typeface="Consolas" panose="020B0609020204030204" pitchFamily="49" charset="0"/>
-              </a:rPr>
-              <a:t>Collections.min</a:t>
-            </a:r>
-            <a:r>
-              <a:rPr lang="en-US" sz="2400" dirty="0">
-                <a:latin typeface="Consolas" panose="020B0609020204030204" pitchFamily="49" charset="0"/>
-              </a:rPr>
-              <a:t>()</a:t>
-            </a:r>
-          </a:p>
-          <a:p>
-            <a:pPr lvl="1">
-              <a:buFont typeface="Courier New" panose="02070309020205020404" pitchFamily="49" charset="0"/>
-              <a:buChar char="o"/>
-            </a:pPr>
-            <a:r>
-              <a:rPr lang="en-US" sz="2400" dirty="0" err="1">
-                <a:latin typeface="Consolas" panose="020B0609020204030204" pitchFamily="49" charset="0"/>
-              </a:rPr>
-              <a:t>Collections.reverse</a:t>
-            </a:r>
-            <a:r>
-              <a:rPr lang="en-US" sz="2400" dirty="0">
-                <a:latin typeface="Consolas" panose="020B0609020204030204" pitchFamily="49" charset="0"/>
-              </a:rPr>
-              <a:t>()</a:t>
-            </a:r>
-          </a:p>
-          <a:p>
-            <a:pPr lvl="1">
-              <a:buFont typeface="Courier New" panose="02070309020205020404" pitchFamily="49" charset="0"/>
-              <a:buChar char="o"/>
-            </a:pPr>
-            <a:r>
-              <a:rPr lang="en-US" sz="2400" dirty="0" err="1">
-                <a:latin typeface="Consolas" panose="020B0609020204030204" pitchFamily="49" charset="0"/>
-              </a:rPr>
-              <a:t>Collections.shuffle</a:t>
-            </a:r>
-            <a:r>
-              <a:rPr lang="en-US" sz="2400" dirty="0">
-                <a:latin typeface="Consolas" panose="020B0609020204030204" pitchFamily="49" charset="0"/>
-              </a:rPr>
-              <a:t>()</a:t>
-            </a:r>
-          </a:p>
-          <a:p>
-            <a:pPr lvl="1">
-              <a:buFont typeface="Courier New" panose="02070309020205020404" pitchFamily="49" charset="0"/>
-              <a:buChar char="o"/>
-            </a:pPr>
-            <a:r>
-              <a:rPr lang="en-US" sz="2400" dirty="0" err="1">
-                <a:latin typeface="Consolas" panose="020B0609020204030204" pitchFamily="49" charset="0"/>
-              </a:rPr>
-              <a:t>Collections.swap</a:t>
-            </a:r>
-            <a:r>
-              <a:rPr lang="en-US" sz="2400" dirty="0">
-                <a:latin typeface="Consolas" panose="020B0609020204030204" pitchFamily="49" charset="0"/>
-              </a:rPr>
-              <a:t>()</a:t>
-            </a:r>
-          </a:p>
-        </p:txBody>
-      </p:sp>
-      <p:sp>
-        <p:nvSpPr>
-          <p:cNvPr id="3" name="Footer Placeholder 2">
-            <a:extLst>
-              <a:ext uri="{FF2B5EF4-FFF2-40B4-BE49-F238E27FC236}">
-                <a16:creationId xmlns:a16="http://schemas.microsoft.com/office/drawing/2014/main" id="{9CB20ABB-2D73-908D-54CA-7476615FA9AE}"/>
-              </a:ext>
-            </a:extLst>
-          </p:cNvPr>
-          <p:cNvSpPr>
-            <a:spLocks noGrp="1"/>
-          </p:cNvSpPr>
-          <p:nvPr>
-            <p:ph type="ftr" sz="quarter" idx="10"/>
-          </p:nvPr>
-        </p:nvSpPr>
-        <p:spPr/>
-        <p:txBody>
-          <a:bodyPr/>
-          <a:lstStyle/>
-          <a:p>
-            <a:pPr>
-              <a:defRPr/>
-            </a:pPr>
-            <a:r>
-              <a:rPr lang="fr-FR" altLang="en-US"/>
-              <a:t>CS 1181 – Computer Science II    Dr. Michael Raymer</a:t>
-            </a:r>
-            <a:endParaRPr lang="en-US" altLang="en-US"/>
-          </a:p>
-        </p:txBody>
-      </p:sp>
-      <p:sp>
-        <p:nvSpPr>
-          <p:cNvPr id="4" name="Slide Number Placeholder 3">
-            <a:extLst>
-              <a:ext uri="{FF2B5EF4-FFF2-40B4-BE49-F238E27FC236}">
-                <a16:creationId xmlns:a16="http://schemas.microsoft.com/office/drawing/2014/main" id="{8376B81C-AB75-7B8E-8698-112583DE90C8}"/>
-              </a:ext>
-            </a:extLst>
-          </p:cNvPr>
-          <p:cNvSpPr>
-            <a:spLocks noGrp="1"/>
-          </p:cNvSpPr>
-          <p:nvPr>
-            <p:ph type="sldNum" sz="quarter" idx="11"/>
-          </p:nvPr>
-        </p:nvSpPr>
-        <p:spPr/>
-        <p:txBody>
-          <a:bodyPr/>
-          <a:lstStyle/>
-          <a:p>
-            <a:fld id="{F2AD7893-EC1B-4A1B-9D9F-5EB845AA64D7}" type="slidenum">
-              <a:rPr lang="en-US" altLang="en-US" smtClean="0"/>
-              <a:pPr/>
-              <a:t>19</a:t>
-            </a:fld>
-            <a:endParaRPr lang="en-US" altLang="en-US"/>
-          </a:p>
-        </p:txBody>
-      </p:sp>
-      <p:sp>
-        <p:nvSpPr>
-          <p:cNvPr id="7" name="TextBox 6">
-            <a:extLst>
-              <a:ext uri="{FF2B5EF4-FFF2-40B4-BE49-F238E27FC236}">
-                <a16:creationId xmlns:a16="http://schemas.microsoft.com/office/drawing/2014/main" id="{75A7F54D-D5E6-D235-9BB8-5E35AF4CA4F2}"/>
-              </a:ext>
-            </a:extLst>
-          </p:cNvPr>
-          <p:cNvSpPr txBox="1"/>
-          <p:nvPr/>
-        </p:nvSpPr>
-        <p:spPr>
-          <a:xfrm>
-            <a:off x="381000" y="5268724"/>
-            <a:ext cx="8382000" cy="446276"/>
-          </a:xfrm>
-          <a:prstGeom prst="rect">
-            <a:avLst/>
-          </a:prstGeom>
-          <a:noFill/>
-        </p:spPr>
-        <p:txBody>
-          <a:bodyPr wrap="square">
-            <a:spAutoFit/>
-          </a:bodyPr>
-          <a:lstStyle/>
-          <a:p>
-            <a:pPr algn="ctr"/>
-            <a:r>
-              <a:rPr lang="en-US" sz="2300" dirty="0">
-                <a:solidFill>
-                  <a:srgbClr val="0070C0"/>
-                </a:solidFill>
-                <a:latin typeface="Speak Pro" panose="020B0504020101020102" pitchFamily="34" charset="0"/>
-                <a:hlinkClick r:id="rId2">
-                  <a:extLst>
-                    <a:ext uri="{A12FA001-AC4F-418D-AE19-62706E023703}">
-                      <ahyp:hlinkClr xmlns:ahyp="http://schemas.microsoft.com/office/drawing/2018/hyperlinkcolor" val="tx"/>
-                    </a:ext>
-                  </a:extLst>
-                </a:hlinkClick>
-              </a:rPr>
-              <a:t>https://docs.oracle.com/javase/8/docs/api/java/util/Collections.html</a:t>
-            </a:r>
-            <a:endParaRPr lang="en-US" sz="2300" dirty="0">
-              <a:solidFill>
-                <a:srgbClr val="0070C0"/>
-              </a:solidFill>
-              <a:latin typeface="Speak Pro" panose="020B0504020101020102" pitchFamily="34" charset="0"/>
-            </a:endParaRPr>
-          </a:p>
-        </p:txBody>
-      </p:sp>
-    </p:spTree>
-    <p:extLst>
-      <p:ext uri="{BB962C8B-B14F-4D97-AF65-F5344CB8AC3E}">
-        <p14:creationId xmlns:p14="http://schemas.microsoft.com/office/powerpoint/2010/main" val="4257482639"/>
-      </p:ext>
-    </p:extLst>
-  </p:cSld>
-  <p:clrMapOvr>
-    <a:masterClrMapping/>
-  </p:clrMapOvr>
-</p:sld>
-</file>
-
 <file path=ppt/slides/slide2.xml><?xml version="1.0" encoding="utf-8"?>
 <p:sld xmlns:a="http://schemas.openxmlformats.org/drawingml/2006/main" xmlns:r="http://schemas.openxmlformats.org/officeDocument/2006/relationships" xmlns:p="http://schemas.openxmlformats.org/presentationml/2006/main">
   <p:cSld>
@@ -23129,6 +23356,529 @@
     <p:extLst>
       <p:ext uri="{BB962C8B-B14F-4D97-AF65-F5344CB8AC3E}">
         <p14:creationId xmlns:p14="http://schemas.microsoft.com/office/powerpoint/2010/main" val="400736018"/>
+      </p:ext>
+    </p:extLst>
+  </p:cSld>
+  <p:clrMapOvr>
+    <a:masterClrMapping/>
+  </p:clrMapOvr>
+</p:sld>
+</file>
+
+<file path=ppt/slides/slide20.xml><?xml version="1.0" encoding="utf-8"?>
+<p:sld xmlns:a="http://schemas.openxmlformats.org/drawingml/2006/main" xmlns:r="http://schemas.openxmlformats.org/officeDocument/2006/relationships" xmlns:p="http://schemas.openxmlformats.org/presentationml/2006/main">
+  <p:cSld>
+    <p:spTree>
+      <p:nvGrpSpPr>
+        <p:cNvPr id="1" name=""/>
+        <p:cNvGrpSpPr/>
+        <p:nvPr/>
+      </p:nvGrpSpPr>
+      <p:grpSpPr>
+        <a:xfrm>
+          <a:off x="0" y="0"/>
+          <a:ext cx="0" cy="0"/>
+          <a:chOff x="0" y="0"/>
+          <a:chExt cx="0" cy="0"/>
+        </a:xfrm>
+      </p:grpSpPr>
+      <p:sp>
+        <p:nvSpPr>
+          <p:cNvPr id="2" name="Title 1">
+            <a:extLst>
+              <a:ext uri="{FF2B5EF4-FFF2-40B4-BE49-F238E27FC236}">
+                <a16:creationId xmlns:a16="http://schemas.microsoft.com/office/drawing/2014/main" id="{E209F803-9CCB-D0BE-E502-34F43501F549}"/>
+              </a:ext>
+            </a:extLst>
+          </p:cNvPr>
+          <p:cNvSpPr>
+            <a:spLocks noGrp="1"/>
+          </p:cNvSpPr>
+          <p:nvPr>
+            <p:ph type="title"/>
+          </p:nvPr>
+        </p:nvSpPr>
+        <p:spPr/>
+        <p:txBody>
+          <a:bodyPr/>
+          <a:lstStyle/>
+          <a:p>
+            <a:r>
+              <a:rPr lang="en-US" dirty="0"/>
+              <a:t>Java collections</a:t>
+            </a:r>
+          </a:p>
+        </p:txBody>
+      </p:sp>
+      <p:sp>
+        <p:nvSpPr>
+          <p:cNvPr id="3" name="Footer Placeholder 2">
+            <a:extLst>
+              <a:ext uri="{FF2B5EF4-FFF2-40B4-BE49-F238E27FC236}">
+                <a16:creationId xmlns:a16="http://schemas.microsoft.com/office/drawing/2014/main" id="{9F355A57-A406-2ECA-4B0E-EECF9144747B}"/>
+              </a:ext>
+            </a:extLst>
+          </p:cNvPr>
+          <p:cNvSpPr>
+            <a:spLocks noGrp="1"/>
+          </p:cNvSpPr>
+          <p:nvPr>
+            <p:ph type="ftr" sz="quarter" idx="10"/>
+          </p:nvPr>
+        </p:nvSpPr>
+        <p:spPr/>
+        <p:txBody>
+          <a:bodyPr/>
+          <a:lstStyle/>
+          <a:p>
+            <a:pPr>
+              <a:defRPr/>
+            </a:pPr>
+            <a:r>
+              <a:rPr lang="fr-FR" altLang="en-US"/>
+              <a:t>CS 1181 – Computer Science II    Dr. Michael Raymer</a:t>
+            </a:r>
+            <a:endParaRPr lang="en-US" altLang="en-US"/>
+          </a:p>
+        </p:txBody>
+      </p:sp>
+      <p:sp>
+        <p:nvSpPr>
+          <p:cNvPr id="4" name="Slide Number Placeholder 3">
+            <a:extLst>
+              <a:ext uri="{FF2B5EF4-FFF2-40B4-BE49-F238E27FC236}">
+                <a16:creationId xmlns:a16="http://schemas.microsoft.com/office/drawing/2014/main" id="{5C27F047-3A8E-05DF-D124-185478BC408E}"/>
+              </a:ext>
+            </a:extLst>
+          </p:cNvPr>
+          <p:cNvSpPr>
+            <a:spLocks noGrp="1"/>
+          </p:cNvSpPr>
+          <p:nvPr>
+            <p:ph type="sldNum" sz="quarter" idx="11"/>
+          </p:nvPr>
+        </p:nvSpPr>
+        <p:spPr/>
+        <p:txBody>
+          <a:bodyPr/>
+          <a:lstStyle/>
+          <a:p>
+            <a:fld id="{F2AD7893-EC1B-4A1B-9D9F-5EB845AA64D7}" type="slidenum">
+              <a:rPr lang="en-US" altLang="en-US" smtClean="0"/>
+              <a:pPr/>
+              <a:t>20</a:t>
+            </a:fld>
+            <a:endParaRPr lang="en-US" altLang="en-US"/>
+          </a:p>
+        </p:txBody>
+      </p:sp>
+      <p:pic>
+        <p:nvPicPr>
+          <p:cNvPr id="6" name="Picture 2">
+            <a:extLst>
+              <a:ext uri="{FF2B5EF4-FFF2-40B4-BE49-F238E27FC236}">
+                <a16:creationId xmlns:a16="http://schemas.microsoft.com/office/drawing/2014/main" id="{35582F20-6929-E2D6-9CBB-6293B5F77CB7}"/>
+              </a:ext>
+            </a:extLst>
+          </p:cNvPr>
+          <p:cNvPicPr>
+            <a:picLocks noChangeAspect="1" noChangeArrowheads="1"/>
+          </p:cNvPicPr>
+          <p:nvPr/>
+        </p:nvPicPr>
+        <p:blipFill>
+          <a:blip r:embed="rId2">
+            <a:extLst>
+              <a:ext uri="{28A0092B-C50C-407E-A947-70E740481C1C}">
+                <a14:useLocalDpi xmlns:a14="http://schemas.microsoft.com/office/drawing/2010/main" val="0"/>
+              </a:ext>
+            </a:extLst>
+          </a:blip>
+          <a:srcRect/>
+          <a:stretch>
+            <a:fillRect/>
+          </a:stretch>
+        </p:blipFill>
+        <p:spPr bwMode="auto">
+          <a:xfrm>
+            <a:off x="7162800" y="262738"/>
+            <a:ext cx="1676400" cy="1032662"/>
+          </a:xfrm>
+          <a:prstGeom prst="rect">
+            <a:avLst/>
+          </a:prstGeom>
+          <a:noFill/>
+          <a:extLst>
+            <a:ext uri="{909E8E84-426E-40DD-AFC4-6F175D3DCCD1}">
+              <a14:hiddenFill xmlns:a14="http://schemas.microsoft.com/office/drawing/2010/main">
+                <a:solidFill>
+                  <a:srgbClr val="FFFFFF"/>
+                </a:solidFill>
+              </a14:hiddenFill>
+            </a:ext>
+          </a:extLst>
+        </p:spPr>
+      </p:pic>
+      <p:pic>
+        <p:nvPicPr>
+          <p:cNvPr id="1026" name="Picture 2">
+            <a:extLst>
+              <a:ext uri="{FF2B5EF4-FFF2-40B4-BE49-F238E27FC236}">
+                <a16:creationId xmlns:a16="http://schemas.microsoft.com/office/drawing/2014/main" id="{2DC4490E-293A-7AB2-7C3F-D876FD527CEC}"/>
+              </a:ext>
+            </a:extLst>
+          </p:cNvPr>
+          <p:cNvPicPr>
+            <a:picLocks noChangeAspect="1" noChangeArrowheads="1"/>
+          </p:cNvPicPr>
+          <p:nvPr/>
+        </p:nvPicPr>
+        <p:blipFill>
+          <a:blip r:embed="rId3">
+            <a:extLst>
+              <a:ext uri="{28A0092B-C50C-407E-A947-70E740481C1C}">
+                <a14:useLocalDpi xmlns:a14="http://schemas.microsoft.com/office/drawing/2010/main" val="0"/>
+              </a:ext>
+            </a:extLst>
+          </a:blip>
+          <a:srcRect/>
+          <a:stretch>
+            <a:fillRect/>
+          </a:stretch>
+        </p:blipFill>
+        <p:spPr bwMode="auto">
+          <a:xfrm>
+            <a:off x="381000" y="1487488"/>
+            <a:ext cx="8382000" cy="3881437"/>
+          </a:xfrm>
+          <a:prstGeom prst="rect">
+            <a:avLst/>
+          </a:prstGeom>
+          <a:noFill/>
+          <a:extLst>
+            <a:ext uri="{909E8E84-426E-40DD-AFC4-6F175D3DCCD1}">
+              <a14:hiddenFill xmlns:a14="http://schemas.microsoft.com/office/drawing/2010/main">
+                <a:solidFill>
+                  <a:srgbClr val="FFFFFF"/>
+                </a:solidFill>
+              </a14:hiddenFill>
+            </a:ext>
+          </a:extLst>
+        </p:spPr>
+      </p:pic>
+    </p:spTree>
+    <p:extLst>
+      <p:ext uri="{BB962C8B-B14F-4D97-AF65-F5344CB8AC3E}">
+        <p14:creationId xmlns:p14="http://schemas.microsoft.com/office/powerpoint/2010/main" val="3917438058"/>
+      </p:ext>
+    </p:extLst>
+  </p:cSld>
+  <p:clrMapOvr>
+    <a:masterClrMapping/>
+  </p:clrMapOvr>
+</p:sld>
+</file>
+
+<file path=ppt/slides/slide21.xml><?xml version="1.0" encoding="utf-8"?>
+<p:sld xmlns:a="http://schemas.openxmlformats.org/drawingml/2006/main" xmlns:r="http://schemas.openxmlformats.org/officeDocument/2006/relationships" xmlns:p="http://schemas.openxmlformats.org/presentationml/2006/main">
+  <p:cSld>
+    <p:spTree>
+      <p:nvGrpSpPr>
+        <p:cNvPr id="1" name=""/>
+        <p:cNvGrpSpPr/>
+        <p:nvPr/>
+      </p:nvGrpSpPr>
+      <p:grpSpPr>
+        <a:xfrm>
+          <a:off x="0" y="0"/>
+          <a:ext cx="0" cy="0"/>
+          <a:chOff x="0" y="0"/>
+          <a:chExt cx="0" cy="0"/>
+        </a:xfrm>
+      </p:grpSpPr>
+      <p:sp>
+        <p:nvSpPr>
+          <p:cNvPr id="2" name="Title 1">
+            <a:extLst>
+              <a:ext uri="{FF2B5EF4-FFF2-40B4-BE49-F238E27FC236}">
+                <a16:creationId xmlns:a16="http://schemas.microsoft.com/office/drawing/2014/main" id="{AB385A0F-714E-80F0-A2E0-4844541E2879}"/>
+              </a:ext>
+            </a:extLst>
+          </p:cNvPr>
+          <p:cNvSpPr>
+            <a:spLocks noGrp="1"/>
+          </p:cNvSpPr>
+          <p:nvPr>
+            <p:ph type="title"/>
+          </p:nvPr>
+        </p:nvSpPr>
+        <p:spPr/>
+        <p:txBody>
+          <a:bodyPr/>
+          <a:lstStyle/>
+          <a:p>
+            <a:r>
+              <a:rPr lang="en-US" dirty="0"/>
+              <a:t>Java Collections</a:t>
+            </a:r>
+          </a:p>
+        </p:txBody>
+      </p:sp>
+      <p:sp>
+        <p:nvSpPr>
+          <p:cNvPr id="5" name="Content Placeholder 4">
+            <a:extLst>
+              <a:ext uri="{FF2B5EF4-FFF2-40B4-BE49-F238E27FC236}">
+                <a16:creationId xmlns:a16="http://schemas.microsoft.com/office/drawing/2014/main" id="{7974D2B5-89F7-5F1E-6B59-56E5FAA5C3A2}"/>
+              </a:ext>
+            </a:extLst>
+          </p:cNvPr>
+          <p:cNvSpPr>
+            <a:spLocks noGrp="1"/>
+          </p:cNvSpPr>
+          <p:nvPr>
+            <p:ph idx="1"/>
+          </p:nvPr>
+        </p:nvSpPr>
+        <p:spPr>
+          <a:xfrm>
+            <a:off x="381000" y="1143000"/>
+            <a:ext cx="8382000" cy="3810000"/>
+          </a:xfrm>
+        </p:spPr>
+        <p:txBody>
+          <a:bodyPr/>
+          <a:lstStyle/>
+          <a:p>
+            <a:r>
+              <a:rPr lang="en-US" dirty="0"/>
+              <a:t>The Java Collections class has a bunch of static methods to do useful things with collections.  For example:</a:t>
+            </a:r>
+          </a:p>
+          <a:p>
+            <a:pPr lvl="1">
+              <a:buFont typeface="Courier New" panose="02070309020205020404" pitchFamily="49" charset="0"/>
+              <a:buChar char="o"/>
+            </a:pPr>
+            <a:r>
+              <a:rPr lang="en-US" sz="2400" dirty="0" err="1">
+                <a:latin typeface="Consolas" panose="020B0609020204030204" pitchFamily="49" charset="0"/>
+              </a:rPr>
+              <a:t>Collections.sort</a:t>
+            </a:r>
+            <a:r>
+              <a:rPr lang="en-US" sz="2400" dirty="0">
+                <a:latin typeface="Consolas" panose="020B0609020204030204" pitchFamily="49" charset="0"/>
+              </a:rPr>
+              <a:t>()</a:t>
+            </a:r>
+          </a:p>
+          <a:p>
+            <a:pPr lvl="1">
+              <a:buFont typeface="Courier New" panose="02070309020205020404" pitchFamily="49" charset="0"/>
+              <a:buChar char="o"/>
+            </a:pPr>
+            <a:r>
+              <a:rPr lang="en-US" sz="2400" dirty="0" err="1">
+                <a:latin typeface="Consolas" panose="020B0609020204030204" pitchFamily="49" charset="0"/>
+              </a:rPr>
+              <a:t>Collections.max</a:t>
+            </a:r>
+            <a:r>
+              <a:rPr lang="en-US" sz="2400" dirty="0">
+                <a:latin typeface="Consolas" panose="020B0609020204030204" pitchFamily="49" charset="0"/>
+              </a:rPr>
+              <a:t>() &amp; </a:t>
+            </a:r>
+            <a:r>
+              <a:rPr lang="en-US" sz="2400" dirty="0" err="1">
+                <a:latin typeface="Consolas" panose="020B0609020204030204" pitchFamily="49" charset="0"/>
+              </a:rPr>
+              <a:t>Collections.min</a:t>
+            </a:r>
+            <a:r>
+              <a:rPr lang="en-US" sz="2400" dirty="0">
+                <a:latin typeface="Consolas" panose="020B0609020204030204" pitchFamily="49" charset="0"/>
+              </a:rPr>
+              <a:t>()</a:t>
+            </a:r>
+          </a:p>
+          <a:p>
+            <a:pPr lvl="1">
+              <a:buFont typeface="Courier New" panose="02070309020205020404" pitchFamily="49" charset="0"/>
+              <a:buChar char="o"/>
+            </a:pPr>
+            <a:r>
+              <a:rPr lang="en-US" sz="2400" dirty="0" err="1">
+                <a:latin typeface="Consolas" panose="020B0609020204030204" pitchFamily="49" charset="0"/>
+              </a:rPr>
+              <a:t>Collections.reverse</a:t>
+            </a:r>
+            <a:r>
+              <a:rPr lang="en-US" sz="2400" dirty="0">
+                <a:latin typeface="Consolas" panose="020B0609020204030204" pitchFamily="49" charset="0"/>
+              </a:rPr>
+              <a:t>()</a:t>
+            </a:r>
+          </a:p>
+          <a:p>
+            <a:pPr lvl="1">
+              <a:buFont typeface="Courier New" panose="02070309020205020404" pitchFamily="49" charset="0"/>
+              <a:buChar char="o"/>
+            </a:pPr>
+            <a:r>
+              <a:rPr lang="en-US" sz="2400" dirty="0" err="1">
+                <a:latin typeface="Consolas" panose="020B0609020204030204" pitchFamily="49" charset="0"/>
+              </a:rPr>
+              <a:t>Collections.shuffle</a:t>
+            </a:r>
+            <a:r>
+              <a:rPr lang="en-US" sz="2400" dirty="0">
+                <a:latin typeface="Consolas" panose="020B0609020204030204" pitchFamily="49" charset="0"/>
+              </a:rPr>
+              <a:t>()</a:t>
+            </a:r>
+          </a:p>
+          <a:p>
+            <a:pPr lvl="1">
+              <a:buFont typeface="Courier New" panose="02070309020205020404" pitchFamily="49" charset="0"/>
+              <a:buChar char="o"/>
+            </a:pPr>
+            <a:r>
+              <a:rPr lang="en-US" sz="2400" dirty="0" err="1">
+                <a:latin typeface="Consolas" panose="020B0609020204030204" pitchFamily="49" charset="0"/>
+              </a:rPr>
+              <a:t>Collections.swap</a:t>
+            </a:r>
+            <a:r>
+              <a:rPr lang="en-US" sz="2400" dirty="0">
+                <a:latin typeface="Consolas" panose="020B0609020204030204" pitchFamily="49" charset="0"/>
+              </a:rPr>
+              <a:t>()</a:t>
+            </a:r>
+          </a:p>
+        </p:txBody>
+      </p:sp>
+      <p:sp>
+        <p:nvSpPr>
+          <p:cNvPr id="3" name="Footer Placeholder 2">
+            <a:extLst>
+              <a:ext uri="{FF2B5EF4-FFF2-40B4-BE49-F238E27FC236}">
+                <a16:creationId xmlns:a16="http://schemas.microsoft.com/office/drawing/2014/main" id="{9CB20ABB-2D73-908D-54CA-7476615FA9AE}"/>
+              </a:ext>
+            </a:extLst>
+          </p:cNvPr>
+          <p:cNvSpPr>
+            <a:spLocks noGrp="1"/>
+          </p:cNvSpPr>
+          <p:nvPr>
+            <p:ph type="ftr" sz="quarter" idx="10"/>
+          </p:nvPr>
+        </p:nvSpPr>
+        <p:spPr/>
+        <p:txBody>
+          <a:bodyPr/>
+          <a:lstStyle/>
+          <a:p>
+            <a:pPr>
+              <a:defRPr/>
+            </a:pPr>
+            <a:r>
+              <a:rPr lang="fr-FR" altLang="en-US"/>
+              <a:t>CS 1181 – Computer Science II    Dr. Michael Raymer</a:t>
+            </a:r>
+            <a:endParaRPr lang="en-US" altLang="en-US"/>
+          </a:p>
+        </p:txBody>
+      </p:sp>
+      <p:sp>
+        <p:nvSpPr>
+          <p:cNvPr id="4" name="Slide Number Placeholder 3">
+            <a:extLst>
+              <a:ext uri="{FF2B5EF4-FFF2-40B4-BE49-F238E27FC236}">
+                <a16:creationId xmlns:a16="http://schemas.microsoft.com/office/drawing/2014/main" id="{8376B81C-AB75-7B8E-8698-112583DE90C8}"/>
+              </a:ext>
+            </a:extLst>
+          </p:cNvPr>
+          <p:cNvSpPr>
+            <a:spLocks noGrp="1"/>
+          </p:cNvSpPr>
+          <p:nvPr>
+            <p:ph type="sldNum" sz="quarter" idx="11"/>
+          </p:nvPr>
+        </p:nvSpPr>
+        <p:spPr/>
+        <p:txBody>
+          <a:bodyPr/>
+          <a:lstStyle/>
+          <a:p>
+            <a:fld id="{F2AD7893-EC1B-4A1B-9D9F-5EB845AA64D7}" type="slidenum">
+              <a:rPr lang="en-US" altLang="en-US" smtClean="0"/>
+              <a:pPr/>
+              <a:t>21</a:t>
+            </a:fld>
+            <a:endParaRPr lang="en-US" altLang="en-US"/>
+          </a:p>
+        </p:txBody>
+      </p:sp>
+      <p:sp>
+        <p:nvSpPr>
+          <p:cNvPr id="7" name="TextBox 6">
+            <a:extLst>
+              <a:ext uri="{FF2B5EF4-FFF2-40B4-BE49-F238E27FC236}">
+                <a16:creationId xmlns:a16="http://schemas.microsoft.com/office/drawing/2014/main" id="{75A7F54D-D5E6-D235-9BB8-5E35AF4CA4F2}"/>
+              </a:ext>
+            </a:extLst>
+          </p:cNvPr>
+          <p:cNvSpPr txBox="1"/>
+          <p:nvPr/>
+        </p:nvSpPr>
+        <p:spPr>
+          <a:xfrm>
+            <a:off x="381000" y="5268724"/>
+            <a:ext cx="8382000" cy="446276"/>
+          </a:xfrm>
+          <a:prstGeom prst="rect">
+            <a:avLst/>
+          </a:prstGeom>
+          <a:noFill/>
+        </p:spPr>
+        <p:txBody>
+          <a:bodyPr wrap="square">
+            <a:spAutoFit/>
+          </a:bodyPr>
+          <a:lstStyle/>
+          <a:p>
+            <a:pPr algn="ctr"/>
+            <a:r>
+              <a:rPr lang="en-US" sz="2300" dirty="0">
+                <a:solidFill>
+                  <a:srgbClr val="0070C0"/>
+                </a:solidFill>
+                <a:latin typeface="Speak Pro" panose="020B0504020101020102" pitchFamily="34" charset="0"/>
+                <a:hlinkClick r:id="rId2">
+                  <a:extLst>
+                    <a:ext uri="{A12FA001-AC4F-418D-AE19-62706E023703}">
+                      <ahyp:hlinkClr xmlns:ahyp="http://schemas.microsoft.com/office/drawing/2018/hyperlinkcolor" val="tx"/>
+                    </a:ext>
+                  </a:extLst>
+                </a:hlinkClick>
+              </a:rPr>
+              <a:t>https://docs.oracle.com/javase/8/docs/api/java/util/Collections.html</a:t>
+            </a:r>
+            <a:endParaRPr lang="en-US" sz="2300" dirty="0">
+              <a:solidFill>
+                <a:srgbClr val="0070C0"/>
+              </a:solidFill>
+              <a:latin typeface="Speak Pro" panose="020B0504020101020102" pitchFamily="34" charset="0"/>
+            </a:endParaRPr>
+          </a:p>
+        </p:txBody>
+      </p:sp>
+    </p:spTree>
+    <p:extLst>
+      <p:ext uri="{BB962C8B-B14F-4D97-AF65-F5344CB8AC3E}">
+        <p14:creationId xmlns:p14="http://schemas.microsoft.com/office/powerpoint/2010/main" val="4257482639"/>
       </p:ext>
     </p:extLst>
   </p:cSld>
@@ -29641,6 +30391,15 @@
 </file>
 
 <file path=customXml/item1.xml><?xml version="1.0" encoding="utf-8"?>
+<?mso-contentType ?>
+<FormTemplates xmlns="http://schemas.microsoft.com/sharepoint/v3/contenttype/forms">
+  <Display>DocumentLibraryForm</Display>
+  <Edit>DocumentLibraryForm</Edit>
+  <New>DocumentLibraryForm</New>
+</FormTemplates>
+</file>
+
+<file path=customXml/item2.xml><?xml version="1.0" encoding="utf-8"?>
 <p:properties xmlns:p="http://schemas.microsoft.com/office/2006/metadata/properties" xmlns:xsi="http://www.w3.org/2001/XMLSchema-instance" xmlns:pc="http://schemas.microsoft.com/office/infopath/2007/PartnerControls">
   <documentManagement>
     <Invited_Students xmlns="ec914106-4023-4d62-800a-0989b013d7ae" xsi:nil="true"/>
@@ -29693,7 +30452,7 @@
 </p:properties>
 </file>
 
-<file path=customXml/item2.xml><?xml version="1.0" encoding="utf-8"?>
+<file path=customXml/item3.xml><?xml version="1.0" encoding="utf-8"?>
 <ct:contentTypeSchema xmlns:ct="http://schemas.microsoft.com/office/2006/metadata/contentType" xmlns:ma="http://schemas.microsoft.com/office/2006/metadata/properties/metaAttributes" ct:_="" ma:_="" ma:contentTypeName="Document" ma:contentTypeID="0x0101009BA8C64042A6704EA3EB4DC41C4FB05F" ma:contentTypeVersion="38" ma:contentTypeDescription="Create a new document." ma:contentTypeScope="" ma:versionID="bf4ae4a69332618c3e03d65c43393afd">
   <xsd:schema xmlns:xsd="http://www.w3.org/2001/XMLSchema" xmlns:xs="http://www.w3.org/2001/XMLSchema" xmlns:p="http://schemas.microsoft.com/office/2006/metadata/properties" xmlns:ns3="3b402ec5-cb89-4739-911d-5dd1c5e01384" xmlns:ns4="ec914106-4023-4d62-800a-0989b013d7ae" targetNamespace="http://schemas.microsoft.com/office/2006/metadata/properties" ma:root="true" ma:fieldsID="f0fe23496be744e10d46861378f316da" ns3:_="" ns4:_="">
     <xsd:import namespace="3b402ec5-cb89-4739-911d-5dd1c5e01384"/>
@@ -30134,16 +30893,15 @@
 </ct:contentTypeSchema>
 </file>
 
-<file path=customXml/item3.xml><?xml version="1.0" encoding="utf-8"?>
-<?mso-contentType ?>
-<FormTemplates xmlns="http://schemas.microsoft.com/sharepoint/v3/contenttype/forms">
-  <Display>DocumentLibraryForm</Display>
-  <Edit>DocumentLibraryForm</Edit>
-  <New>DocumentLibraryForm</New>
-</FormTemplates>
+<file path=customXml/itemProps1.xml><?xml version="1.0" encoding="utf-8"?>
+<ds:datastoreItem xmlns:ds="http://schemas.openxmlformats.org/officeDocument/2006/customXml" ds:itemID="{EB197284-9703-44A9-BDA7-BAABB0FFB9E9}">
+  <ds:schemaRefs>
+    <ds:schemaRef ds:uri="http://schemas.microsoft.com/sharepoint/v3/contenttype/forms"/>
+  </ds:schemaRefs>
+</ds:datastoreItem>
 </file>
 
-<file path=customXml/itemProps1.xml><?xml version="1.0" encoding="utf-8"?>
+<file path=customXml/itemProps2.xml><?xml version="1.0" encoding="utf-8"?>
 <ds:datastoreItem xmlns:ds="http://schemas.openxmlformats.org/officeDocument/2006/customXml" ds:itemID="{CDA71DE4-3AE9-478E-9111-978128D747CB}">
   <ds:schemaRefs>
     <ds:schemaRef ds:uri="http://www.w3.org/XML/1998/namespace"/>
@@ -30160,7 +30918,7 @@
 </ds:datastoreItem>
 </file>
 
-<file path=customXml/itemProps2.xml><?xml version="1.0" encoding="utf-8"?>
+<file path=customXml/itemProps3.xml><?xml version="1.0" encoding="utf-8"?>
 <ds:datastoreItem xmlns:ds="http://schemas.openxmlformats.org/officeDocument/2006/customXml" ds:itemID="{BCEFC554-2353-41F4-B9DE-4E354DBABA5E}">
   <ds:schemaRefs>
     <ds:schemaRef ds:uri="http://schemas.microsoft.com/office/2006/metadata/contentType"/>
@@ -30177,12 +30935,4 @@
     <ds:schemaRef ds:uri="http://schemas.microsoft.com/internal/obd"/>
   </ds:schemaRefs>
 </ds:datastoreItem>
-</file>
-
-<file path=customXml/itemProps3.xml><?xml version="1.0" encoding="utf-8"?>
-<ds:datastoreItem xmlns:ds="http://schemas.openxmlformats.org/officeDocument/2006/customXml" ds:itemID="{EB197284-9703-44A9-BDA7-BAABB0FFB9E9}">
-  <ds:schemaRefs>
-    <ds:schemaRef ds:uri="http://schemas.microsoft.com/sharepoint/v3/contenttype/forms"/>
-  </ds:schemaRefs>
-</ds:datastoreItem>
 </file>
--- a/Lecture Slides/05 Generics.pptx
+++ b/Lecture Slides/05 Generics.pptx
@@ -30,8 +30,8 @@
     <p:sldId id="272" r:id="rId21"/>
     <p:sldId id="275" r:id="rId22"/>
     <p:sldId id="268" r:id="rId23"/>
-    <p:sldId id="274" r:id="rId24"/>
-    <p:sldId id="273" r:id="rId25"/>
+    <p:sldId id="273" r:id="rId24"/>
+    <p:sldId id="274" r:id="rId25"/>
   </p:sldIdLst>
   <p:sldSz cx="9144000" cy="6858000" type="screen4x3"/>
   <p:notesSz cx="6858000" cy="9144000"/>
@@ -186,7 +186,6 @@
 <p1510:revInfo xmlns:a="http://schemas.openxmlformats.org/drawingml/2006/main" xmlns:r="http://schemas.openxmlformats.org/officeDocument/2006/relationships" xmlns:p1510="http://schemas.microsoft.com/office/powerpoint/2015/10/main">
   <p1510:revLst>
     <p1510:client id="{6C49AF94-D978-4976-AE7A-BD79EAFFEBBD}" v="2" dt="2024-10-18T16:00:46.652"/>
-    <p1510:client id="{A38A17AB-50E9-4C4B-ADB3-4959E9095AE9}" v="1" dt="2024-10-18T14:24:12.133"/>
   </p1510:revLst>
 </p1510:revInfo>
 </file>
@@ -3275,11 +3274,41 @@
   </pc:docChgLst>
   <pc:docChgLst>
     <pc:chgData name="Raymer, Michael L." userId="96c2fb1d-e79c-4ca3-9876-783e98fdd04a" providerId="ADAL" clId="{6C49AF94-D978-4976-AE7A-BD79EAFFEBBD}"/>
-    <pc:docChg chg="undo custSel addSld modSld">
-      <pc:chgData name="Raymer, Michael L." userId="96c2fb1d-e79c-4ca3-9876-783e98fdd04a" providerId="ADAL" clId="{6C49AF94-D978-4976-AE7A-BD79EAFFEBBD}" dt="2024-10-18T16:00:46.650" v="11"/>
+    <pc:docChg chg="undo custSel addSld modSld sldOrd">
+      <pc:chgData name="Raymer, Michael L." userId="96c2fb1d-e79c-4ca3-9876-783e98fdd04a" providerId="ADAL" clId="{6C49AF94-D978-4976-AE7A-BD79EAFFEBBD}" dt="2024-10-21T13:28:30.505" v="139" actId="20577"/>
       <pc:docMkLst>
         <pc:docMk/>
       </pc:docMkLst>
+      <pc:sldChg chg="modSp mod">
+        <pc:chgData name="Raymer, Michael L." userId="96c2fb1d-e79c-4ca3-9876-783e98fdd04a" providerId="ADAL" clId="{6C49AF94-D978-4976-AE7A-BD79EAFFEBBD}" dt="2024-10-21T13:28:30.505" v="139" actId="20577"/>
+        <pc:sldMkLst>
+          <pc:docMk/>
+          <pc:sldMk cId="942288986" sldId="268"/>
+        </pc:sldMkLst>
+        <pc:spChg chg="mod">
+          <ac:chgData name="Raymer, Michael L." userId="96c2fb1d-e79c-4ca3-9876-783e98fdd04a" providerId="ADAL" clId="{6C49AF94-D978-4976-AE7A-BD79EAFFEBBD}" dt="2024-10-21T13:28:30.505" v="139" actId="20577"/>
+          <ac:spMkLst>
+            <pc:docMk/>
+            <pc:sldMk cId="942288986" sldId="268"/>
+            <ac:spMk id="7" creationId="{E28B90FC-3A24-C39F-23FD-B875AF482ED2}"/>
+          </ac:spMkLst>
+        </pc:spChg>
+        <pc:graphicFrameChg chg="modGraphic">
+          <ac:chgData name="Raymer, Michael L." userId="96c2fb1d-e79c-4ca3-9876-783e98fdd04a" providerId="ADAL" clId="{6C49AF94-D978-4976-AE7A-BD79EAFFEBBD}" dt="2024-10-21T13:28:01.267" v="96" actId="20577"/>
+          <ac:graphicFrameMkLst>
+            <pc:docMk/>
+            <pc:sldMk cId="942288986" sldId="268"/>
+            <ac:graphicFrameMk id="6" creationId="{8D0384C7-26E0-D677-35F2-A9F909707356}"/>
+          </ac:graphicFrameMkLst>
+        </pc:graphicFrameChg>
+      </pc:sldChg>
+      <pc:sldChg chg="ord">
+        <pc:chgData name="Raymer, Michael L." userId="96c2fb1d-e79c-4ca3-9876-783e98fdd04a" providerId="ADAL" clId="{6C49AF94-D978-4976-AE7A-BD79EAFFEBBD}" dt="2024-10-21T13:26:37.639" v="13"/>
+        <pc:sldMkLst>
+          <pc:docMk/>
+          <pc:sldMk cId="3917438058" sldId="274"/>
+        </pc:sldMkLst>
+      </pc:sldChg>
       <pc:sldChg chg="addSp modSp mod">
         <pc:chgData name="Raymer, Michael L." userId="96c2fb1d-e79c-4ca3-9876-783e98fdd04a" providerId="ADAL" clId="{6C49AF94-D978-4976-AE7A-BD79EAFFEBBD}" dt="2024-10-18T16:00:46.650" v="11"/>
         <pc:sldMkLst>
@@ -7725,23 +7754,23 @@
   <inkml:trace contextRef="#ctx0" brushRef="#br0" timeOffset="32287.28">20759 4586 1007 0,'4'-11'446'0,"-3"2"-262"0,2 3-101 0,2-4 58 16,-1 4-22-16,2 2-10 0,-2-4-1 0,1 3-7 0,-1-2 0 15,-2 5-12-15,3-2-9 0,-4 7-26 0,-1 0-7 16,0 1-7-16,0 3-9 0,-4 3-5 0,-1 9-15 16,-1-2-4-16,-1 6 0 0,-2 6-3 0,-3 4-1 15,1 0-1-15,-1 5-1 0,-1-3 1 0,1 0-13 16,0 3-10-16,3-11-15 0,-1 3-15 0,5-9-56 15,2-1-36-15,3-10-44 0,0-1-92 0,6-12 187 16,4-5-126-16,5-13-38 0</inkml:trace>
   <inkml:trace contextRef="#ctx0" brushRef="#br0" timeOffset="32508.09">21128 4408 1368 0,'-4'6'649'0,"-3"7"-412"0,4-1-98 16,0 4-65-16,0 8 28 0,1-3 4 0,-1 6-26 16,-1 5-15-16,3 5-11 0,-1-2-9 0,0-3-21 0,1 2-8 0,1 8-4 15,-3 0-5-15,2-4-5 0,-1-1-5 16,-2-8-7-16,2 4-27 0,-1-11-18 0,0 7-19 16,-1-21-25-16,2 0-64 0,1-3-29 0,1-5-22 15,0-7-26-15,0-10 143 0,-2-1-102 0,2-8-7 16</inkml:trace>
   <inkml:trace contextRef="#ctx0" brushRef="#br0" timeOffset="32678.54">20901 4486 648 0,'-15'3'426'0,"0"6"-147"16,-1-2-136-16,2 0 101 0,3 4-96 0,-1 4-15 0,1 0 8 16,1 4-4-16,0-2-7 0,5-1-48 0,4 1-5 15,-2 1-5-15,7 0-9 0,5-1-9 0,6-1-15 16,-1-2-7-16,7 1-5 0,2-7-5 0,3 2-11 15,-1 0-9-15,5-8-16 0,0 4-24 0,-2-4-103 16,2 0-70-16,1-1 159 0,-1 2-124 0,-2-2-104 16</inkml:trace>
-  <inkml:trace contextRef="#ctx0" brushRef="#br0" timeOffset="32956.29">21216 4739 1294 0,'-3'3'594'0,"-2"1"-366"0,5 0-92 0,0 0-6 16,4 1-62-16,0 3 53 0,2 0-36 15,2 2-13-15,5-1-8 0,-4 0-11 0,7-2-17 16,2 3-7-16,5-2-1 0,-3-3-4 0,-2-1-3 0,4-6-2 0,1 0-2 16,4 0-1-16,-6-1-6 0,-2-5 0 0,-3-1 0 15,3-2 0-15,-5 0-1 0,2 0 1 0,-6 1 0 16,-5-1-1-16,2-1-3 0,-5 3-4 15,-2 0-4-15,-4 2-23 0,0-2-10 0,-4 0-13 0,2 3-18 16,-3 1-65-16,0-2-31 0,3 6-39 0,-3-3-63 16,5 4 174-16,-2 0-125 0,8 3-31 15</inkml:trace>
-  <inkml:trace contextRef="#ctx0" brushRef="#br0" timeOffset="33484.22">21702 4667 1263 0,'5'-5'547'15,"0"3"-320"-15,1 2-129 0,-2 0 31 0,1 3-4 16,0 2-8-16,-2 1-18 0,2 3-17 0,-3 0-30 0,-1 2-8 16,0 3-8-16,0 1-6 0,-1-1-16 15,0 2-4-15,-2-2-2 0,0 0 1 0,1-2-2 16,0 3 0-16,0-10-3 0,-1 1 1 0,1-2 2 15,1-4 0-15,1-1-1 0,2-6-1 0,-1 1 1 16,0-5 0-16,0-3 0 0,4-2-1 0,-1 0-2 16,2-1-2-16,2-1-1 0,0 0 1 0,-1-1-1 15,3 4-1-15,1-1-1 0,1 3 1 16,-2-3 1-16,-1 7 0 0,-1-1 3 0,1 4 3 0,-2 1 4 16,0 5 1-16,-3 0 2 0,0 3 1 0,-3 5-1 0,1 3 5 15,-3-1-1-15,1 4-3 0,-1 0 0 0,-4 1-2 16,4 6 0-16,-2 2-1 0,-2-2 0 0,4-5-5 15,0 3-1-15,0-1 1 0,3-3-1 0,3-3 0 16,-2-9 1-16,0 1 0 0,3-4 0 0,1 0 1 16,2-8 0-16,0 0 0 0,0-6-1 0,-1 0 1 15,3-1-2-15,-1-2 0 0,-3 0-1 0,1 0 0 16,-3-2-1-16,2 2-2 0,0-1 1 0,-1 3-1 16,1 2-1-16,-1 0 0 0,-1 6-1 15,1-2-1-15,-1 3 2 0,-2 4-1 0,-1 2-1 16,2 0-1-16,-3 2 0 0,-1 2 2 0,-1 4-1 0,1 5 2 15,-1 6-2-15,-1-1 0 0,1 2-1 0,-1 4 3 16,1 2 1-16,-2-1-1 0,2-2 0 0,1 0-13 16,0-2-14-16,0-2-20 0,1-5-25 0,4-6-94 15,-1 2-57-15,5-16-119 0,-1 2 231 0,3-13-214 16,0 5-93-16</inkml:trace>
+  <inkml:trace contextRef="#ctx0" brushRef="#br0" timeOffset="32956.28">21216 4739 1294 0,'-3'3'594'0,"-2"1"-366"0,5 0-92 0,0 0-6 16,4 1-62-16,0 3 53 0,2 0-36 15,2 2-13-15,5-1-8 0,-4 0-11 0,7-2-17 16,2 3-7-16,5-2-1 0,-3-3-4 0,-2-1-3 0,4-6-2 0,1 0-2 16,4 0-1-16,-6-1-6 0,-2-5 0 0,-3-1 0 15,3-2 0-15,-5 0-1 0,2 0 1 0,-6 1 0 16,-5-1-1-16,2-1-3 0,-5 3-4 15,-2 0-4-15,-4 2-23 0,0-2-10 0,-4 0-13 0,2 3-18 16,-3 1-65-16,0-2-31 0,3 6-39 0,-3-3-63 16,5 4 174-16,-2 0-125 0,8 3-31 15</inkml:trace>
+  <inkml:trace contextRef="#ctx0" brushRef="#br0" timeOffset="33484.21">21702 4667 1263 0,'5'-5'547'15,"0"3"-320"-15,1 2-129 0,-2 0 31 0,1 3-4 16,0 2-8-16,-2 1-18 0,2 3-17 0,-3 0-30 0,-1 2-8 16,0 3-8-16,0 1-6 0,-1-1-16 15,0 2-4-15,-2-2-2 0,0 0 1 0,1-2-2 16,0 3 0-16,0-10-3 0,-1 1 1 0,1-2 2 15,1-4 0-15,1-1-1 0,2-6-1 0,-1 1 1 16,0-5 0-16,0-3 0 0,4-2-1 0,-1 0-2 16,2-1-2-16,2-1-1 0,0 0 1 0,-1-1-1 15,3 4-1-15,1-1-1 0,1 3 1 16,-2-3 1-16,-1 7 0 0,-1-1 3 0,1 4 3 0,-2 1 4 16,0 5 1-16,-3 0 2 0,0 3 1 0,-3 5-1 0,1 3 5 15,-3-1-1-15,1 4-3 0,-1 0 0 0,-4 1-2 16,4 6 0-16,-2 2-1 0,-2-2 0 0,4-5-5 15,0 3-1-15,0-1 1 0,3-3-1 0,3-3 0 16,-2-9 1-16,0 1 0 0,3-4 0 0,1 0 1 16,2-8 0-16,0 0 0 0,0-6-1 0,-1 0 1 15,3-1-2-15,-1-2 0 0,-3 0-1 0,1 0 0 16,-3-2-1-16,2 2-2 0,0-1 1 0,-1 3-1 16,1 2-1-16,-1 0 0 0,-1 6-1 15,1-2-1-15,-1 3 2 0,-2 4-1 0,-1 2-1 16,2 0-1-16,-3 2 0 0,-1 2 2 0,-1 4-1 0,1 5 2 15,-1 6-2-15,-1-1 0 0,1 2-1 0,-1 4 3 16,1 2 1-16,-2-1-1 0,2-2 0 0,1 0-13 16,0-2-14-16,0-2-20 0,1-5-25 0,4-6-94 15,-1 2-57-15,5-16-119 0,-1 2 231 0,3-13-214 16,0 5-93-16</inkml:trace>
   <inkml:trace contextRef="#ctx0" brushRef="#br0" timeOffset="34446.51">22390 4283 1108 0,'-10'0'583'0,"-1"2"-292"16,8-2-165-16,-3 5 105 0,3 0-105 0,3 1-7 15,-3 4-9-15,-1-1-20 0,1 5-38 0,0 3-10 16,-4 5-12-16,-2-1-8 0,2-3-14 0,-3 8-3 0,-2 6-3 15,1-1 1-15,-5-2-3 0,3 2 0 0,1-3 1 16,0 7 0-16,1-6-1 0,-1 3 1 0,4-9 1 16,1-3-1-16,2 3 0 0,0-6 0 0,3-5-1 15,3-7-3-15,1-2 0 0,3-4 1 0,1-5-1 16,8-7-1-16,-4 0 0 0,7-7-1 0,1 0 0 16,1-1 0-16,0-2-1 0,0 1-4 0,3 1 1 15,0 1-1-15,0 3 1 0,0 1-2 0,-1 3 1 16,-3 4 1-16,3 4 1 0,-3 8 0 0,-4-1 1 15,-3 2 2-15,-6 13 1 0,-1 4 1 0,-1-1 1 16,-2 2 1-16,-3 2 3 0,-5-2-1 0,-2 8 4 16,-6-1 0-16,2 1-1 0,0-8 0 0,-5 4 5 15,3-3-2-15,-2-1 2 0,2-7 4 0,1-4 2 16,3-1 2-16,1-4 1 0,-3-3 1 0,4-6 0 16,-3-1 1-16,6-9-4 0,0 5-4 0,1-7-5 15,-5 1-2-15,10-4-2 0,-3 0-2 0,3-2-3 16,2 0-1-16,4 2 0 0,-1-1-2 0,3 1-1 15,2 0 1-15,2 7-2 0,-2-2 1 0,1 4 2 0,0 7 0 16,-2-2-1-16,3 1 1 0,-3 5 4 16,-1 1 0-16,2 4 2 0,4 4 3 0,0 3-1 15,-1-2 0-15,2 0 2 0,3 4-1 0,2 1-1 16,-1-3 0-16,4-4 1 0,2-2-5 0,0 0 1 16,4-4 1-16,4-3-1 0,-1-4 1 0,0-1 0 15,-2-8 0-15,2 0 2 0,-6-4 1 0,3 1 1 16,-10-8 1-16,0 4 2 0,-6-3 3 15,-2-1 1-15,-7-1-1 0,-2 3 2 0,-2 0-1 0,-7 0-1 16,-3 4-3-16,1 1-1 0,-4 0-4 0,0 9-3 0,-4 3 0 16,-1-3-2-16,2 6-3 0,0 4 0 0,-3 5 2 0,0 2-1 15,1 7-1-15,-3-1 3 0,10 3-2 16,-1 4 1-16,-3 0 2 0,9 3 0 0,2-3-1 16,7 3 0-16,2-3-1 0,6-2-1 0,6-1 0 15,5-7-4-15,-1 2-5 0,9-12-2 0,-2 3-5 16,3-7-10-16,-1 1-1 0,-2-11-1 0,1-2 1 15,-3-3 5-15,-1-1 3 0,-1-3 5 0,0-1 5 16,-4 2 12-16,-3-3 1 0,0-1 2 0,1 0 2 16,-3 3-1-16,-4 0-1 0,0 0 1 0,0 2-3 15,-3 1-1-15,1 1 2 0,-5 6-2 0,-1 4-3 16,0-2 0-16,-2 8-1 0,-1 5 0 0,-4 5 0 16,-1 2 1-16,0 4 1 0,-3 5 1 0,0 5 3 15,-1-1 3-15,-1 5 3 0,2 1-1 0,0 0 1 16,-1 1 1-16,1-5-2 0,2 2 1 0,0-4-2 15,0 3 1-15,0-8-2 0,3-2 3 0,-2-4 11 16,3-3 0-16,0-7 2 0,1 0 5 0,0-3 4 16,2-7 1-16,3-7 10 0,-2 1 3 0,2-2-8 0,1-4 1 15,2 0 0-15,0-7-3 0,2-2-7 16,0 1-2-16,0 2-10 0,4-3-7 0,1 0-4 16,1 0-2-16,4 2-1 0,2 2 0 0,0 1 2 15,3 3 1-15,-1 4-1 0,0 3 2 0,1-2 2 16,0 14-2-16,0-2 1 0,-3 4-3 0,1 0-3 15,-3 10-11-15,1-3-17 0,0 3-93 16,-2 0-71-16,0 4-124 0,-3 0 232 0,-2-4-217 0,-1 2-117 16</inkml:trace>
   <inkml:trace contextRef="#ctx0" brushRef="#br0" timeOffset="35133.08">23555 4219 1056 0,'-11'0'502'15,"-1"1"-280"-15,3 0-130 0,-1 0 58 0,3 2-41 0,2-1-9 16,1-2 0-16,0 2-12 0,1 0-16 0,2-1-2 16,1 0-4-16,1 3-2 0,3 0-7 0,-1-2-3 15,-1 6-17-15,5-3-1 0,-1 2-5 0,1 1-5 16,2 3-4-16,2 1-5 0,1 0-1 15,2 1-4-15,3-3-2 0,3 2-4 0,-2 3 1 16,7-6-3-16,-1-1 2 0,0 0-3 0,2-2 0 16,0-3 0-16,0 2 1 0,1-5-1 15,-1 0 0-15,-1-1 1 0,-1-1 0 0,0-1 1 0,-2-2 0 16,-4 2-1-16,3-1 2 0,-7 1-2 0,-3 1 0 0,-1 1 0 16,1 1 2-16,-3 0-1 0,-4 2 0 0,-1 1 0 0,-3 1 0 15,-1 3 1-15,0-2 1 0,-2-1-2 16,-3 5 2-16,1 1-2 0,-3 0-1 0,4 0 2 15,-4-1-1-15,1 2-1 0,1 0-1 0,0 3 0 16,2-6-2-16,-2 2 0 0,4-6-1 0,-3 3 1 16,5-3-1-16,-1 2 2 0,1-4-2 0,0-2 1 15,1 0 0-15,2 0 2 0,0-4 1 0,2 4-3 16,-1-4 3-16,2-1-2 0,-2 0 0 0,0 3-1 16,2-2 1-16,-3 2-2 0,2 2 1 0,-2-1 0 15,-2-1 0-15,0 2 0 0,-1 0 1 0,-1 2 1 16,-6 4 2-16,3 0-1 0,-6 1 1 0,-5 5 0 15,0 5 1-15,-6 2 0 0,-6 5 2 0,-4 8 12 16,1-2 0-16,-6 8 2 0,1 2-2 0,-5 4 2 16,-1 0-1-16,4 1-2 0,1 1-2 0,4-6-10 15,-4 4-1-15,13-9-3 0,-4-2-1 0,11-8 0 16,4-4-1-16,5-6 0 0,1-1-1 0,2-5-3 0,8-9-7 16,1-4-28-16,1 2-18 0,0-3-21 0,2-5-24 15,-2 1-34-15,4-7-172 0,0-2 220 0,-1 0-145 16,-2-1-48-16</inkml:trace>
   <inkml:trace contextRef="#ctx0" brushRef="#br0" timeOffset="36162.81">15838 9065 932 0,'-21'4'422'0,"4"0"-267"16,5-7-56-16,-5-3-9 0,12-4-42 0,-3 0 23 16,3-3 2-16,-1 3 0 0,3-5-5 0,1 2-3 15,0 0-10-15,2 1-4 0,0 6-2 0,1 0-1 16,0 3-14-16,1 9-5 0,0 9-2 0,1-1-4 15,0 5-9-15,0 8-1 0,-1 10-3 0,0 7-3 16,1 17 1-16,-2-6 0 0,1-1-2 0,-2 3 1 16,0 1 2-16,-2-2-1 0,-1-8-1 0,1-12 2 15,0 0-2-15,-1-12 1 0,-2-6-2 0,2-13-2 16,0 2-1-16,2-24-3 0,0 2-1 0,1-14-2 16,-3 3 1-16,3-24-3 0,3 3 2 0,-1-10-1 15,1-7 3-15,4 5-1 0,-2-5 2 0,4-3 0 16,1 1 0-16,4-2 2 0,1 1 0 0,-1 11 2 15,0 1-4-15,5-5 3 0,1 3-1 0,-6 12-1 0,2 7 2 16,-4 7-3-16,2 7 5 0,-2 22 1 0,2-11 5 16,-3 25-2-16,2 13 3 0,0 0-1 0,2 18 0 15,-3 9 3-15,2 10-6 0,-3 1 0 16,0 11-2-16,-1-4 0 0,-5 0-2 0,2 5 1 0,-3-20-6 16,2 2-7-16,-3-12-22 0,0 4-11 0,1-31-9 15,-1 6-14-15,0-15-55 0,0-8-28 16,-1-9-38-16,-1-1-73 0,-1-11 177 0,-4-5-114 15,-2-3-36-15</inkml:trace>
   <inkml:trace contextRef="#ctx0" brushRef="#br0" timeOffset="36319.39">15667 9021 1203 0,'-12'30'497'0,"5"1"-324"0,0 2-108 15,4-3 28-15,0 1-15 0,10-6-12 0,2-1-2 0,7-2-5 16,4-4-10-16,6-10-12 0,4-1-7 15,4-7-14-15,6-6-3 0,2-9-3 0,-3 2-10 16,-1-5-22-16,-3-5-30 0,7-4-123 0,-2 0 143 16,-5 1-94-16,-2-1-56 0</inkml:trace>
   <inkml:trace contextRef="#ctx0" brushRef="#br0" timeOffset="36600.9">16385 8941 1562 0,'-20'16'596'0,"6"-4"-444"0,-1 3-108 0,5-8 7 16,3 3-14-16,2 1 7 0,2 1-1 0,3 2 5 0,1 1-1 16,-1 3-8-16,4 6-7 0,6 7-9 0,0-4-3 15,-1 3-10-15,-3 4-3 0,3 2 0 16,1 0-1-16,-3-6 2 0,-2-3-4 0,0 0 1 0,-1-8 0 16,-1-4-1-16,1-6 10 0,-4-3-3 0,2-3 3 15,-1-4-1-15,-3-10 4 0,-2 2 2 0,-2-16-2 16,6 5 1-16,-6-8-4 0,3 0 1 15,1-2-3-15,-5-4 0 0,7-2-3 0,-1 2-3 0,7-1-1 16,-6 0 0-16,1 6-5 0,4-3 0 0,3-2 0 16,2 2-2-16,0 5-1 0,-1 2 3 0,-3 6-2 0,5-3-1 15,-1 11-3-15,2-4-11 0,-2 10-16 0,1 5-59 16,0 0-35-16,2 6-46 0,1 0-66 0,1 5 156 16,1 1-129-16,-1 2-33 0</inkml:trace>
   <inkml:trace contextRef="#ctx0" brushRef="#br0" timeOffset="36923.42">16637 8942 1389 0,'-6'9'612'16,"-2"-4"-439"-16,-1 2-118 0,4 2-4 0,0 3 9 16,0-1 3-16,3 5 3 0,1 2 3 0,1 6-15 15,1 2-6-15,2 1-1 0,1 2-14 0,0-1-16 16,2 1-3-16,0-5-4 0,2 1-2 0,-1-7-4 15,-1 3-1-15,2-13-7 0,0-1 4 0,-2-7 4 16,3-6 0-16,-2-8 3 0,-2-2 0 0,0-7 13 16,-2-5 6-16,-2-3 3 0,3 1 6 0,-2 0 2 15,-1 1 0-15,0-7 1 0,1 1 1 0,0 5-13 0,1-2-6 16,2-1-4-16,2-3-6 0,4 0-4 0,-3-1-1 16,2 14-5-16,2-2 0 0,2 2-3 15,0 8-1-15,1 8-1 0,2 7-16 0,-3 0-16 16,5 7-14-16,0 3-17 0,1 5-54 0,-1 1-28 15,3 0-41-15,2 1-51 0,-2-2 152 0,2 3-107 16,1-9-22-16</inkml:trace>
-  <inkml:trace contextRef="#ctx0" brushRef="#br0" timeOffset="37212.26">17239 8835 1580 0,'-6'-10'659'0,"-4"-4"-420"0,-2 0-68 0,0-2-77 15,4-1-16-15,-2 0-39 0,3 1 20 0,-3 9-13 16,-1-4-4-16,3 5-6 0,0 5-6 15,-2 5-10-15,2 0-4 0,-2 13-6 0,0-2-2 0,1 6-5 16,1-1 1-16,2 8-4 0,-1-2 0 16,4 2 0-16,2 1-3 0,2-8 1 0,1 1-3 15,1-5 1-15,5-7-1 0,4-2 1 0,0 0 2 16,0-8 1-16,4-2-1 0,-2-4 2 0,4-5-2 16,4-8 2-16,-1 4 0 0,-7-5 0 0,4-3 0 15,-1 2 0-15,0-2 0 0,-3 2 0 0,-3 1 0 16,-2 2 1-16,0 3 0 0,-1 5 1 0,-5 6-1 15,0-2-1-15,-1 7 2 0,1 5-2 0,0 8 2 16,-1-2-2-16,0 9 0 0,2-1-1 0,-2 2-2 16,1 2 1-16,1-4-3 0,1 2-14 0,2-5-48 15,0-1-27-15,5-7-34 0,-1 1-42 0,0-4-54 0,4-10-121 16,2-4 217-16,1-3-149 0,-4-1-13 0</inkml:trace>
+  <inkml:trace contextRef="#ctx0" brushRef="#br0" timeOffset="37212.25">17239 8835 1580 0,'-6'-10'659'0,"-4"-4"-420"0,-2 0-68 0,0-2-77 15,4-1-16-15,-2 0-39 0,3 1 20 0,-3 9-13 16,-1-4-4-16,3 5-6 0,0 5-6 15,-2 5-10-15,2 0-4 0,-2 13-6 0,0-2-2 0,1 6-5 16,1-1 1-16,2 8-4 0,-1-2 0 16,4 2 0-16,2 1-3 0,2-8 1 0,1 1-3 15,1-5 1-15,5-7-1 0,4-2 1 0,0 0 2 16,0-8 1-16,4-2-1 0,-2-4 2 0,4-5-2 16,4-8 2-16,-1 4 0 0,-7-5 0 0,4-3 0 15,-1 2 0-15,0-2 0 0,-3 2 0 0,-3 1 0 16,-2 2 1-16,0 3 0 0,-1 5 1 0,-5 6-1 15,0-2-1-15,-1 7 2 0,1 5-2 0,0 8 2 16,-1-2-2-16,0 9 0 0,2-1-1 0,-2 2-2 16,1 2 1-16,1-4-3 0,1 2-14 0,2-5-48 15,0-1-27-15,5-7-34 0,-1 1-42 0,0-4-54 0,4-10-121 16,2-4 217-16,1-3-149 0,-4-1-13 0</inkml:trace>
   <inkml:trace contextRef="#ctx0" brushRef="#br0" timeOffset="37686.15">17739 8442 1413 0,'-12'6'725'0,"1"-1"-455"0,2 1-82 16,-2 3-122-16,2 2 7 0,-1-1-4 0,5 8-9 0,2 7-9 16,-3-1-8-16,2 1-21 0,4 6-2 0,0 2-9 0,2 9 0 15,2 6-4-15,0-2 0 0,-1-9-5 0,8 4-4 16,-1 1-12-16,4-6-16 0,-1-5-11 0,3-9-30 15,0-1-9-15,3-8-4 0,-2-4-2 16,-3-12 4-16,-1 0 10 0,3-9 14 0,-2-5 14 0,-3-7 32 16,-1 1 11-16,-2-7 8 0,-1 0 9 0,-4-2 17 15,1 0 6-15,-6 2 2 0,0 0 2 0,-2 1 3 16,-1 2-1-16,0 5-2 0,0 0-1 0,2 5-10 16,-1 7-6-16,0 5 3 0,1 4 1 15,-1 1-6-15,1 10-2 0,1 8-2 0,0 6-4 16,0 11-5-16,0-2 0 0,2 3-8 0,2 8 2 15,1 1-2-15,0 1 1 0,1 3-2 0,0-1-1 16,0 3 1-16,-1 1 0 0,0-4 2 0,-3-1-4 16,0-1 2-16,-4-3 2 0,1-4-1 0,-1-9 3 15,-2 5 0-15,-4-18 1 0,1 5-1 0,-2-10 4 16,2 2 1-16,-4-13 2 0,0 1 3 0,-4-8 2 16,2-4 1-16,0-5-4 0,-1-2 1 0,2 1-2 0,3-10-6 0,0-11-1 15,1 0-5-15,4 4-2 0,5-9-4 16,1 3 1-16,4-8 0 0,11 3-3 0,-4-3 3 15,4 13-2-15,5 1-35 0,-2-2-32 0,4 6-43 16,6 3-70-16,-1 4 133 0,-2 0-97 0,4 4-46 16</inkml:trace>
   <inkml:trace contextRef="#ctx0" brushRef="#br0" timeOffset="38072.18">18489 8287 1571 0,'-11'2'623'15,"-4"4"-421"-15,-3 3-133 0,-1 4 29 0,-1 3-32 16,0 0-1-16,0 6 2 0,3-2-10 0,-2 8-23 16,-1 0-4-16,7 8-7 0,-2 1-7 0,2 2-11 15,1 0-3-15,9 7-2 0,-4-1 1 0,3 2-2 16,2-2 1-16,5-4-1 0,2-1 3 0,-1-5 0 0,4-14 3 16,-1 0 1-16,2 1 0 0,8-11 3 0,-6-7 0 15,3-2-1-15,4-3 0 0,6-10-1 0,-2 3 0 16,3-7-2-16,4-2 0 0,0 0-1 15,3-6-1-15,0 3 0 0,-2 0 0 0,-1 0 1 0,-1 2-12 16,0 4-19-16,-8 2-93 0,1 2-64 16,-7 1-129-16,3 6 232 0,-4-4-219 0,2 4-117 0</inkml:trace>
   <inkml:trace contextRef="#ctx0" brushRef="#br0" timeOffset="38258.41">18759 8513 1721 0,'-12'9'708'16,"-4"2"-459"-16,12-6-160 0,-4 5 47 16,8 7-51-16,-1-4 10 0,1 16-16 0,-2-2-10 15,2 6-31-15,1 0-8 0,3 7-6 0,1-1-8 16,-4-3-33-16,2-1-37 0,3-5-17 0,1-1-39 16,3-9-219-16,1-7 256 0,6-12-158 0,-2 0-110 15</inkml:trace>
   <inkml:trace contextRef="#ctx0" brushRef="#br0" timeOffset="38585.53">19238 8392 1816 0,'-14'3'729'0,"7"3"-499"0,-4-2-152 0,4 4 9 15,0-1-7-15,1 0 1 0,0 2-2 0,-1-1-26 0,1-2-14 16,-3 4-7-16,-1 1-9 0,5-4-15 0,-4 2-1 15,0-2-4-15,1 4 1 0,2 0-3 0,-3 0 0 16,-2-1-1-16,2-1 0 0,4 1-1 0,-2 1-2 16,1-1 1-16,4 0-1 0,-2 1-2 0,7-1 1 15,2-1 0-15,8-2-1 0,-6 1 1 16,9-1-2-16,-1-1 0 0,3 1 2 0,-3-5 0 0,3 7 2 16,-3-2-1-16,-5 2 3 0,5 2 1 0,-12 8 1 15,3-2 4-15,-4 5-1 0,-5 2 2 16,-4 2-3-16,-2 1 2 0,1-3 0 0,-6-3-2 0,-7 3 1 15,-1 1-3-15,-1-7 0 0,-4-2 0 0,0-6-1 0,-1 0-12 16,1-9-19-16,-5 3-21 0,13-12-31 0,3-6-122 16,3 0-102-16,7-9 220 0,6-2-169 0,2-3-121 15</inkml:trace>
-  <inkml:trace contextRef="#ctx0" brushRef="#br0" timeOffset="38952.69">19479 8129 1849 0,'0'-2'706'15,"-4"-1"-503"-15,0-3-143 0,2 3 17 0,2 1-30 16,0 1 0-16,1 3 0 0,1 3-6 0,3 8-17 16,-3-5-3-16,2 15-5 0,-2 1-3 0,1 9-8 15,0-4 0-15,0 21-4 0,-1-4 0 0,-2 5-10 16,0 6-11-16,-3 0-22 0,1 0-19 0,0 0-35 15,-3 0-19-15,2-5-14 0,0 0-17 0,0-7 2 0,-1-10 1 16,2 0 19-16,0-1 15 0,-1-12 35 0,1-8 16 16,-1-5 14-16,-1-5 21 0,-1-12 16 15,2 3 17-15,-3-8 16 0,-1-9 33 0,-2 1 15 0,0-6 16 16,-1-1 14-16,-4-6 14 0,-1 2 0 0,-2-3-6 16,1 1-8-16,2-3-28 0,-3 2-11 0,10-2-8 15,-3 1-8-15,5 6-8 0,0-4-2 0,6 12-1 16,1-2 1-16,4 6 2 0,0 6-2 15,5 4-6-15,1 1-4 0,-2 2-12 0,11 5-2 0,8-1-6 16,-1 1-3-16,-1 0-4 0,8 0-2 0,2-4-19 0,7-1-121 16,2-6-95-16,2 4 185 0,-9-2-130 0,3-3-123 15</inkml:trace>
+  <inkml:trace contextRef="#ctx0" brushRef="#br0" timeOffset="38952.68">19479 8129 1849 0,'0'-2'706'15,"-4"-1"-503"-15,0-3-143 0,2 3 17 0,2 1-30 16,0 1 0-16,1 3 0 0,1 3-6 0,3 8-17 16,-3-5-3-16,2 15-5 0,-2 1-3 0,1 9-8 15,0-4 0-15,0 21-4 0,-1-4 0 0,-2 5-10 16,0 6-11-16,-3 0-22 0,1 0-19 0,0 0-35 15,-3 0-19-15,2-5-14 0,0 0-17 0,0-7 2 0,-1-10 1 16,2 0 19-16,0-1 15 0,-1-12 35 0,1-8 16 16,-1-5 14-16,-1-5 21 0,-1-12 16 15,2 3 17-15,-3-8 16 0,-1-9 33 0,-2 1 15 0,0-6 16 16,-1-1 14-16,-4-6 14 0,-1 2 0 0,-2-3-6 16,1 1-8-16,2-3-28 0,-3 2-11 0,10-2-8 15,-3 1-8-15,5 6-8 0,0-4-2 0,6 12-1 16,1-2 1-16,4 6 2 0,0 6-2 15,5 4-6-15,1 1-4 0,-2 2-12 0,11 5-2 0,8-1-6 16,-1 1-3-16,-1 0-4 0,8 0-2 0,2-4-19 0,7-1-121 16,2-6-95-16,2 4 185 0,-9-2-130 0,3-3-123 15</inkml:trace>
   <inkml:trace contextRef="#ctx0" brushRef="#br0" timeOffset="39526.51">20640 7824 1415 0,'4'-14'600'15,"6"1"-369"-15,-3 6-143 0,-1-1 36 0,1 0-35 0,-6 6-2 16,-1 2 1-16,1 0-13 0,-3 2-36 0,-5 3-5 16,1 2-2-16,-8 6-6 0,-4 11-5 0,1-5-7 15,-3 7-9-15,-4 10-2 0,-3 1-1 0,-1 7 0 16,-5 0-2-16,0 3 1 0,1 3 1 0,-2 1 0 16,-1-1 0-16,2 1-1 0,0-1 2 0,6-3-1 15,0 1-1-15,4-7 0 0,-3 5 0 0,8-17 1 16,1 6 1-16,1-10 6 0,4-5 0 0,5-6 0 15,1-1 4-15,2-3 3 0,4-4 0 0,7-3 1 16,-3 0 0-16,6-3-1 0,6 4 0 0,3-4 9 16,0 2 1-16,4-1 1 0,2 1 1 0,2 3 2 0,7-1 2 15,7 5 0-15,-2-1-1 0,-6 4-11 0,5 2-1 16,2 1-3-16,-4 4-3 0,-5-1-4 0,-3 5-3 16,-3-2-2-16,-3 0-1 0,-2 0 0 0,-9-2-24 15,3 2-21-15,-8-8-27 0,1 1-36 0,-4-6-165 16,-2 1 205-16,0-16-132 0,-2 3-82 0</inkml:trace>
-  <inkml:trace contextRef="#ctx0" brushRef="#br0" timeOffset="39785.66">20870 8143 1720 0,'16'-18'672'0,"-7"14"-480"0,5 0-135 0,-11 3 18 16,5 6-24-16,-3 8-3 0,2-1 0 0,-2 0 0 0,-8 12-11 0,3 9-9 15,1-1-5-15,-4 0-10 0,-2 7-6 0,0-1-3 16,-5 9-2-16,0-2-5 0,2 3-10 0,2-10-8 16,-8-3-36-16,7 3-13 0,-2-9-17 0,1-5-21 15,3-8-63-15,0-2-24 0,1-8-27 16,0-5-48-16,1-8 174 0,1-2-114 0,0-9-18 0</inkml:trace>
-  <inkml:trace contextRef="#ctx0" brushRef="#br0" timeOffset="39943.76">20717 8322 474 0,'-15'-25'419'0,"4"4"-137"0,3 8-145 0,-2-3 130 16,2 2-43-16,1 3-62 0,2 3-12 0,0 3-15 0,2 0-7 16,4 5-15-16,-1-1-9 0,3 1-35 0,6 3-3 15,0 1-11-15,5-1-9 0,5 2-5 0,8-3-9 16,0 1-4-16,7-1-4 0,5 0-5 0,1-4-7 15,3 2-5-15,-3-3-18 0,1 0-20 0,-4 3-96 16,-1-4-61-16,-12 4-120 0,3 1 225 0,-7 8-215 16,-6 0-110-16</inkml:trace>
+  <inkml:trace contextRef="#ctx0" brushRef="#br0" timeOffset="39785.65">20870 8143 1720 0,'16'-18'672'0,"-7"14"-480"0,5 0-135 0,-11 3 18 16,5 6-24-16,-3 8-3 0,2-1 0 0,-2 0 0 0,-8 12-11 0,3 9-9 15,1-1-5-15,-4 0-10 0,-2 7-6 0,0-1-3 16,-5 9-2-16,0-2-5 0,2 3-10 0,2-10-8 16,-8-3-36-16,7 3-13 0,-2-9-17 0,1-5-21 15,3-8-63-15,0-2-24 0,1-8-27 16,0-5-48-16,1-8 174 0,1-2-114 0,0-9-18 0</inkml:trace>
+  <inkml:trace contextRef="#ctx0" brushRef="#br0" timeOffset="39943.75">20717 8322 474 0,'-15'-25'419'0,"4"4"-137"0,3 8-145 0,-2-3 130 16,2 2-43-16,1 3-62 0,2 3-12 0,0 3-15 0,2 0-7 16,4 5-15-16,-1-1-9 0,3 1-35 0,6 3-3 15,0 1-11-15,5-1-9 0,5 2-5 0,8-3-9 16,0 1-4-16,7-1-4 0,5 0-5 0,1-4-7 15,3 2-5-15,-3-3-18 0,1 0-20 0,-4 3-96 16,-1-4-61-16,-12 4-120 0,3 1 225 0,-7 8-215 16,-6 0-110-16</inkml:trace>
   <inkml:trace contextRef="#ctx0" brushRef="#br0" timeOffset="40097.51">20621 8735 1160 0,'-7'0'493'0,"8"-6"-291"0,2 3-110 16,13-7 42-16,-1 2-31 0,9-4-1 0,-3 2 0 16,12-4-14-16,-1 3-14 0,2-4-27 15,4-1-11-15,-2 1-29 0,-2-2-34 0,1 4-215 16,-4-3 204-16,5 0-111 0,-5-1-101 0</inkml:trace>
   <inkml:trace contextRef="#ctx0" brushRef="#br0" timeOffset="40452.01">21155 8538 1574 0,'-5'7'654'0,"4"-2"-416"0,1 0-146 0,2 4 25 16,1-2-10-16,2 3-26 0,-1 2-19 0,2 7-13 15,0 0-9-15,0-3-19 0,-1 4-5 0,1-1-6 0,-2 2-3 16,1-1-3-16,0 3 1 0,-3-8-3 0,-1 0-5 15,3-3-8-15,-3-2-2 0,1-5-2 0,-1-5 1 16,0-2-1-16,2-8-1 0,-1-3 0 0,-1-8 8 16,0 2 5-16,0-8 0 0,0 1 3 0,0-2 4 15,0-1 1-15,2 1-2 0,-1-1 3 0,2 2-1 16,1 0 1-16,3-2 2 0,0 1 2 0,3 3 4 16,2 1 4-16,4 6 5 0,-4 1 2 0,1 1 2 15,1 14 0-15,0 3 5 0,2-1 1 0,-4 7-10 16,-1 5-2-16,-1 1-3 0,2 8-1 0,-2 3-3 15,0 0 0-15,-4 0-7 0,2 4-3 0,-1 0-1 16,-2 2 0-16,3-3-14 0,1-3-57 0,-3 1-35 16,2-5-39-16,0-5-49 0,3-4 127 0,-1 1-112 15,3-9-37-15</inkml:trace>
   <inkml:trace contextRef="#ctx0" brushRef="#br0" timeOffset="40882.67">21663 8025 1249 0,'1'-5'565'0,"-1"3"-318"0,3 1-135 0,-1 0 55 15,1 6-30-15,2 2 1 0,2 7-7 16,0 3-10-16,2 5-34 0,-2-2-10 0,3 12-11 0,0-2-13 16,-1 6-24-16,1 3 0 0,4 6-12 15,-4-5-6-15,-2-1-8 0,3 1-1 0,-1 4-10 16,-1 0-4-16,0-7-13 0,-2-1-13 0,-1-3 0 0,2 3-11 15,-5-7-1-15,3 2-1 0,-7-13 8 0,-1-1 3 16,1 0 10-16,-4-9 8 0,-1-2 3 0,-4-7 15 16,0 0-1-16,2-7 3 0,-3 0 2 0,0-7 3 15,0-1 2-15,-3-3 0 0,2-3 3 0,0-1-3 16,-1 0 3-16,2-4-3 0,0-3-1 0,1-1-3 16,-1 3 1-16,4-5-2 0,-2 2-1 0,4 3 0 15,1-1-1-15,1 10 2 0,0-2 1 0,1 5 3 16,1 9 2-16,1 3 6 0,1-1-1 0,-1 5 5 15,2 3 2-15,-1 1-1 0,6 7 4 0,3 6-2 16,-3-3 0-16,4 1-1 0,7 4 0 0,1 1 0 16,4 1 1-16,8-2-2 0,-1-5-3 15,0-1 1-15,6-2-1 0,-1-5-4 0,6-5-1 0,-4 0-4 16,2-13-3-16,-2 3 2 0,3-4-8 0,1 0-7 16,-2-6-11-16,-2-1-8 0,-4-1-28 0,-2 1-15 15,-7 1-20-15,-5-2-27 0,-4 2-106 16,-9 0-95-16,-8 2 223 0,-2 2-157 0,-2 1-54 0</inkml:trace>
@@ -7762,13 +7791,13 @@
   <inkml:trace contextRef="#ctx0" brushRef="#br0" timeOffset="78516.78">15889 11985 1611 0,'-14'18'659'0,"2"4"-429"0,2-1-140 15,1 0 24-15,7 6-23 0,1-2-11 0,1 1-1 16,3 2-6-16,5 1-9 0,0-1-9 0,2 2-22 16,2-2-6-16,2-1-10 0,0-2-25 0,1-1-38 0,-2-8-51 0,5-1-217 15,-1 1 253-15,3-6-166 0,-1-7-95 0</inkml:trace>
   <inkml:trace contextRef="#ctx0" brushRef="#br0" timeOffset="78838.53">16474 11665 1805 0,'-15'19'714'0,"5"-8"-467"0,1 6-147 16,-4-1 32-16,3-1-40 0,2 1-1 0,0-2-9 0,-4 0-13 15,-1 2-15-15,-1 0-13 0,-1-5-21 0,1 4-5 16,-3-2-7-16,-3 0-1 0,1 0-3 0,1 2-3 16,-1-3 1-16,1 3 0 0,3 1 0 0,1-4-4 15,-2 1 0-15,4-1-3 0,1 0 2 0,3 1-4 16,-1-2 0-16,9 4-1 0,-2-3-2 0,2-1-1 16,7 1 0-16,3-4 0 0,1 2 1 0,8-3 1 15,0-1 1-15,6-3-1 0,1 2 3 16,-2-3 5-16,2 1-1 0,-2 4 2 0,2-1 0 0,-7-1 0 15,-3 2 1-15,-1 4 2 0,-5 3 1 0,-5 3 2 16,3 0 1-16,-6 2-1 0,-6 3 1 0,3 1 1 16,-9 1-2-16,-2 1-2 0,-5-4-19 15,0-1-18-15,-5-1-29 0,-2-5-38 0,6-8-178 16,-9 2 216-16,11-14-134 0,-2 0-92 0</inkml:trace>
   <inkml:trace contextRef="#ctx0" brushRef="#br0" timeOffset="79224.39">16619 11475 1699 0,'-3'-9'711'0,"0"9"-451"16,-1 1-63-16,4 5-107 0,-1-2-15 0,2 13-40 15,1-2 28-15,2 10-24 0,0 4-9 0,2 9-8 16,-2-2-7-16,2 0-8 0,-1 5-3 0,3 9-3 15,1 1 1-15,-3-7-2 0,3 2-4 0,1-4-10 0,0 7-47 16,0-5-19-16,1 2-8 0,-3-13-21 0,-2 2-25 16,2-2-1-16,-4-2 5 0,-3-7 6 0,-2-7 48 15,-1 1-5-15,-4-10 27 0,-3-3 20 0,-1-10 24 16,-3-1 2-16,-1-8 3 0,-1-4 4 0,-1-3 16 16,-1-1 30-16,-2-3-7 0,-1 0 9 0,2-1 30 15,-3-1 9-15,2 0 5 0,0 0 4 0,3 1-4 16,1-3 2-16,6 6-3 0,1 0-2 0,1 4-23 15,9 7-7-15,4 0 2 0,0-1-6 0,3 6-12 16,3 0-9-16,7 2-8 0,10-6-5 0,14-1-9 16,-8 2-1-16,13-8-10 0,10-4-60 15,-1-1-65-15,11-7-110 0,-1-2 183 0,15-2-159 0,-8-2-97 16</inkml:trace>
-  <inkml:trace contextRef="#ctx0" brushRef="#br0" timeOffset="79758.46">17845 11216 1655 0,'-11'6'675'0,"0"1"-433"15,5-7-152-15,3-1 22 0,0-1-12 0,0 0-35 16,3 1-7-16,-7 1-8 0,5 0-14 0,-4 0-23 0,0 1 0 16,-1 2-4-16,-4 4-1 0,-6 4-1 15,2-2-1-15,0 3-3 0,-9 8 0 0,1 1-1 16,-6 4-2-16,-1 4 1 0,-1 4 0 0,2 2-1 16,-4 3 1-16,2 0-1 0,6 2 0 0,-3 0 1 15,11 1-1-15,-2-2 0 0,6 1-2 0,-2-4 0 16,13 2 0-16,-2 0-2 0,5-2 3 0,4 1 1 15,4-8 1-15,3 3 2 0,-1-5 2 0,9-8 4 0,7-1 5 16,-1 0 2-16,0-7 3 0,4-5 2 0,5 0 3 0,5-4 3 16,3-2-1-16,0-1 0 0,-11-2-7 15,7 1 1-15,-1 1-3 0,-4 0-4 0,-3-1-3 0,-8 2-3 16,1 0-1-16,-4 0 1 0,-3 2-2 16,-5 0 1-16,-1-1 0 0,-3 1-2 0,-3 0-9 15,-4 0-56-15,2 2-35 0,-5-2-49 0,0 1-70 16,-1 0 149-16,0 0-124 0,1-3-44 0</inkml:trace>
+  <inkml:trace contextRef="#ctx0" brushRef="#br0" timeOffset="79758.45">17845 11216 1655 0,'-11'6'675'0,"0"1"-433"15,5-7-152-15,3-1 22 0,0-1-12 0,0 0-35 16,3 1-7-16,-7 1-8 0,5 0-14 0,-4 0-23 0,0 1 0 16,-1 2-4-16,-4 4-1 0,-6 4-1 15,2-2-1-15,0 3-3 0,-9 8 0 0,1 1-1 16,-6 4-2-16,-1 4 1 0,-1 4 0 0,2 2-1 16,-4 3 1-16,2 0-1 0,6 2 0 0,-3 0 1 15,11 1-1-15,-2-2 0 0,6 1-2 0,-2-4 0 16,13 2 0-16,-2 0-2 0,5-2 3 0,4 1 1 15,4-8 1-15,3 3 2 0,-1-5 2 0,9-8 4 0,7-1 5 16,-1 0 2-16,0-7 3 0,4-5 2 0,5 0 3 0,5-4 3 16,3-2-1-16,0-1 0 0,-11-2-7 15,7 1 1-15,-1 1-3 0,-4 0-4 0,-3-1-3 0,-8 2-3 16,1 0-1-16,-4 0 1 0,-3 2-2 16,-5 0 1-16,-1-1 0 0,-3 1-2 0,-3 0-9 15,-4 0-56-15,2 2-35 0,-5-2-49 0,0 1-70 16,-1 0 149-16,0 0-124 0,1-3-44 0</inkml:trace>
   <inkml:trace contextRef="#ctx0" brushRef="#br0" timeOffset="80283.63">18054 11379 864 0,'0'4'449'0,"0"-8"-223"16,0 2-121-16,0-1 92 0,2-4-65 16,3-2 2-16,1 3-7 0,1-3-4 0,2-1-10 15,3-1-11-15,3 1-10 0,-4 0-25 0,0 0-5 0,4-1-4 16,-1-2-5-16,2 3-19 0,-3-1-5 0,3 1-3 16,-4-1-2-16,5 3-5 0,0-2-3 0,-1 4-8 0,0 4-2 15,-1-2-1-15,0 4 0 0,0 2 0 0,-1 8 1 16,-3-3 1-16,-1 6-1 0,-2 4 1 15,-3 6 1-15,2-1 0 0,-9 12-1 0,0-3 2 16,-5 0-3-16,3 4 0 0,-8-2-1 0,-1 3 2 0,0-3-2 16,-2-4 0-16,-1-2-1 0,2 0 0 15,0-3 0-15,3-6-1 0,-3 3 0 0,2-2 1 16,2-5-2-16,4-2-1 0,-1-2 1 0,3 1-3 16,0-7 0-16,1 2 1 0,3-5 0 0,5-2-1 15,1 1-3-15,4-4-1 0,1-2-21 0,1-2-85 16,5 0-52-16,-1-1-75 0,2 2 169 0,4-5-174 15,-4-1-94-15</inkml:trace>
   <inkml:trace contextRef="#ctx0" brushRef="#br0" timeOffset="80780.42">18457 12066 1104 0,'-6'3'486'0,"-1"-3"-296"0,-2 2-113 0,0-4 34 16,3 0-7-16,1-2-8 0,-2 0 3 0,4 0-20 16,0 0-6-16,3-3-3 0,-2 2-5 15,2-1-13-15,2-2-4 0,0-1 12 0,2 1-2 16,0-2-4-16,-1 0 2 0,1 3 0 0,2-5 5 15,-1 4-2-15,1-2-4 0,-2 7-14 0,2 0-6 16,-1 0-4-16,0 3-8 0,-1 1-4 0,1 6-7 16,-1 0-5-16,-1 3 1 0,-1 2-3 0,-2 5 2 15,2 0-1-15,-6 2 0 0,2 0 0 0,-3-3-2 16,0 3 1-16,-3-7-2 0,2 1 1 0,0-5 1 16,-1-2-2-16,2-6 0 0,-1 0-3 0,-1-3-12 0,4-8-23 15,0-3-97-15,1 2-76 0,1-5-198 0,1-1 306 16,3 0-210-16,3-4-176 0</inkml:trace>
   <inkml:trace contextRef="#ctx0" brushRef="#br0" timeOffset="81461.77">19326 11439 1198 0,'-10'3'597'0,"0"4"-340"0,-1 3-167 0,1-3 38 15,2 6-16-15,-4 3 11 0,1 2-7 16,3-1-35-16,-2 3-73 0,4-2 55 0,-3 7-6 16,1 4-8-16,-1-1-7 0,5 0-18 0,2 7-7 15,-3-2-4-15,4 6-3 0,-1 1-3 0,3-3-5 16,-1 1 3-16,2-1-3 0,5-6-2 0,-4-3 2 16,3 0-1-16,1-13-1 0,-1 0 1 0,1-7 0 15,0 1 0-15,0-9-1 0,-2 0 2 0,2-10 1 16,0-3-1-16,-1-3 1 0,2-2 0 0,0 2 2 0,0-6-3 0,1-3 2 15,1-1 1-15,0 4 1 0,0 1 2 16,2 4 0-16,0 1 2 0,2 4-1 0,-2-4 3 0,0 9-3 16,0 3 2-16,1-1-2 0,-2 0 0 15,0 0-1-15,1 2-4 0,2 3 3 0,-1 0-2 16,-1 0-1-16,2-3 0 0,-1 2-2 0,2 0 0 16,-1-3 0-16,-2-4 1 0,0 0-1 0,0-10 0 15,-3 2 3-15,-1-5-1 0,2 1 2 0,-6-5-3 16,2 0 1-16,-5-4 0 0,-1 0 0 0,-1 5 1 15,0-2 0-15,-3 2-1 0,-2 6-1 0,-4-3 2 16,0 0-1-16,3 7-2 0,-5 0 0 0,-1 4-2 0,-6 4-4 16,-3 7 1-16,2-2 0 0,-1 5-1 0,-1 8 0 15,-2 0 0-15,-2 6-1 0,3 4 0 0,-1 3 3 16,2 1 0-16,0 2-1 0,1 2 1 0,0 8 0 16,3 0 1-16,-1 2 0 0,-1 0 1 0,10 5 1 15,-4 1-1-15,8 0 0 0,1 5 0 0,6-5 2 16,-1 1-1-16,15-6 1 0,1 0 2 0,1-7 0 15,10-6 2-15,6-7 0 0,1-7 0 16,-2-4-2-16,15-21-2 0,5-8-8 0,1 0-18 0,-4-5-25 16,5-14-36-16,-5 1-50 0,10-6 97 15,-6-10-71-15,0 3-34 0</inkml:trace>
   <inkml:trace contextRef="#ctx0" brushRef="#br0" timeOffset="81742.61">19867 11732 1078 0,'-10'-10'508'0,"-4"-5"-277"15,-1-2-127-15,3 0 55 0,1-2-11 0,1 0-8 0,2 1-5 16,6 4-20-16,-3-1-7 0,8 7-10 15,3-2-11-15,3 4-21 0,0 0-10 0,10 8-7 16,0 0-6-16,6 9-16 0,2 4-6 0,5 6-5 16,-3 0-3-16,0 1-5 0,1 6-3 0,4 0 1 15,1 2-2-15,-6-7-4 0,-2-1-8 0,2-3-19 0,2 1-90 16,1-6-29-16,1 1-49 0,-7-6-69 0,-1-2 168 16,0-1-150-16,-5-4-39 0</inkml:trace>
   <inkml:trace contextRef="#ctx0" brushRef="#br0" timeOffset="81884.92">20204 11513 1624 0,'-23'-8'666'16,"1"4"-439"-16,3 2-149 0,0 5 44 0,4 0-48 15,-2 12 1-15,2 7 6 0,-6-4-7 0,6 4-17 16,-3 7 3-16,0 1-13 0,-1 6-7 0,2 4-11 16,-2-2-4-16,5-5-17 0,7 5-15 0,-1-2-22 15,5-3-36-15,6-4-31 0,8-10-168 16,-3-1 207-16,10-8-129 0,11-6-90 0</inkml:trace>
-  <inkml:trace contextRef="#ctx0" brushRef="#br0" timeOffset="82736.96">20339 10969 1574 0,'-3'-10'646'0,"-1"3"-429"0,2-1-142 16,0 9 26-16,2-1-3 0,1 4-9 0,1 7 1 15,5 7-16-15,-2 0-9 0,3 9-11 16,2 8-7-16,1 13-18 0,1-6-8 0,0 20-6 16,1-4-4-16,0 8-5 0,2 2-7 0,-3 2-12 15,-1 0-22-15,1-3-46 0,1 1-21 0,3-11-13 16,-4 1-16-16,-1-11-9 0,-2-16 4 0,-1-2 11 16,5-1 24-16,-9-13 42 0,-2-10 22 0,4 1 14 0,-8-8 19 15,-4-11 11-15,3 3 11 0,-4-5 4 0,-5-6 14 16,4-2 9-16,-8-6 4 0,-4 0 4 0,2-1-3 15,-1-1-2-15,-4-2-7 0,2-3-5 0,3 1-18 16,-3 0-5-16,6 2-7 0,0 1-3 0,4 4-2 16,-2-3 6-16,7 17 5 0,0-4 3 0,0 8 10 15,3 6 2-15,2 6 2 0,0 2 2 0,1 4 8 16,2 6-3-16,1 2-5 0,3 3-2 0,-3 0-6 16,7 0-1-16,3 5 2 0,2-1-2 0,0-5-5 15,5 1-2-15,3-3 0 0,2-4 2 0,7-8 0 16,-2 5 0-16,2-12-5 0,2-7 1 0,0 0-1 15,3-9-1-15,-1-4 0 0,0-6-4 16,3 2 0-16,-3-5-1 0,-2 1 0 0,-5-2-1 0,4 0-1 16,-10 5-1-16,-1 0 0 0,-8 2-1 15,2 0 0-15,-21 6-1 0,5-1-1 0,-8 7 0 0,-9 1-1 16,-5 11 1-16,1 0-1 0,-6 5 0 16,0 10-1-16,3 4-1 0,-3 2 2 0,2 0-1 0,8 9 1 0,-3 5-2 15,1 0 1-15,5-1-2 0,3 4 2 0,2-1-2 16,2 7-1-16,7-1-1 0,-3-1 1 0,8-10-2 15,5-2-3-15,3-2 0 0,5-8-2 16,5-6 1-16,9-12 0 0,1-3 2 0,7-11-1 0,-1-5 4 16,2-14 2-16,2 5 2 0,-4-16 1 0,2 0 1 15,-5-4 0-15,0 0 2 0,-7-2 0 16,1 2-1-16,-3 3 4 0,-5 0 1 0,-8 6 0 16,1 1-1-16,-2 6 3 0,-11 11-2 0,0 0 2 15,0-1 3-15,-3 8-3 0,-2 7-1 0,-5 6 0 0,-1 5 1 16,-3 12-1-16,1-5 0 0,1 10-3 0,-1 8 0 15,-1 4 0-15,2 3-2 0,1 0 0 0,5 5-1 16,-3 1 0-16,4 2-1 0,2-5 0 0,1 1-3 16,0-4 0-16,3-1 0 0,5-8-1 0,1-11-1 15,-1 4 1-15,7-22 0 0,-3 3 3 0,4-12 0 16,0 1 2-16,-3-16 0 0,3 1 2 0,-1-5 1 16,-2-4 2-16,2-1 2 0,-3 0-2 0,-2 3 3 15,-3-1-1-15,4-5 5 0,-3 2 0 0,-1 4-1 16,-2 2-1-16,2 3 0 0,2-3-3 0,1 7-1 15,-2-4 1-15,-2 15-3 0,-3 5 4 0,4 1-1 16,-7 8 0-16,0 10 1 0,-1 13 0 0,0 0-2 16,-3 12 0-16,1 3-3 0,2 8-5 0,-1-2 2 15,4 3-2-15,1-1-15 0,3-4-78 16,-3 2-49-16,11-18-69 0,0 2-121 0,8-12 235 16,3-8-184-16,1-10-71 0</inkml:trace>
+  <inkml:trace contextRef="#ctx0" brushRef="#br0" timeOffset="82736.95">20339 10969 1574 0,'-3'-10'646'0,"-1"3"-429"0,2-1-142 16,0 9 26-16,2-1-3 0,1 4-9 0,1 7 1 15,5 7-16-15,-2 0-9 0,3 9-11 16,2 8-7-16,1 13-18 0,1-6-8 0,0 20-6 16,1-4-4-16,0 8-5 0,2 2-7 0,-3 2-12 15,-1 0-22-15,1-3-46 0,1 1-21 0,3-11-13 16,-4 1-16-16,-1-11-9 0,-2-16 4 0,-1-2 11 16,5-1 24-16,-9-13 42 0,-2-10 22 0,4 1 14 0,-8-8 19 15,-4-11 11-15,3 3 11 0,-4-5 4 0,-5-6 14 16,4-2 9-16,-8-6 4 0,-4 0 4 0,2-1-3 15,-1-1-2-15,-4-2-7 0,2-3-5 0,3 1-18 16,-3 0-5-16,6 2-7 0,0 1-3 0,4 4-2 16,-2-3 6-16,7 17 5 0,0-4 3 0,0 8 10 15,3 6 2-15,2 6 2 0,0 2 2 0,1 4 8 16,2 6-3-16,1 2-5 0,3 3-2 0,-3 0-6 16,7 0-1-16,3 5 2 0,2-1-2 0,0-5-5 15,5 1-2-15,3-3 0 0,2-4 2 0,7-8 0 16,-2 5 0-16,2-12-5 0,2-7 1 0,0 0-1 15,3-9-1-15,-1-4 0 0,0-6-4 16,3 2 0-16,-3-5-1 0,-2 1 0 0,-5-2-1 0,4 0-1 16,-10 5-1-16,-1 0 0 0,-8 2-1 15,2 0 0-15,-21 6-1 0,5-1-1 0,-8 7 0 0,-9 1-1 16,-5 11 1-16,1 0-1 0,-6 5 0 16,0 10-1-16,3 4-1 0,-3 2 2 0,2 0-1 0,8 9 1 0,-3 5-2 15,1 0 1-15,5-1-2 0,3 4 2 0,2-1-2 16,2 7-1-16,7-1-1 0,-3-1 1 0,8-10-2 15,5-2-3-15,3-2 0 0,5-8-2 16,5-6 1-16,9-12 0 0,1-3 2 0,7-11-1 0,-1-5 4 16,2-14 2-16,2 5 2 0,-4-16 1 0,2 0 1 15,-5-4 0-15,0 0 2 0,-7-2 0 16,1 2-1-16,-3 3 4 0,-5 0 1 0,-8 6 0 16,1 1-1-16,-2 6 3 0,-11 11-2 0,0 0 2 15,0-1 3-15,-3 8-3 0,-2 7-1 0,-5 6 0 0,-1 5 1 16,-3 12-1-16,1-5 0 0,1 10-3 0,-1 8 0 15,-1 4 0-15,2 3-2 0,1 0 0 0,5 5-1 16,-3 1 0-16,4 2-1 0,2-5 0 0,1 1-3 16,0-4 0-16,3-1 0 0,5-8-1 0,1-11-1 15,-1 4 1-15,7-22 0 0,-3 3 3 0,4-12 0 16,0 1 2-16,-3-16 0 0,3 1 2 0,-1-5 1 16,-2-4 2-16,2-1 2 0,-3 0-2 0,-2 3 3 15,-3-1-1-15,4-5 5 0,-3 2 0 0,-1 4-1 16,-2 2-1-16,2 3 0 0,2-3-3 0,1 7-1 15,-2-4 1-15,-2 15-3 0,-3 5 4 0,4 1-1 16,-7 8 0-16,0 10 1 0,-1 13 0 0,0 0-2 16,-3 12 0-16,1 3-3 0,2 8-5 0,-1-2 2 15,4 3-2-15,1-1-15 0,3-4-78 16,-3 2-49-16,11-18-69 0,0 2-121 0,8-12 235 16,3-8-184-16,1-10-71 0</inkml:trace>
   <inkml:trace contextRef="#ctx0" brushRef="#br0" timeOffset="83148.98">21829 10647 1089 0,'4'8'485'0,"-1"-1"-288"15,2 0-114-15,0 2 42 0,-1 0 5 0,1 0 3 16,0-2-7-16,-1 0-23 0,-4-1-4 0,7 5 5 15,-5-4-4-15,3 0-27 0,-2 1-6 0,-3-2-5 0,3 5 2 16,-1 4-8-16,3-2-7 0,-6 6-15 0,1 5-6 16,-1 1-7-16,-1 8-4 0,0 5-6 0,-4 6-7 15,0 2-2-15,1 5 1 0,1 2-3 0,0 3-14 16,-2 0-1-16,6-1-9 0,-4-2-8 0,3-6-13 16,0 2-6-16,3-21-6 0,0 4-5 0,-1-11 3 15,4-10-1-15,-1-8 5 0,3-3 10 0,-2-9 15 16,-1-7 6-16,1-4 6 0,-4-7 11 0,2 3 16 15,-6-9 6-15,1-6 15 0,-4 3 4 0,3 4 5 16,-7-3 1-16,-6-2 10 0,0-1 11 0,-5 1-4 16,3-1-1-16,-2 15-11 0,-5-1 0 0,2-1-6 15,1 12-2-15,1 9-9 0,0 8-11 0,0 4-2 16,0 9-2-16,3 7-1 0,1 9-5 0,1-1-1 16,6 12 0-16,-1-1-3 0,7 0-1 0,0 3-2 15,11-6-4-15,-2-2-11 0,7-5-41 0,5-6-25 16,4-10-30-16,2 0-34 0,-3-5-51 0,8-12-62 0,10-7 154 15,-1 3-115-15,-1-7-2 0</inkml:trace>
   <inkml:trace contextRef="#ctx0" brushRef="#br0" timeOffset="83465.56">22165 11008 1662 0,'-10'-1'674'0,"0"1"-444"16,-2 5-149-16,-1 0 34 0,1 1-23 0,-1 2 0 0,-2 2-11 0,1 0-6 15,-2 1-18-15,-1 1-8 0,0 2-6 0,3 1-6 16,0-2-18-16,5-1-6 0,-3 2-4 0,0 2-4 16,6-2-5-16,2-2 0 0,2 4 0 0,2-2-2 15,6 0-1-15,-3 3-1 0,11-4 0 0,3 0-1 16,-1 2 1-16,7-4-1 0,2-3 1 0,4 0 0 16,1 4 2-16,2-5 1 0,0 2 1 0,-1 1 0 15,2-2 1-15,-9 6 1 0,-2-2-1 0,-7 3 5 16,4-3 2-16,-20 5 0 0,4-3 1 0,-12 1 4 15,-6 0-1-15,-10-3 1 0,4 2 0 0,-5-4-1 16,-6-1-1-16,-4-3 2 0,-5-1-2 0,9-3-5 0,-1-2-4 16,8-1-11-16,-5-3-38 0,10-7-22 15,-4 1-33-15,11-3-47 0,9 0 98 0,4-1-80 16,6-1-24-16</inkml:trace>
   <inkml:trace contextRef="#ctx0" brushRef="#br0" timeOffset="84069.35">23287 10989 1054 0,'-13'-7'501'0,"-3"1"-262"0,6 0-141 16,3 1 31-16,3-2-3 0,0 1-6 0,2 0-26 16,2 2-13-16,2-2-13 0,1 1-10 0,-1-1-7 15,1-1-7-15,-1 6-15 0,-1 4-5 0,3 1-6 16,-3 6-4-16,-4 10-4 0,-8 16-5 0,3 1-3 15,-9 15-1-15,0 7-6 0,-5 9-39 16,-4 2 18-16,6 8-80 0,-1-4-50 0,7-6 114 0,-2 5-80 16,15-18-36-16</inkml:trace>
@@ -7811,7 +7840,7 @@
   <inkml:trace contextRef="#ctx0" brushRef="#br0">3185 16597 2538 0,'12'2'5'0,"-4"1"-4"15,12-1 2-15,2 1-1 16,2-3 7-16,2-3 3 15,9-1 10-15,1-2 11 16,7 1 12-16,-2 2 2 16,-3 3-17-16,2 2-6 15,-4 6-20-15,1 2-8 0,3 1 7 16,0 0-5-16,-3 0 6 16,1-3 6-16,-3-5 0 15,0-2 2-15,2-9 5 16,-1 0 11-16,-2-7 7 15,3 0 2-15,-5 0-4 16,-4 1-14-16,-2 3-9 16,-4 2-3-16,-4 4-6 15,1-2 1-15,0 3 2 16,-1-4-4-16,1-1 3 16,3-1 3-16,8-4 4 15,4 1 7-15,8-3-3 16,0 1-6-16,1 1-5 15,1 0-2-15,0 3-1 16,3 2 1-16,0 5-1 16,-3 2-5-16,1 3-1 0,-1 1 4 15,6 5-1-15,2-1 1 16,-1 0 6-16,-1-1-4 16,-2-5 3-16,-2 0 2 15,0-6-2-15,2 0 1 16,-2-4-1-16,4 2 2 15,1 0-5-15,1 0 3 0,-10-1 0 16,0-1-4 0,-6 0 6-16,-5 1-5 0,4-1 0 15,-5 3 4-15,-4-3-3 16,0 1 3-16,-1 3-4 16,2-3 0-16,3 4-1 15,0 0 1-15,4 0 1 16,0 4 1-16,0 1 6 15,2 5-1-15,6 1-2 16,4 2 0-16,6 0-1 16,3-3 0-16,3 1 9 15,1-3 6-15,4-2 11 16,-2-1 7-16,-5-4 9 16,-3-4-8-16,-8-2 0 15,-3 3-4-15,-13 0-12 0,-7 0-5 16,-16 4-48-1,-5 1-47-15,-22 7-334 0,-8 6 252 16</inkml:trace>
   <inkml:trace contextRef="#ctx0" brushRef="#br0" timeOffset="656.03">3474 15563 710 0,'3'-11'336'0,"-3"0"-194"0,2 2-89 0,-1 1 31 0,-1 4-22 16,0-1-6-16,0-1-8 0,0 4-14 16,0 1-1-16,4-2-2 0,-6 2 1 0,-2 1 0 0,3 1-1 15,0 2-6-15,-3 4 2 0,1-1 0 0,-3 4 0 16,-3 3-1-16,3 3-3 0,4 1-1 0,-5 4-3 16,-1 3-1-16,2 3-5 0,-3-2-1 0,2 8-3 15,1-2 0-15,-1 2-5 0,-1-2 2 0,5-1-2 16,-1-3 1-16,2 1 2 0,0-7 1 15,1-6 0-15,1 1-1 0,0-5 4 0,0-7-3 0,4-4-1 16,-2 2-5-16,-1-3-7 0,4-4-11 0,3-2-15 16,1-4-49-16,1-7-35 0,1 3-47 0,-3-4-83 0,-1-7 166 15,8 0-120-15,-8-7-40 0</inkml:trace>
   <inkml:trace contextRef="#ctx0" brushRef="#br0" timeOffset="919.26">3134 15588 1282 0,'-15'5'609'0,"2"-2"-423"15,6-3-110-15,2-2-66 0,5 2-3 0,7-1-7 16,13 1-9-16,-6 0 0 0,10-1-6 0,13-4-19 16,-2 3-8-16,11-5-4 0,5 3-4 0,3-4-8 15,-2 0 1-15,5 0 3 0,-5 1 6 0,-6 3 23 16,6-3 1-16,-19 2 16 0,3-2 8 0,-5 4 14 15,-1 1 4-15,-9 2-1 0,1-3 3 0,-2 3-2 16,-4 1 8-16,-1 4-13 0,0-3-2 0,-3 1-12 0,-1 3-23 16,-4-2-124-16,0 2 125 0,-1 0-73 0,-4 0-49 15</inkml:trace>
-  <inkml:trace contextRef="#ctx0" brushRef="#br0" timeOffset="1090.36">3008 15960 1842 0,'7'2'656'0,"-1"-6"-513"0,8-5-128 0,12-4 3 16,2 2-25-16,-1 0-17 0,16-2-17 0,5 4-18 0,11-4-88 16,14 2-49-16,-3-1-101 0,-10 3 208 0,3-4-205 15,0 2-92-15</inkml:trace>
+  <inkml:trace contextRef="#ctx0" brushRef="#br0" timeOffset="1090.35">3008 15960 1842 0,'7'2'656'0,"-1"-6"-513"0,8-5-128 0,12-4 3 16,2 2-25-16,-1 0-17 0,16-2-17 0,5 4-18 0,11-4-88 16,14 2-49-16,-3-1-101 0,-10 3 208 0,3-4-205 15,0 2-92-15</inkml:trace>
   <inkml:trace contextRef="#ctx0" brushRef="#br0" timeOffset="1524.51">3915 15907 518 0,'-10'-3'265'0,"-4"-6"-108"16,-1 3-81-16,0 0 67 0,2-1-41 0,1 3-19 15,-1-2-4-15,3 2-4 0,0-2-6 0,4 5-13 16,-1-1-4-16,6 1-22 0,0 1 9 0,-1 1-13 16,1 0-5-16,2 7-5 0,3-2-1 0,0 4-4 15,-1 2-1-15,3 4-1 0,-4-2 1 0,3 3-3 16,-2-2 2-16,0 1-4 0,1-1 0 0,-3-1-2 0,1-2 1 16,-1 1 2-16,1-1-1 0,0-2 0 0,-1-4 3 15,1 1 2-15,0 0 14 0,-1-6 4 0,0 1 2 16,-1-3-1-16,4-5 2 0,0 2-1 0,0-5-2 15,0-1-1-15,3-4-15 0,2-1-5 0,1 0-5 16,1-4-2-16,1-2-12 0,0 1-1 0,-2-4-4 16,5-1-2-16,5 1 1 0,-9-3 0 0,8 2 1 15,-2 3 2-15,-2 2 8 0,5 1 4 0,-2 4 2 16,-3 3 1-16,-3 4 3 0,-1 6 3 0,0 3 0 16,-1 2 3-16,-2 0 2 0,-4 11-2 0,2 5 2 15,-2 0 2-15,-1 1-5 0,-2 5 0 0,1 2 1 0,-2 4-2 16,-3 2-2-16,1 1 1 0,-2-6-2 0,0 3-3 15,-1 0-5-15,-1-2-9 0,1-6-11 0,-1-4-52 16,2 1-38-16,1-8-64 0,2-3 126 0,2-9-121 16,-1 0-58-16</inkml:trace>
   <inkml:trace contextRef="#ctx0" brushRef="#br0" timeOffset="2173.21">4533 15491 982 0,'1'-3'551'0,"2"0"-326"15,0-2-172-15,4 4 142 0,-1-1-213 0,-1 2-38 0,3 6-22 0,0 1-54 16,-1 2-19-16,-1-1-4 0,-2 3 4 0,-4 2 9 15,0 5 39-15,-9 4 30 0,3-1 42 16,-6 1 73-16,-4 4 56 0,1 3 22 0,-4 2 9 16,0 3 4-16,2 1-18 0,-1-1-14 0,3 4-18 0,0-3-16 15,3-2-34-15,0 2-9 0,4-6-6 16,4-5-7-16,3-6-8 0,-4 3-3 0,6-10-2 16,-2 2-1-16,5-8-1 0,-1 0-1 0,1-8-4 15,1 0 1-15,-3-4 2 0,2-5 2 0,-1-1 0 16,1-3 2-16,-2 3-1 0,-2-4 0 0,0-4-5 15,1 0-3-15,-1 2-1 0,0-3-1 0,0-2-2 0,0-3-1 16,0-2 3-16,-1-2 2 0,1 10 6 0,-3-2 7 16,1 1 4-16,-2 6 6 0,0 1 4 0,1 10 5 15,-3-2-2-15,1 7 1 0,-1 0 0 0,1 7-3 16,-1-2-1-16,4 13-6 0,-4-4 0 0,2 5-4 16,0-1 3-16,6 8-3 0,-1-1 0 0,2-1 3 15,2 0 0-15,0-4 1 0,5 1 0 0,5-4 3 16,0-3-1-16,2-3-1 0,2-4 3 0,0 1-4 15,6-8 0-15,3-2-2 0,-1 0-1 0,0-5-7 16,1-3-1-16,0-1-3 0,6-2-12 0,-1-4-5 16,1 2-5-16,-7-3-3 0,2-2-9 0,-1 3 0 15,-1-5-3-15,-3 1 1 0,-6-2 4 0,-2 3 2 16,-2 0 4-16,-8 1 4 0,-6 3 14 16,1-2 5-16,-8 7 5 0,-5 0 6 0,-6 5 22 15,0-2 10-15,-8 8 6 0,2 2 5 0,0 5 5 16,-6 5 0-16,-1 4 1 0,5-1-4 0,1 10-9 15,0 2-4-15,8 4-5 0,-3 0-4 0,4-3-9 0,11 2-3 0,2 0-2 16,0 2-4-16,5-9-12 0,5-2-10 0,8-2-16 16,7-4-50-16,15-7-35 0,-6 2-48 0,10-9-95 15,13-2 177-15,-3-3-127 0,9-7-46 16</inkml:trace>
   <inkml:trace contextRef="#ctx0" brushRef="#br0" timeOffset="3188.96">5197 15709 1524 0,'-18'5'716'0,"0"6"-463"0,6-1-194 0,-3-3 62 16,-3-2-90-16,7 8-37 0,3 1-26 0,8 3-41 16,1 4-12-16,5-2-12 0,1-3-12 0,6 0-17 15,1 2-1-15,6-9 9 0,-1 1 13 0,1-6 40 16,0 0 18-16,3-6 16 0,-2 2 18 0,1-5 29 15,-2-2 9-15,0-4 2 0,-1 1 3 0,-4-1 1 16,2-4-2-16,-4 0-2 0,3 0-1 0,-3 1-7 16,-6 0-5-16,1 0 1 0,0-3-3 0,-3 4-3 15,-1 1-2-15,-2 1-1 0,-2-2-3 0,0 0-1 16,0 1 1-16,-1 2-1 0,-2 4 10 0,-2-2 3 16,0 5 0-16,0 2 5 0,-3 3 9 15,-3 2 0-15,0 7 2 0,-2 4 1 0,2 4-9 0,-1-2-3 16,2 13-3-16,-3-5-3 0,1 5-8 15,4-1 0-15,-3 2-3 0,1 0-1 0,2-3-1 16,0-1-1-16,1-1 0 0,1-2-4 0,1 0 0 16,5-2-4-16,0-2 0 0,0 0 0 0,0-1 2 0,-1-8 0 0,1 2 2 15,0 4 3-15,0-10 1 0,0 0 4 0,-1 1 0 16,-3-4 4-16,0 0-2 0,0 1 2 0,-2-3-1 16,-5-2 1-16,2 1-1 0,-4-1-1 0,-1 0-1 15,0-2-3-15,-1-2 0 0,-2 0-2 0,3 1-1 16,-2-4-1-16,0 1 1 0,0-3-3 15,1-1 1-15,2-1 0 0,0 0-2 0,5 0 1 16,-2-3 0-16,6 3 1 0,2-2-1 0,3 1-3 16,0 1 2-16,2 5 0 0,5-1-1 0,2-1 0 15,1 3 0-15,0 0-1 0,4 3 0 0,0 2 3 0,8-1-1 16,8 1 1-16,-5 0 1 0,5 1 2 0,3-1 0 16,0-2 0-16,5-2 0 0,1-2 0 0,-4-2 4 15,1 2-2-15,-1-5 2 0,-1 1 2 0,2-5 0 16,0 4 3-16,-3-2 1 0,2 2-2 0,-5-4 1 15,2 0 1-15,-10-1-2 0,4-3 0 0,-5 5-3 16,0-4-1-16,-10-1-2 0,-1 1 0 0,-1 3-9 16,-3 0-2-16,-7 2-2 0,0 1-1 0,-4 2 3 15,-3 5-2-15,-7 3 5 0,2-1 5 0,-6 2 8 16,0 4 6-16,-2 4 3 0,-4 1 6 0,-6 10-2 16,1-5 5-16,4 4-4 0,-4 4 2 0,4 2-2 15,2 3-2-15,3 0-2 0,6-2-4 0,-2-1 3 16,7 0-3-16,6 0 1 0,3-5-3 0,2-3-1 15,6 0 2-15,5-3-1 0,6-4-3 0,-1 0-5 16,14-3-6-16,-1-3-5 0,4-2-12 0,1 0-4 16,6-7-6-16,1 1-2 0,0-1-6 0,0-5 2 15,-3 1 3-15,-2 0 2 0,-2 1 11 0,-8 0 2 0,5-2 3 16,0 2 3-16,-7 0 8 0,-3 1 2 0,-1 1 2 16,-3-6 1-16,-3 1-1 0,3 0 3 0,-10 4 0 15,1-1 3-15,2 0-3 0,-4 3-1 0,-5-1-1 16,-1 7-1-16,-2 1 1 0,-2 3-1 0,-7 3 0 15,-5 5-4-15,-1-2 4 0,-8 12 1 0,2-2 0 16,-3 5 0-16,-2-3 1 0,-1 9-1 0,2 1 1 16,-3 1 0-16,3 1 0 0,2-3 1 0,1 2 2 15,1-4 10-15,4-1 4 0,6-9 6 16,-1-1 5-16,3-5 5 0,7-8 1 0,1-3 5 16,-1-1 0-16,4-7-11 0,2-2-4 0,4-4-7 0,4-7-8 15,9-10-6-15,-4 4-2 0,4 1-6 0,5-10-8 16,0 0-3-16,3 0-5 0,3 1-7 0,-2-3-4 15,2 1 1-15,0-2-3 0,2 2 3 0,-1 5 7 16,1-2 5-16,-3 10 6 0,-2-1 9 0,-1 8 7 16,0 0 2-16,-10 15 1 0,1-3 0 0,-3 5-1 15,-3 6-3-15,-2 4-2 0,0 1-1 0,-4 4-33 16,-1 2-27-16,-5 3-32 0,3 1-46 0,-4-2-109 16,-4 6 177-16,-2-7-160 0,-1-1-111 0</inkml:trace>
@@ -15907,8 +15936,8 @@
           </a:p>
         </p:txBody>
       </p:sp>
-      <mc:AlternateContent xmlns:mc="http://schemas.openxmlformats.org/markup-compatibility/2006">
-        <mc:Choice xmlns:p14="http://schemas.microsoft.com/office/powerpoint/2010/main" Requires="p14">
+      <mc:AlternateContent xmlns:mc="http://schemas.openxmlformats.org/markup-compatibility/2006" xmlns:p14="http://schemas.microsoft.com/office/powerpoint/2010/main">
+        <mc:Choice Requires="p14">
           <p:contentPart p14:bwMode="auto" r:id="rId2">
             <p14:nvContentPartPr>
               <p14:cNvPr id="6" name="Ink 5">
@@ -15927,7 +15956,7 @@
             </p14:xfrm>
           </p:contentPart>
         </mc:Choice>
-        <mc:Fallback>
+        <mc:Fallback xmlns="">
           <p:pic>
             <p:nvPicPr>
               <p:cNvPr id="6" name="Ink 5">
@@ -20363,8 +20392,8 @@
           </a:extLst>
         </p:spPr>
       </p:pic>
-      <mc:AlternateContent xmlns:mc="http://schemas.openxmlformats.org/markup-compatibility/2006">
-        <mc:Choice xmlns:p14="http://schemas.microsoft.com/office/powerpoint/2010/main" Requires="p14">
+      <mc:AlternateContent xmlns:mc="http://schemas.openxmlformats.org/markup-compatibility/2006" xmlns:p14="http://schemas.microsoft.com/office/powerpoint/2010/main">
+        <mc:Choice Requires="p14">
           <p:contentPart p14:bwMode="auto" r:id="rId4">
             <p14:nvContentPartPr>
               <p14:cNvPr id="3" name="Ink 2">
@@ -20383,7 +20412,7 @@
             </p14:xfrm>
           </p:contentPart>
         </mc:Choice>
-        <mc:Fallback>
+        <mc:Fallback xmlns="">
           <p:pic>
             <p:nvPicPr>
               <p:cNvPr id="3" name="Ink 2">
@@ -20596,7 +20625,7 @@
           <p:nvPr>
             <p:extLst>
               <p:ext uri="{D42A27DB-BD31-4B8C-83A1-F6EECF244321}">
-                <p14:modId xmlns:p14="http://schemas.microsoft.com/office/powerpoint/2010/main" val="1496323146"/>
+                <p14:modId xmlns:p14="http://schemas.microsoft.com/office/powerpoint/2010/main" val="1968336532"/>
               </p:ext>
             </p:extLst>
           </p:nvPr>
@@ -20905,7 +20934,7 @@
                           <a:effectLst/>
                           <a:latin typeface="Consolas" panose="020B0609020204030204" pitchFamily="49" charset="0"/>
                         </a:rPr>
-                        <a:t> e) Appends the specified element to the end of this list.</a:t>
+                        <a:t> e) Add an object to the collection</a:t>
                       </a:r>
                     </a:p>
                   </a:txBody>
@@ -21284,7 +21313,7 @@
                           <a:effectLst/>
                           <a:latin typeface="Consolas" panose="020B0609020204030204" pitchFamily="49" charset="0"/>
                         </a:rPr>
-                        <a:t>() Removes all of the elements from this list.</a:t>
+                        <a:t>() Removes all of the elements from this collection.</a:t>
                       </a:r>
                     </a:p>
                   </a:txBody>
@@ -21465,7 +21494,7 @@
                           <a:effectLst/>
                           <a:latin typeface="Consolas" panose="020B0609020204030204" pitchFamily="49" charset="0"/>
                         </a:rPr>
-                        <a:t> o) Returns true if this list contains the specified element.</a:t>
+                        <a:t> o) Returns true if this collection contains the specified element.</a:t>
                       </a:r>
                     </a:p>
                   </a:txBody>
@@ -21612,7 +21641,7 @@
                           <a:effectLst/>
                           <a:latin typeface="Consolas" panose="020B0609020204030204" pitchFamily="49" charset="0"/>
                         </a:rPr>
-                        <a:t>() Returns true if this list contains no elements.</a:t>
+                        <a:t>() Returns true if this collection contains no elements.</a:t>
                       </a:r>
                     </a:p>
                   </a:txBody>
@@ -21793,7 +21822,7 @@
                           <a:effectLst/>
                           <a:latin typeface="Consolas" panose="020B0609020204030204" pitchFamily="49" charset="0"/>
                         </a:rPr>
-                        <a:t>) Removes the element at the specified position in this list.</a:t>
+                        <a:t>) Removes the element matching o.</a:t>
                       </a:r>
                     </a:p>
                   </a:txBody>
@@ -21940,7 +21969,7 @@
                           <a:effectLst/>
                           <a:latin typeface="Consolas" panose="020B0609020204030204" pitchFamily="49" charset="0"/>
                         </a:rPr>
-                        <a:t>() Returns the number of elements in this list.</a:t>
+                        <a:t>() Returns the number of elements in this collection.</a:t>
                       </a:r>
                     </a:p>
                   </a:txBody>
@@ -22188,7 +22217,19 @@
               <a:rPr lang="en-US" sz="3200" dirty="0">
                 <a:latin typeface="+mn-lt"/>
               </a:rPr>
-              <a:t>No get() because not all collections have an order.</a:t>
+              <a:t>No get() because not all collections have an order.  Collections are </a:t>
+            </a:r>
+            <a:r>
+              <a:rPr lang="en-US" sz="3200" u="sng" dirty="0" err="1">
+                <a:latin typeface="+mn-lt"/>
+              </a:rPr>
+              <a:t>Iterable</a:t>
+            </a:r>
+            <a:r>
+              <a:rPr lang="en-US" sz="3200" dirty="0">
+                <a:latin typeface="+mn-lt"/>
+              </a:rPr>
+              <a:t>.</a:t>
             </a:r>
           </a:p>
         </p:txBody>
@@ -23387,6 +23428,315 @@
           <p:cNvPr id="2" name="Title 1">
             <a:extLst>
               <a:ext uri="{FF2B5EF4-FFF2-40B4-BE49-F238E27FC236}">
+                <a16:creationId xmlns:a16="http://schemas.microsoft.com/office/drawing/2014/main" id="{AB385A0F-714E-80F0-A2E0-4844541E2879}"/>
+              </a:ext>
+            </a:extLst>
+          </p:cNvPr>
+          <p:cNvSpPr>
+            <a:spLocks noGrp="1"/>
+          </p:cNvSpPr>
+          <p:nvPr>
+            <p:ph type="title"/>
+          </p:nvPr>
+        </p:nvSpPr>
+        <p:spPr/>
+        <p:txBody>
+          <a:bodyPr/>
+          <a:lstStyle/>
+          <a:p>
+            <a:r>
+              <a:rPr lang="en-US" dirty="0"/>
+              <a:t>Java Collections</a:t>
+            </a:r>
+          </a:p>
+        </p:txBody>
+      </p:sp>
+      <p:sp>
+        <p:nvSpPr>
+          <p:cNvPr id="5" name="Content Placeholder 4">
+            <a:extLst>
+              <a:ext uri="{FF2B5EF4-FFF2-40B4-BE49-F238E27FC236}">
+                <a16:creationId xmlns:a16="http://schemas.microsoft.com/office/drawing/2014/main" id="{7974D2B5-89F7-5F1E-6B59-56E5FAA5C3A2}"/>
+              </a:ext>
+            </a:extLst>
+          </p:cNvPr>
+          <p:cNvSpPr>
+            <a:spLocks noGrp="1"/>
+          </p:cNvSpPr>
+          <p:nvPr>
+            <p:ph idx="1"/>
+          </p:nvPr>
+        </p:nvSpPr>
+        <p:spPr>
+          <a:xfrm>
+            <a:off x="381000" y="1143000"/>
+            <a:ext cx="8382000" cy="3810000"/>
+          </a:xfrm>
+        </p:spPr>
+        <p:txBody>
+          <a:bodyPr/>
+          <a:lstStyle/>
+          <a:p>
+            <a:r>
+              <a:rPr lang="en-US" dirty="0"/>
+              <a:t>The Java Collections class has a bunch of static methods to do useful things with collections.  For example:</a:t>
+            </a:r>
+          </a:p>
+          <a:p>
+            <a:pPr lvl="1">
+              <a:buFont typeface="Courier New" panose="02070309020205020404" pitchFamily="49" charset="0"/>
+              <a:buChar char="o"/>
+            </a:pPr>
+            <a:r>
+              <a:rPr lang="en-US" sz="2400" dirty="0" err="1">
+                <a:latin typeface="Consolas" panose="020B0609020204030204" pitchFamily="49" charset="0"/>
+              </a:rPr>
+              <a:t>Collections.sort</a:t>
+            </a:r>
+            <a:r>
+              <a:rPr lang="en-US" sz="2400" dirty="0">
+                <a:latin typeface="Consolas" panose="020B0609020204030204" pitchFamily="49" charset="0"/>
+              </a:rPr>
+              <a:t>()</a:t>
+            </a:r>
+          </a:p>
+          <a:p>
+            <a:pPr lvl="1">
+              <a:buFont typeface="Courier New" panose="02070309020205020404" pitchFamily="49" charset="0"/>
+              <a:buChar char="o"/>
+            </a:pPr>
+            <a:r>
+              <a:rPr lang="en-US" sz="2400" dirty="0" err="1">
+                <a:latin typeface="Consolas" panose="020B0609020204030204" pitchFamily="49" charset="0"/>
+              </a:rPr>
+              <a:t>Collections.max</a:t>
+            </a:r>
+            <a:r>
+              <a:rPr lang="en-US" sz="2400" dirty="0">
+                <a:latin typeface="Consolas" panose="020B0609020204030204" pitchFamily="49" charset="0"/>
+              </a:rPr>
+              <a:t>() &amp; </a:t>
+            </a:r>
+            <a:r>
+              <a:rPr lang="en-US" sz="2400" dirty="0" err="1">
+                <a:latin typeface="Consolas" panose="020B0609020204030204" pitchFamily="49" charset="0"/>
+              </a:rPr>
+              <a:t>Collections.min</a:t>
+            </a:r>
+            <a:r>
+              <a:rPr lang="en-US" sz="2400" dirty="0">
+                <a:latin typeface="Consolas" panose="020B0609020204030204" pitchFamily="49" charset="0"/>
+              </a:rPr>
+              <a:t>()</a:t>
+            </a:r>
+          </a:p>
+          <a:p>
+            <a:pPr lvl="1">
+              <a:buFont typeface="Courier New" panose="02070309020205020404" pitchFamily="49" charset="0"/>
+              <a:buChar char="o"/>
+            </a:pPr>
+            <a:r>
+              <a:rPr lang="en-US" sz="2400" dirty="0" err="1">
+                <a:latin typeface="Consolas" panose="020B0609020204030204" pitchFamily="49" charset="0"/>
+              </a:rPr>
+              <a:t>Collections.reverse</a:t>
+            </a:r>
+            <a:r>
+              <a:rPr lang="en-US" sz="2400" dirty="0">
+                <a:latin typeface="Consolas" panose="020B0609020204030204" pitchFamily="49" charset="0"/>
+              </a:rPr>
+              <a:t>()</a:t>
+            </a:r>
+          </a:p>
+          <a:p>
+            <a:pPr lvl="1">
+              <a:buFont typeface="Courier New" panose="02070309020205020404" pitchFamily="49" charset="0"/>
+              <a:buChar char="o"/>
+            </a:pPr>
+            <a:r>
+              <a:rPr lang="en-US" sz="2400" dirty="0" err="1">
+                <a:latin typeface="Consolas" panose="020B0609020204030204" pitchFamily="49" charset="0"/>
+              </a:rPr>
+              <a:t>Collections.shuffle</a:t>
+            </a:r>
+            <a:r>
+              <a:rPr lang="en-US" sz="2400" dirty="0">
+                <a:latin typeface="Consolas" panose="020B0609020204030204" pitchFamily="49" charset="0"/>
+              </a:rPr>
+              <a:t>()</a:t>
+            </a:r>
+          </a:p>
+          <a:p>
+            <a:pPr lvl="1">
+              <a:buFont typeface="Courier New" panose="02070309020205020404" pitchFamily="49" charset="0"/>
+              <a:buChar char="o"/>
+            </a:pPr>
+            <a:r>
+              <a:rPr lang="en-US" sz="2400" dirty="0" err="1">
+                <a:latin typeface="Consolas" panose="020B0609020204030204" pitchFamily="49" charset="0"/>
+              </a:rPr>
+              <a:t>Collections.swap</a:t>
+            </a:r>
+            <a:r>
+              <a:rPr lang="en-US" sz="2400" dirty="0">
+                <a:latin typeface="Consolas" panose="020B0609020204030204" pitchFamily="49" charset="0"/>
+              </a:rPr>
+              <a:t>()</a:t>
+            </a:r>
+          </a:p>
+        </p:txBody>
+      </p:sp>
+      <p:sp>
+        <p:nvSpPr>
+          <p:cNvPr id="3" name="Footer Placeholder 2">
+            <a:extLst>
+              <a:ext uri="{FF2B5EF4-FFF2-40B4-BE49-F238E27FC236}">
+                <a16:creationId xmlns:a16="http://schemas.microsoft.com/office/drawing/2014/main" id="{9CB20ABB-2D73-908D-54CA-7476615FA9AE}"/>
+              </a:ext>
+            </a:extLst>
+          </p:cNvPr>
+          <p:cNvSpPr>
+            <a:spLocks noGrp="1"/>
+          </p:cNvSpPr>
+          <p:nvPr>
+            <p:ph type="ftr" sz="quarter" idx="10"/>
+          </p:nvPr>
+        </p:nvSpPr>
+        <p:spPr/>
+        <p:txBody>
+          <a:bodyPr/>
+          <a:lstStyle/>
+          <a:p>
+            <a:pPr>
+              <a:defRPr/>
+            </a:pPr>
+            <a:r>
+              <a:rPr lang="fr-FR" altLang="en-US"/>
+              <a:t>CS 1181 – Computer Science II    Dr. Michael Raymer</a:t>
+            </a:r>
+            <a:endParaRPr lang="en-US" altLang="en-US"/>
+          </a:p>
+        </p:txBody>
+      </p:sp>
+      <p:sp>
+        <p:nvSpPr>
+          <p:cNvPr id="4" name="Slide Number Placeholder 3">
+            <a:extLst>
+              <a:ext uri="{FF2B5EF4-FFF2-40B4-BE49-F238E27FC236}">
+                <a16:creationId xmlns:a16="http://schemas.microsoft.com/office/drawing/2014/main" id="{8376B81C-AB75-7B8E-8698-112583DE90C8}"/>
+              </a:ext>
+            </a:extLst>
+          </p:cNvPr>
+          <p:cNvSpPr>
+            <a:spLocks noGrp="1"/>
+          </p:cNvSpPr>
+          <p:nvPr>
+            <p:ph type="sldNum" sz="quarter" idx="11"/>
+          </p:nvPr>
+        </p:nvSpPr>
+        <p:spPr/>
+        <p:txBody>
+          <a:bodyPr/>
+          <a:lstStyle/>
+          <a:p>
+            <a:fld id="{F2AD7893-EC1B-4A1B-9D9F-5EB845AA64D7}" type="slidenum">
+              <a:rPr lang="en-US" altLang="en-US" smtClean="0"/>
+              <a:pPr/>
+              <a:t>20</a:t>
+            </a:fld>
+            <a:endParaRPr lang="en-US" altLang="en-US"/>
+          </a:p>
+        </p:txBody>
+      </p:sp>
+      <p:sp>
+        <p:nvSpPr>
+          <p:cNvPr id="7" name="TextBox 6">
+            <a:extLst>
+              <a:ext uri="{FF2B5EF4-FFF2-40B4-BE49-F238E27FC236}">
+                <a16:creationId xmlns:a16="http://schemas.microsoft.com/office/drawing/2014/main" id="{75A7F54D-D5E6-D235-9BB8-5E35AF4CA4F2}"/>
+              </a:ext>
+            </a:extLst>
+          </p:cNvPr>
+          <p:cNvSpPr txBox="1"/>
+          <p:nvPr/>
+        </p:nvSpPr>
+        <p:spPr>
+          <a:xfrm>
+            <a:off x="381000" y="5268724"/>
+            <a:ext cx="8382000" cy="446276"/>
+          </a:xfrm>
+          <a:prstGeom prst="rect">
+            <a:avLst/>
+          </a:prstGeom>
+          <a:noFill/>
+        </p:spPr>
+        <p:txBody>
+          <a:bodyPr wrap="square">
+            <a:spAutoFit/>
+          </a:bodyPr>
+          <a:lstStyle/>
+          <a:p>
+            <a:pPr algn="ctr"/>
+            <a:r>
+              <a:rPr lang="en-US" sz="2300" dirty="0">
+                <a:solidFill>
+                  <a:srgbClr val="0070C0"/>
+                </a:solidFill>
+                <a:latin typeface="Speak Pro" panose="020B0504020101020102" pitchFamily="34" charset="0"/>
+                <a:hlinkClick r:id="rId2">
+                  <a:extLst>
+                    <a:ext uri="{A12FA001-AC4F-418D-AE19-62706E023703}">
+                      <ahyp:hlinkClr xmlns:ahyp="http://schemas.microsoft.com/office/drawing/2018/hyperlinkcolor" val="tx"/>
+                    </a:ext>
+                  </a:extLst>
+                </a:hlinkClick>
+              </a:rPr>
+              <a:t>https://docs.oracle.com/javase/8/docs/api/java/util/Collections.html</a:t>
+            </a:r>
+            <a:endParaRPr lang="en-US" sz="2300" dirty="0">
+              <a:solidFill>
+                <a:srgbClr val="0070C0"/>
+              </a:solidFill>
+              <a:latin typeface="Speak Pro" panose="020B0504020101020102" pitchFamily="34" charset="0"/>
+            </a:endParaRPr>
+          </a:p>
+        </p:txBody>
+      </p:sp>
+    </p:spTree>
+    <p:extLst>
+      <p:ext uri="{BB962C8B-B14F-4D97-AF65-F5344CB8AC3E}">
+        <p14:creationId xmlns:p14="http://schemas.microsoft.com/office/powerpoint/2010/main" val="4257482639"/>
+      </p:ext>
+    </p:extLst>
+  </p:cSld>
+  <p:clrMapOvr>
+    <a:masterClrMapping/>
+  </p:clrMapOvr>
+</p:sld>
+</file>
+
+<file path=ppt/slides/slide21.xml><?xml version="1.0" encoding="utf-8"?>
+<p:sld xmlns:a="http://schemas.openxmlformats.org/drawingml/2006/main" xmlns:r="http://schemas.openxmlformats.org/officeDocument/2006/relationships" xmlns:p="http://schemas.openxmlformats.org/presentationml/2006/main">
+  <p:cSld>
+    <p:spTree>
+      <p:nvGrpSpPr>
+        <p:cNvPr id="1" name=""/>
+        <p:cNvGrpSpPr/>
+        <p:nvPr/>
+      </p:nvGrpSpPr>
+      <p:grpSpPr>
+        <a:xfrm>
+          <a:off x="0" y="0"/>
+          <a:ext cx="0" cy="0"/>
+          <a:chOff x="0" y="0"/>
+          <a:chExt cx="0" cy="0"/>
+        </a:xfrm>
+      </p:grpSpPr>
+      <p:sp>
+        <p:nvSpPr>
+          <p:cNvPr id="2" name="Title 1">
+            <a:extLst>
+              <a:ext uri="{FF2B5EF4-FFF2-40B4-BE49-F238E27FC236}">
                 <a16:creationId xmlns:a16="http://schemas.microsoft.com/office/drawing/2014/main" id="{E209F803-9CCB-D0BE-E502-34F43501F549}"/>
               </a:ext>
             </a:extLst>
@@ -23466,7 +23816,7 @@
             <a:fld id="{F2AD7893-EC1B-4A1B-9D9F-5EB845AA64D7}" type="slidenum">
               <a:rPr lang="en-US" altLang="en-US" smtClean="0"/>
               <a:pPr/>
-              <a:t>20</a:t>
+              <a:t>21</a:t>
             </a:fld>
             <a:endParaRPr lang="en-US" altLang="en-US"/>
           </a:p>
@@ -23570,315 +23920,6 @@
     <p:extLst>
       <p:ext uri="{BB962C8B-B14F-4D97-AF65-F5344CB8AC3E}">
         <p14:creationId xmlns:p14="http://schemas.microsoft.com/office/powerpoint/2010/main" val="3917438058"/>
-      </p:ext>
-    </p:extLst>
-  </p:cSld>
-  <p:clrMapOvr>
-    <a:masterClrMapping/>
-  </p:clrMapOvr>
-</p:sld>
-</file>
-
-<file path=ppt/slides/slide21.xml><?xml version="1.0" encoding="utf-8"?>
-<p:sld xmlns:a="http://schemas.openxmlformats.org/drawingml/2006/main" xmlns:r="http://schemas.openxmlformats.org/officeDocument/2006/relationships" xmlns:p="http://schemas.openxmlformats.org/presentationml/2006/main">
-  <p:cSld>
-    <p:spTree>
-      <p:nvGrpSpPr>
-        <p:cNvPr id="1" name=""/>
-        <p:cNvGrpSpPr/>
-        <p:nvPr/>
-      </p:nvGrpSpPr>
-      <p:grpSpPr>
-        <a:xfrm>
-          <a:off x="0" y="0"/>
-          <a:ext cx="0" cy="0"/>
-          <a:chOff x="0" y="0"/>
-          <a:chExt cx="0" cy="0"/>
-        </a:xfrm>
-      </p:grpSpPr>
-      <p:sp>
-        <p:nvSpPr>
-          <p:cNvPr id="2" name="Title 1">
-            <a:extLst>
-              <a:ext uri="{FF2B5EF4-FFF2-40B4-BE49-F238E27FC236}">
-                <a16:creationId xmlns:a16="http://schemas.microsoft.com/office/drawing/2014/main" id="{AB385A0F-714E-80F0-A2E0-4844541E2879}"/>
-              </a:ext>
-            </a:extLst>
-          </p:cNvPr>
-          <p:cNvSpPr>
-            <a:spLocks noGrp="1"/>
-          </p:cNvSpPr>
-          <p:nvPr>
-            <p:ph type="title"/>
-          </p:nvPr>
-        </p:nvSpPr>
-        <p:spPr/>
-        <p:txBody>
-          <a:bodyPr/>
-          <a:lstStyle/>
-          <a:p>
-            <a:r>
-              <a:rPr lang="en-US" dirty="0"/>
-              <a:t>Java Collections</a:t>
-            </a:r>
-          </a:p>
-        </p:txBody>
-      </p:sp>
-      <p:sp>
-        <p:nvSpPr>
-          <p:cNvPr id="5" name="Content Placeholder 4">
-            <a:extLst>
-              <a:ext uri="{FF2B5EF4-FFF2-40B4-BE49-F238E27FC236}">
-                <a16:creationId xmlns:a16="http://schemas.microsoft.com/office/drawing/2014/main" id="{7974D2B5-89F7-5F1E-6B59-56E5FAA5C3A2}"/>
-              </a:ext>
-            </a:extLst>
-          </p:cNvPr>
-          <p:cNvSpPr>
-            <a:spLocks noGrp="1"/>
-          </p:cNvSpPr>
-          <p:nvPr>
-            <p:ph idx="1"/>
-          </p:nvPr>
-        </p:nvSpPr>
-        <p:spPr>
-          <a:xfrm>
-            <a:off x="381000" y="1143000"/>
-            <a:ext cx="8382000" cy="3810000"/>
-          </a:xfrm>
-        </p:spPr>
-        <p:txBody>
-          <a:bodyPr/>
-          <a:lstStyle/>
-          <a:p>
-            <a:r>
-              <a:rPr lang="en-US" dirty="0"/>
-              <a:t>The Java Collections class has a bunch of static methods to do useful things with collections.  For example:</a:t>
-            </a:r>
-          </a:p>
-          <a:p>
-            <a:pPr lvl="1">
-              <a:buFont typeface="Courier New" panose="02070309020205020404" pitchFamily="49" charset="0"/>
-              <a:buChar char="o"/>
-            </a:pPr>
-            <a:r>
-              <a:rPr lang="en-US" sz="2400" dirty="0" err="1">
-                <a:latin typeface="Consolas" panose="020B0609020204030204" pitchFamily="49" charset="0"/>
-              </a:rPr>
-              <a:t>Collections.sort</a:t>
-            </a:r>
-            <a:r>
-              <a:rPr lang="en-US" sz="2400" dirty="0">
-                <a:latin typeface="Consolas" panose="020B0609020204030204" pitchFamily="49" charset="0"/>
-              </a:rPr>
-              <a:t>()</a:t>
-            </a:r>
-          </a:p>
-          <a:p>
-            <a:pPr lvl="1">
-              <a:buFont typeface="Courier New" panose="02070309020205020404" pitchFamily="49" charset="0"/>
-              <a:buChar char="o"/>
-            </a:pPr>
-            <a:r>
-              <a:rPr lang="en-US" sz="2400" dirty="0" err="1">
-                <a:latin typeface="Consolas" panose="020B0609020204030204" pitchFamily="49" charset="0"/>
-              </a:rPr>
-              <a:t>Collections.max</a:t>
-            </a:r>
-            <a:r>
-              <a:rPr lang="en-US" sz="2400" dirty="0">
-                <a:latin typeface="Consolas" panose="020B0609020204030204" pitchFamily="49" charset="0"/>
-              </a:rPr>
-              <a:t>() &amp; </a:t>
-            </a:r>
-            <a:r>
-              <a:rPr lang="en-US" sz="2400" dirty="0" err="1">
-                <a:latin typeface="Consolas" panose="020B0609020204030204" pitchFamily="49" charset="0"/>
-              </a:rPr>
-              <a:t>Collections.min</a:t>
-            </a:r>
-            <a:r>
-              <a:rPr lang="en-US" sz="2400" dirty="0">
-                <a:latin typeface="Consolas" panose="020B0609020204030204" pitchFamily="49" charset="0"/>
-              </a:rPr>
-              <a:t>()</a:t>
-            </a:r>
-          </a:p>
-          <a:p>
-            <a:pPr lvl="1">
-              <a:buFont typeface="Courier New" panose="02070309020205020404" pitchFamily="49" charset="0"/>
-              <a:buChar char="o"/>
-            </a:pPr>
-            <a:r>
-              <a:rPr lang="en-US" sz="2400" dirty="0" err="1">
-                <a:latin typeface="Consolas" panose="020B0609020204030204" pitchFamily="49" charset="0"/>
-              </a:rPr>
-              <a:t>Collections.reverse</a:t>
-            </a:r>
-            <a:r>
-              <a:rPr lang="en-US" sz="2400" dirty="0">
-                <a:latin typeface="Consolas" panose="020B0609020204030204" pitchFamily="49" charset="0"/>
-              </a:rPr>
-              <a:t>()</a:t>
-            </a:r>
-          </a:p>
-          <a:p>
-            <a:pPr lvl="1">
-              <a:buFont typeface="Courier New" panose="02070309020205020404" pitchFamily="49" charset="0"/>
-              <a:buChar char="o"/>
-            </a:pPr>
-            <a:r>
-              <a:rPr lang="en-US" sz="2400" dirty="0" err="1">
-                <a:latin typeface="Consolas" panose="020B0609020204030204" pitchFamily="49" charset="0"/>
-              </a:rPr>
-              <a:t>Collections.shuffle</a:t>
-            </a:r>
-            <a:r>
-              <a:rPr lang="en-US" sz="2400" dirty="0">
-                <a:latin typeface="Consolas" panose="020B0609020204030204" pitchFamily="49" charset="0"/>
-              </a:rPr>
-              <a:t>()</a:t>
-            </a:r>
-          </a:p>
-          <a:p>
-            <a:pPr lvl="1">
-              <a:buFont typeface="Courier New" panose="02070309020205020404" pitchFamily="49" charset="0"/>
-              <a:buChar char="o"/>
-            </a:pPr>
-            <a:r>
-              <a:rPr lang="en-US" sz="2400" dirty="0" err="1">
-                <a:latin typeface="Consolas" panose="020B0609020204030204" pitchFamily="49" charset="0"/>
-              </a:rPr>
-              <a:t>Collections.swap</a:t>
-            </a:r>
-            <a:r>
-              <a:rPr lang="en-US" sz="2400" dirty="0">
-                <a:latin typeface="Consolas" panose="020B0609020204030204" pitchFamily="49" charset="0"/>
-              </a:rPr>
-              <a:t>()</a:t>
-            </a:r>
-          </a:p>
-        </p:txBody>
-      </p:sp>
-      <p:sp>
-        <p:nvSpPr>
-          <p:cNvPr id="3" name="Footer Placeholder 2">
-            <a:extLst>
-              <a:ext uri="{FF2B5EF4-FFF2-40B4-BE49-F238E27FC236}">
-                <a16:creationId xmlns:a16="http://schemas.microsoft.com/office/drawing/2014/main" id="{9CB20ABB-2D73-908D-54CA-7476615FA9AE}"/>
-              </a:ext>
-            </a:extLst>
-          </p:cNvPr>
-          <p:cNvSpPr>
-            <a:spLocks noGrp="1"/>
-          </p:cNvSpPr>
-          <p:nvPr>
-            <p:ph type="ftr" sz="quarter" idx="10"/>
-          </p:nvPr>
-        </p:nvSpPr>
-        <p:spPr/>
-        <p:txBody>
-          <a:bodyPr/>
-          <a:lstStyle/>
-          <a:p>
-            <a:pPr>
-              <a:defRPr/>
-            </a:pPr>
-            <a:r>
-              <a:rPr lang="fr-FR" altLang="en-US"/>
-              <a:t>CS 1181 – Computer Science II    Dr. Michael Raymer</a:t>
-            </a:r>
-            <a:endParaRPr lang="en-US" altLang="en-US"/>
-          </a:p>
-        </p:txBody>
-      </p:sp>
-      <p:sp>
-        <p:nvSpPr>
-          <p:cNvPr id="4" name="Slide Number Placeholder 3">
-            <a:extLst>
-              <a:ext uri="{FF2B5EF4-FFF2-40B4-BE49-F238E27FC236}">
-                <a16:creationId xmlns:a16="http://schemas.microsoft.com/office/drawing/2014/main" id="{8376B81C-AB75-7B8E-8698-112583DE90C8}"/>
-              </a:ext>
-            </a:extLst>
-          </p:cNvPr>
-          <p:cNvSpPr>
-            <a:spLocks noGrp="1"/>
-          </p:cNvSpPr>
-          <p:nvPr>
-            <p:ph type="sldNum" sz="quarter" idx="11"/>
-          </p:nvPr>
-        </p:nvSpPr>
-        <p:spPr/>
-        <p:txBody>
-          <a:bodyPr/>
-          <a:lstStyle/>
-          <a:p>
-            <a:fld id="{F2AD7893-EC1B-4A1B-9D9F-5EB845AA64D7}" type="slidenum">
-              <a:rPr lang="en-US" altLang="en-US" smtClean="0"/>
-              <a:pPr/>
-              <a:t>21</a:t>
-            </a:fld>
-            <a:endParaRPr lang="en-US" altLang="en-US"/>
-          </a:p>
-        </p:txBody>
-      </p:sp>
-      <p:sp>
-        <p:nvSpPr>
-          <p:cNvPr id="7" name="TextBox 6">
-            <a:extLst>
-              <a:ext uri="{FF2B5EF4-FFF2-40B4-BE49-F238E27FC236}">
-                <a16:creationId xmlns:a16="http://schemas.microsoft.com/office/drawing/2014/main" id="{75A7F54D-D5E6-D235-9BB8-5E35AF4CA4F2}"/>
-              </a:ext>
-            </a:extLst>
-          </p:cNvPr>
-          <p:cNvSpPr txBox="1"/>
-          <p:nvPr/>
-        </p:nvSpPr>
-        <p:spPr>
-          <a:xfrm>
-            <a:off x="381000" y="5268724"/>
-            <a:ext cx="8382000" cy="446276"/>
-          </a:xfrm>
-          <a:prstGeom prst="rect">
-            <a:avLst/>
-          </a:prstGeom>
-          <a:noFill/>
-        </p:spPr>
-        <p:txBody>
-          <a:bodyPr wrap="square">
-            <a:spAutoFit/>
-          </a:bodyPr>
-          <a:lstStyle/>
-          <a:p>
-            <a:pPr algn="ctr"/>
-            <a:r>
-              <a:rPr lang="en-US" sz="2300" dirty="0">
-                <a:solidFill>
-                  <a:srgbClr val="0070C0"/>
-                </a:solidFill>
-                <a:latin typeface="Speak Pro" panose="020B0504020101020102" pitchFamily="34" charset="0"/>
-                <a:hlinkClick r:id="rId2">
-                  <a:extLst>
-                    <a:ext uri="{A12FA001-AC4F-418D-AE19-62706E023703}">
-                      <ahyp:hlinkClr xmlns:ahyp="http://schemas.microsoft.com/office/drawing/2018/hyperlinkcolor" val="tx"/>
-                    </a:ext>
-                  </a:extLst>
-                </a:hlinkClick>
-              </a:rPr>
-              <a:t>https://docs.oracle.com/javase/8/docs/api/java/util/Collections.html</a:t>
-            </a:r>
-            <a:endParaRPr lang="en-US" sz="2300" dirty="0">
-              <a:solidFill>
-                <a:srgbClr val="0070C0"/>
-              </a:solidFill>
-              <a:latin typeface="Speak Pro" panose="020B0504020101020102" pitchFamily="34" charset="0"/>
-            </a:endParaRPr>
-          </a:p>
-        </p:txBody>
-      </p:sp>
-    </p:spTree>
-    <p:extLst>
-      <p:ext uri="{BB962C8B-B14F-4D97-AF65-F5344CB8AC3E}">
-        <p14:creationId xmlns:p14="http://schemas.microsoft.com/office/powerpoint/2010/main" val="4257482639"/>
       </p:ext>
     </p:extLst>
   </p:cSld>
@@ -30400,59 +30441,6 @@
 </file>
 
 <file path=customXml/item2.xml><?xml version="1.0" encoding="utf-8"?>
-<p:properties xmlns:p="http://schemas.microsoft.com/office/2006/metadata/properties" xmlns:xsi="http://www.w3.org/2001/XMLSchema-instance" xmlns:pc="http://schemas.microsoft.com/office/infopath/2007/PartnerControls">
-  <documentManagement>
-    <Invited_Students xmlns="ec914106-4023-4d62-800a-0989b013d7ae" xsi:nil="true"/>
-    <TeamsChannelId xmlns="ec914106-4023-4d62-800a-0989b013d7ae" xsi:nil="true"/>
-    <DefaultSectionNames xmlns="ec914106-4023-4d62-800a-0989b013d7ae" xsi:nil="true"/>
-    <Self_Registration_Enabled xmlns="ec914106-4023-4d62-800a-0989b013d7ae" xsi:nil="true"/>
-    <CultureName xmlns="ec914106-4023-4d62-800a-0989b013d7ae" xsi:nil="true"/>
-    <Student_Groups xmlns="ec914106-4023-4d62-800a-0989b013d7ae">
-      <UserInfo>
-        <DisplayName/>
-        <AccountId xsi:nil="true"/>
-        <AccountType/>
-      </UserInfo>
-    </Student_Groups>
-    <Has_Teacher_Only_SectionGroup xmlns="ec914106-4023-4d62-800a-0989b013d7ae" xsi:nil="true"/>
-    <AppVersion xmlns="ec914106-4023-4d62-800a-0989b013d7ae" xsi:nil="true"/>
-    <Teams_Channel_Section_Location xmlns="ec914106-4023-4d62-800a-0989b013d7ae" xsi:nil="true"/>
-    <Math_Settings xmlns="ec914106-4023-4d62-800a-0989b013d7ae" xsi:nil="true"/>
-    <Owner xmlns="ec914106-4023-4d62-800a-0989b013d7ae">
-      <UserInfo>
-        <DisplayName/>
-        <AccountId xsi:nil="true"/>
-        <AccountType/>
-      </UserInfo>
-    </Owner>
-    <Invited_Teachers xmlns="ec914106-4023-4d62-800a-0989b013d7ae" xsi:nil="true"/>
-    <IsNotebookLocked xmlns="ec914106-4023-4d62-800a-0989b013d7ae" xsi:nil="true"/>
-    <Is_Collaboration_Space_Locked xmlns="ec914106-4023-4d62-800a-0989b013d7ae" xsi:nil="true"/>
-    <_activity xmlns="ec914106-4023-4d62-800a-0989b013d7ae" xsi:nil="true"/>
-    <Templates xmlns="ec914106-4023-4d62-800a-0989b013d7ae" xsi:nil="true"/>
-    <NotebookType xmlns="ec914106-4023-4d62-800a-0989b013d7ae" xsi:nil="true"/>
-    <Distribution_Groups xmlns="ec914106-4023-4d62-800a-0989b013d7ae" xsi:nil="true"/>
-    <LMS_Mappings xmlns="ec914106-4023-4d62-800a-0989b013d7ae" xsi:nil="true"/>
-    <FolderType xmlns="ec914106-4023-4d62-800a-0989b013d7ae" xsi:nil="true"/>
-    <Teachers xmlns="ec914106-4023-4d62-800a-0989b013d7ae">
-      <UserInfo>
-        <DisplayName/>
-        <AccountId xsi:nil="true"/>
-        <AccountType/>
-      </UserInfo>
-    </Teachers>
-    <Students xmlns="ec914106-4023-4d62-800a-0989b013d7ae">
-      <UserInfo>
-        <DisplayName/>
-        <AccountId xsi:nil="true"/>
-        <AccountType/>
-      </UserInfo>
-    </Students>
-  </documentManagement>
-</p:properties>
-</file>
-
-<file path=customXml/item3.xml><?xml version="1.0" encoding="utf-8"?>
 <ct:contentTypeSchema xmlns:ct="http://schemas.microsoft.com/office/2006/metadata/contentType" xmlns:ma="http://schemas.microsoft.com/office/2006/metadata/properties/metaAttributes" ct:_="" ma:_="" ma:contentTypeName="Document" ma:contentTypeID="0x0101009BA8C64042A6704EA3EB4DC41C4FB05F" ma:contentTypeVersion="38" ma:contentTypeDescription="Create a new document." ma:contentTypeScope="" ma:versionID="bf4ae4a69332618c3e03d65c43393afd">
   <xsd:schema xmlns:xsd="http://www.w3.org/2001/XMLSchema" xmlns:xs="http://www.w3.org/2001/XMLSchema" xmlns:p="http://schemas.microsoft.com/office/2006/metadata/properties" xmlns:ns3="3b402ec5-cb89-4739-911d-5dd1c5e01384" xmlns:ns4="ec914106-4023-4d62-800a-0989b013d7ae" targetNamespace="http://schemas.microsoft.com/office/2006/metadata/properties" ma:root="true" ma:fieldsID="f0fe23496be744e10d46861378f316da" ns3:_="" ns4:_="">
     <xsd:import namespace="3b402ec5-cb89-4739-911d-5dd1c5e01384"/>
@@ -30893,6 +30881,59 @@
 </ct:contentTypeSchema>
 </file>
 
+<file path=customXml/item3.xml><?xml version="1.0" encoding="utf-8"?>
+<p:properties xmlns:p="http://schemas.microsoft.com/office/2006/metadata/properties" xmlns:xsi="http://www.w3.org/2001/XMLSchema-instance" xmlns:pc="http://schemas.microsoft.com/office/infopath/2007/PartnerControls">
+  <documentManagement>
+    <Invited_Students xmlns="ec914106-4023-4d62-800a-0989b013d7ae" xsi:nil="true"/>
+    <TeamsChannelId xmlns="ec914106-4023-4d62-800a-0989b013d7ae" xsi:nil="true"/>
+    <DefaultSectionNames xmlns="ec914106-4023-4d62-800a-0989b013d7ae" xsi:nil="true"/>
+    <Self_Registration_Enabled xmlns="ec914106-4023-4d62-800a-0989b013d7ae" xsi:nil="true"/>
+    <CultureName xmlns="ec914106-4023-4d62-800a-0989b013d7ae" xsi:nil="true"/>
+    <Student_Groups xmlns="ec914106-4023-4d62-800a-0989b013d7ae">
+      <UserInfo>
+        <DisplayName/>
+        <AccountId xsi:nil="true"/>
+        <AccountType/>
+      </UserInfo>
+    </Student_Groups>
+    <Has_Teacher_Only_SectionGroup xmlns="ec914106-4023-4d62-800a-0989b013d7ae" xsi:nil="true"/>
+    <AppVersion xmlns="ec914106-4023-4d62-800a-0989b013d7ae" xsi:nil="true"/>
+    <Teams_Channel_Section_Location xmlns="ec914106-4023-4d62-800a-0989b013d7ae" xsi:nil="true"/>
+    <Math_Settings xmlns="ec914106-4023-4d62-800a-0989b013d7ae" xsi:nil="true"/>
+    <Owner xmlns="ec914106-4023-4d62-800a-0989b013d7ae">
+      <UserInfo>
+        <DisplayName/>
+        <AccountId xsi:nil="true"/>
+        <AccountType/>
+      </UserInfo>
+    </Owner>
+    <Invited_Teachers xmlns="ec914106-4023-4d62-800a-0989b013d7ae" xsi:nil="true"/>
+    <IsNotebookLocked xmlns="ec914106-4023-4d62-800a-0989b013d7ae" xsi:nil="true"/>
+    <Is_Collaboration_Space_Locked xmlns="ec914106-4023-4d62-800a-0989b013d7ae" xsi:nil="true"/>
+    <_activity xmlns="ec914106-4023-4d62-800a-0989b013d7ae" xsi:nil="true"/>
+    <Templates xmlns="ec914106-4023-4d62-800a-0989b013d7ae" xsi:nil="true"/>
+    <NotebookType xmlns="ec914106-4023-4d62-800a-0989b013d7ae" xsi:nil="true"/>
+    <Distribution_Groups xmlns="ec914106-4023-4d62-800a-0989b013d7ae" xsi:nil="true"/>
+    <LMS_Mappings xmlns="ec914106-4023-4d62-800a-0989b013d7ae" xsi:nil="true"/>
+    <FolderType xmlns="ec914106-4023-4d62-800a-0989b013d7ae" xsi:nil="true"/>
+    <Teachers xmlns="ec914106-4023-4d62-800a-0989b013d7ae">
+      <UserInfo>
+        <DisplayName/>
+        <AccountId xsi:nil="true"/>
+        <AccountType/>
+      </UserInfo>
+    </Teachers>
+    <Students xmlns="ec914106-4023-4d62-800a-0989b013d7ae">
+      <UserInfo>
+        <DisplayName/>
+        <AccountId xsi:nil="true"/>
+        <AccountType/>
+      </UserInfo>
+    </Students>
+  </documentManagement>
+</p:properties>
+</file>
+
 <file path=customXml/itemProps1.xml><?xml version="1.0" encoding="utf-8"?>
 <ds:datastoreItem xmlns:ds="http://schemas.openxmlformats.org/officeDocument/2006/customXml" ds:itemID="{EB197284-9703-44A9-BDA7-BAABB0FFB9E9}">
   <ds:schemaRefs>
@@ -30902,23 +30943,6 @@
 </file>
 
 <file path=customXml/itemProps2.xml><?xml version="1.0" encoding="utf-8"?>
-<ds:datastoreItem xmlns:ds="http://schemas.openxmlformats.org/officeDocument/2006/customXml" ds:itemID="{CDA71DE4-3AE9-478E-9111-978128D747CB}">
-  <ds:schemaRefs>
-    <ds:schemaRef ds:uri="http://www.w3.org/XML/1998/namespace"/>
-    <ds:schemaRef ds:uri="3b402ec5-cb89-4739-911d-5dd1c5e01384"/>
-    <ds:schemaRef ds:uri="http://schemas.microsoft.com/office/2006/metadata/properties"/>
-    <ds:schemaRef ds:uri="http://schemas.microsoft.com/office/2006/documentManagement/types"/>
-    <ds:schemaRef ds:uri="http://schemas.openxmlformats.org/package/2006/metadata/core-properties"/>
-    <ds:schemaRef ds:uri="http://purl.org/dc/dcmitype/"/>
-    <ds:schemaRef ds:uri="http://purl.org/dc/terms/"/>
-    <ds:schemaRef ds:uri="http://schemas.microsoft.com/office/infopath/2007/PartnerControls"/>
-    <ds:schemaRef ds:uri="ec914106-4023-4d62-800a-0989b013d7ae"/>
-    <ds:schemaRef ds:uri="http://purl.org/dc/elements/1.1/"/>
-  </ds:schemaRefs>
-</ds:datastoreItem>
-</file>
-
-<file path=customXml/itemProps3.xml><?xml version="1.0" encoding="utf-8"?>
 <ds:datastoreItem xmlns:ds="http://schemas.openxmlformats.org/officeDocument/2006/customXml" ds:itemID="{BCEFC554-2353-41F4-B9DE-4E354DBABA5E}">
   <ds:schemaRefs>
     <ds:schemaRef ds:uri="http://schemas.microsoft.com/office/2006/metadata/contentType"/>
@@ -30935,4 +30959,21 @@
     <ds:schemaRef ds:uri="http://schemas.microsoft.com/internal/obd"/>
   </ds:schemaRefs>
 </ds:datastoreItem>
+</file>
+
+<file path=customXml/itemProps3.xml><?xml version="1.0" encoding="utf-8"?>
+<ds:datastoreItem xmlns:ds="http://schemas.openxmlformats.org/officeDocument/2006/customXml" ds:itemID="{CDA71DE4-3AE9-478E-9111-978128D747CB}">
+  <ds:schemaRefs>
+    <ds:schemaRef ds:uri="http://www.w3.org/XML/1998/namespace"/>
+    <ds:schemaRef ds:uri="3b402ec5-cb89-4739-911d-5dd1c5e01384"/>
+    <ds:schemaRef ds:uri="http://schemas.microsoft.com/office/2006/metadata/properties"/>
+    <ds:schemaRef ds:uri="http://schemas.microsoft.com/office/2006/documentManagement/types"/>
+    <ds:schemaRef ds:uri="http://schemas.openxmlformats.org/package/2006/metadata/core-properties"/>
+    <ds:schemaRef ds:uri="http://purl.org/dc/dcmitype/"/>
+    <ds:schemaRef ds:uri="http://purl.org/dc/terms/"/>
+    <ds:schemaRef ds:uri="http://schemas.microsoft.com/office/infopath/2007/PartnerControls"/>
+    <ds:schemaRef ds:uri="ec914106-4023-4d62-800a-0989b013d7ae"/>
+    <ds:schemaRef ds:uri="http://purl.org/dc/elements/1.1/"/>
+  </ds:schemaRefs>
+</ds:datastoreItem>
 </file>